--- a/lectures/08.template-method/template-method.pptx
+++ b/lectures/08.template-method/template-method.pptx
@@ -5,7 +5,7 @@
     <p:sldMasterId id="2147483672" r:id="rId1"/>
   </p:sldMasterIdLst>
   <p:notesMasterIdLst>
-    <p:notesMasterId r:id="rId32"/>
+    <p:notesMasterId r:id="rId33"/>
   </p:notesMasterIdLst>
   <p:sldIdLst>
     <p:sldId id="256" r:id="rId2"/>
@@ -38,11 +38,12 @@
     <p:sldId id="284" r:id="rId29"/>
     <p:sldId id="285" r:id="rId30"/>
     <p:sldId id="286" r:id="rId31"/>
+    <p:sldId id="287" r:id="rId32"/>
   </p:sldIdLst>
   <p:sldSz cx="9144000" cy="6858000" type="screen4x3"/>
   <p:notesSz cx="6858000" cy="9144000"/>
   <p:custDataLst>
-    <p:tags r:id="rId33"/>
+    <p:tags r:id="rId34"/>
   </p:custDataLst>
   <p:defaultTextStyle>
     <a:defPPr>
@@ -240,7 +241,7 @@
           <a:p>
             <a:fld id="{2F3DCB6D-0B48-4A3D-B663-06C3F903A9D3}" type="datetimeFigureOut">
               <a:rPr lang="ru-RU" smtClean="0"/>
-              <a:t>11.03.2019</a:t>
+              <a:t>08.10.2020</a:t>
             </a:fld>
             <a:endParaRPr lang="ru-RU"/>
           </a:p>
@@ -1509,7 +1510,7 @@
           <a:p>
             <a:fld id="{2590F9C9-AB92-4E86-B698-DEC9BF4350FF}" type="datetimeFigureOut">
               <a:rPr lang="ru-RU" smtClean="0"/>
-              <a:t>11.03.2019</a:t>
+              <a:t>08.10.2020</a:t>
             </a:fld>
             <a:endParaRPr lang="ru-RU"/>
           </a:p>
@@ -1733,7 +1734,7 @@
           <a:p>
             <a:fld id="{2590F9C9-AB92-4E86-B698-DEC9BF4350FF}" type="datetimeFigureOut">
               <a:rPr lang="ru-RU" smtClean="0"/>
-              <a:t>11.03.2019</a:t>
+              <a:t>08.10.2020</a:t>
             </a:fld>
             <a:endParaRPr lang="ru-RU"/>
           </a:p>
@@ -2005,7 +2006,7 @@
           <a:p>
             <a:fld id="{2590F9C9-AB92-4E86-B698-DEC9BF4350FF}" type="datetimeFigureOut">
               <a:rPr lang="ru-RU" smtClean="0"/>
-              <a:t>11.03.2019</a:t>
+              <a:t>08.10.2020</a:t>
             </a:fld>
             <a:endParaRPr lang="ru-RU"/>
           </a:p>
@@ -2180,7 +2181,7 @@
           <a:p>
             <a:fld id="{2590F9C9-AB92-4E86-B698-DEC9BF4350FF}" type="datetimeFigureOut">
               <a:rPr lang="ru-RU" smtClean="0"/>
-              <a:t>11.03.2019</a:t>
+              <a:t>08.10.2020</a:t>
             </a:fld>
             <a:endParaRPr lang="ru-RU"/>
           </a:p>
@@ -2541,7 +2542,7 @@
           <a:p>
             <a:fld id="{2590F9C9-AB92-4E86-B698-DEC9BF4350FF}" type="datetimeFigureOut">
               <a:rPr lang="ru-RU" smtClean="0"/>
-              <a:t>11.03.2019</a:t>
+              <a:t>08.10.2020</a:t>
             </a:fld>
             <a:endParaRPr lang="ru-RU"/>
           </a:p>
@@ -2826,7 +2827,7 @@
           <a:p>
             <a:fld id="{2590F9C9-AB92-4E86-B698-DEC9BF4350FF}" type="datetimeFigureOut">
               <a:rPr lang="ru-RU" smtClean="0"/>
-              <a:t>11.03.2019</a:t>
+              <a:t>08.10.2020</a:t>
             </a:fld>
             <a:endParaRPr lang="ru-RU"/>
           </a:p>
@@ -3248,7 +3249,7 @@
           <a:p>
             <a:fld id="{2590F9C9-AB92-4E86-B698-DEC9BF4350FF}" type="datetimeFigureOut">
               <a:rPr lang="ru-RU" smtClean="0"/>
-              <a:t>11.03.2019</a:t>
+              <a:t>08.10.2020</a:t>
             </a:fld>
             <a:endParaRPr lang="ru-RU"/>
           </a:p>
@@ -3368,7 +3369,7 @@
           <a:p>
             <a:fld id="{2590F9C9-AB92-4E86-B698-DEC9BF4350FF}" type="datetimeFigureOut">
               <a:rPr lang="ru-RU" smtClean="0"/>
-              <a:t>11.03.2019</a:t>
+              <a:t>08.10.2020</a:t>
             </a:fld>
             <a:endParaRPr lang="ru-RU"/>
           </a:p>
@@ -3465,7 +3466,7 @@
           <a:p>
             <a:fld id="{2590F9C9-AB92-4E86-B698-DEC9BF4350FF}" type="datetimeFigureOut">
               <a:rPr lang="ru-RU" smtClean="0"/>
-              <a:t>11.03.2019</a:t>
+              <a:t>08.10.2020</a:t>
             </a:fld>
             <a:endParaRPr lang="ru-RU"/>
           </a:p>
@@ -3750,7 +3751,7 @@
           <a:p>
             <a:fld id="{2590F9C9-AB92-4E86-B698-DEC9BF4350FF}" type="datetimeFigureOut">
               <a:rPr lang="ru-RU" smtClean="0"/>
-              <a:t>11.03.2019</a:t>
+              <a:t>08.10.2020</a:t>
             </a:fld>
             <a:endParaRPr lang="ru-RU"/>
           </a:p>
@@ -4112,7 +4113,7 @@
           <a:p>
             <a:fld id="{2590F9C9-AB92-4E86-B698-DEC9BF4350FF}" type="datetimeFigureOut">
               <a:rPr lang="ru-RU" smtClean="0"/>
-              <a:t>11.03.2019</a:t>
+              <a:t>08.10.2020</a:t>
             </a:fld>
             <a:endParaRPr lang="ru-RU"/>
           </a:p>
@@ -4537,7 +4538,7 @@
           <a:p>
             <a:fld id="{2590F9C9-AB92-4E86-B698-DEC9BF4350FF}" type="datetimeFigureOut">
               <a:rPr lang="ru-RU" smtClean="0"/>
-              <a:t>11.03.2019</a:t>
+              <a:t>08.10.2020</a:t>
             </a:fld>
             <a:endParaRPr lang="ru-RU"/>
           </a:p>
@@ -8663,7 +8664,7 @@
         <p:spPr>
           <a:xfrm>
             <a:off x="1907704" y="1916832"/>
-            <a:ext cx="4464496" cy="3600645"/>
+            <a:ext cx="5976664" cy="4820218"/>
           </a:xfrm>
           <a:prstGeom prst="rect">
             <a:avLst/>
@@ -8761,22 +8762,18 @@
           <a:p>
             <a:r>
               <a:rPr lang="ru-RU" dirty="0"/>
-              <a:t>Обобщили рецепт </a:t>
-            </a:r>
-            <a:r>
-              <a:rPr lang="ru-RU"/>
-              <a:t>и </a:t>
-            </a:r>
-            <a:r>
-              <a:rPr lang="ru-RU" smtClean="0"/>
+              <a:t>Обобщили рецепт и </a:t>
+            </a:r>
+            <a:r>
+              <a:rPr lang="ru-RU" dirty="0" smtClean="0"/>
               <a:t>вынес</a:t>
             </a:r>
             <a:r>
-              <a:rPr lang="ru-RU"/>
+              <a:rPr lang="ru-RU" dirty="0"/>
               <a:t>л</a:t>
             </a:r>
             <a:r>
-              <a:rPr lang="ru-RU" smtClean="0"/>
+              <a:rPr lang="ru-RU" dirty="0" smtClean="0"/>
               <a:t>и </a:t>
             </a:r>
             <a:r>
@@ -8850,9 +8847,433 @@
   <p:timing>
     <p:tnLst>
       <p:par>
-        <p:cTn id="1" dur="indefinite" restart="never" nodeType="tmRoot"/>
+        <p:cTn id="1" dur="indefinite" restart="never" nodeType="tmRoot">
+          <p:childTnLst>
+            <p:seq concurrent="1" nextAc="seek">
+              <p:cTn id="2" dur="indefinite" nodeType="mainSeq">
+                <p:childTnLst>
+                  <p:par>
+                    <p:cTn id="3" fill="hold">
+                      <p:stCondLst>
+                        <p:cond delay="indefinite"/>
+                      </p:stCondLst>
+                      <p:childTnLst>
+                        <p:par>
+                          <p:cTn id="4" fill="hold">
+                            <p:stCondLst>
+                              <p:cond delay="0"/>
+                            </p:stCondLst>
+                            <p:childTnLst>
+                              <p:par>
+                                <p:cTn id="5" presetID="10" presetClass="entr" presetSubtype="0" fill="hold" grpId="0" nodeType="clickEffect">
+                                  <p:stCondLst>
+                                    <p:cond delay="0"/>
+                                  </p:stCondLst>
+                                  <p:childTnLst>
+                                    <p:set>
+                                      <p:cBhvr>
+                                        <p:cTn id="6" dur="1" fill="hold">
+                                          <p:stCondLst>
+                                            <p:cond delay="0"/>
+                                          </p:stCondLst>
+                                        </p:cTn>
+                                        <p:tgtEl>
+                                          <p:spTgt spid="3">
+                                            <p:txEl>
+                                              <p:pRg st="0" end="0"/>
+                                            </p:txEl>
+                                          </p:spTgt>
+                                        </p:tgtEl>
+                                        <p:attrNameLst>
+                                          <p:attrName>style.visibility</p:attrName>
+                                        </p:attrNameLst>
+                                      </p:cBhvr>
+                                      <p:to>
+                                        <p:strVal val="visible"/>
+                                      </p:to>
+                                    </p:set>
+                                    <p:animEffect transition="in" filter="fade">
+                                      <p:cBhvr>
+                                        <p:cTn id="7" dur="500"/>
+                                        <p:tgtEl>
+                                          <p:spTgt spid="3">
+                                            <p:txEl>
+                                              <p:pRg st="0" end="0"/>
+                                            </p:txEl>
+                                          </p:spTgt>
+                                        </p:tgtEl>
+                                      </p:cBhvr>
+                                    </p:animEffect>
+                                  </p:childTnLst>
+                                </p:cTn>
+                              </p:par>
+                              <p:par>
+                                <p:cTn id="8" presetID="10" presetClass="entr" presetSubtype="0" fill="hold" grpId="0" nodeType="withEffect">
+                                  <p:stCondLst>
+                                    <p:cond delay="0"/>
+                                  </p:stCondLst>
+                                  <p:childTnLst>
+                                    <p:set>
+                                      <p:cBhvr>
+                                        <p:cTn id="9" dur="1" fill="hold">
+                                          <p:stCondLst>
+                                            <p:cond delay="0"/>
+                                          </p:stCondLst>
+                                        </p:cTn>
+                                        <p:tgtEl>
+                                          <p:spTgt spid="3">
+                                            <p:txEl>
+                                              <p:pRg st="1" end="1"/>
+                                            </p:txEl>
+                                          </p:spTgt>
+                                        </p:tgtEl>
+                                        <p:attrNameLst>
+                                          <p:attrName>style.visibility</p:attrName>
+                                        </p:attrNameLst>
+                                      </p:cBhvr>
+                                      <p:to>
+                                        <p:strVal val="visible"/>
+                                      </p:to>
+                                    </p:set>
+                                    <p:animEffect transition="in" filter="fade">
+                                      <p:cBhvr>
+                                        <p:cTn id="10" dur="500"/>
+                                        <p:tgtEl>
+                                          <p:spTgt spid="3">
+                                            <p:txEl>
+                                              <p:pRg st="1" end="1"/>
+                                            </p:txEl>
+                                          </p:spTgt>
+                                        </p:tgtEl>
+                                      </p:cBhvr>
+                                    </p:animEffect>
+                                  </p:childTnLst>
+                                </p:cTn>
+                              </p:par>
+                            </p:childTnLst>
+                          </p:cTn>
+                        </p:par>
+                      </p:childTnLst>
+                    </p:cTn>
+                  </p:par>
+                  <p:par>
+                    <p:cTn id="11" fill="hold">
+                      <p:stCondLst>
+                        <p:cond delay="indefinite"/>
+                      </p:stCondLst>
+                      <p:childTnLst>
+                        <p:par>
+                          <p:cTn id="12" fill="hold">
+                            <p:stCondLst>
+                              <p:cond delay="0"/>
+                            </p:stCondLst>
+                            <p:childTnLst>
+                              <p:par>
+                                <p:cTn id="13" presetID="10" presetClass="entr" presetSubtype="0" fill="hold" grpId="0" nodeType="clickEffect">
+                                  <p:stCondLst>
+                                    <p:cond delay="0"/>
+                                  </p:stCondLst>
+                                  <p:childTnLst>
+                                    <p:set>
+                                      <p:cBhvr>
+                                        <p:cTn id="14" dur="1" fill="hold">
+                                          <p:stCondLst>
+                                            <p:cond delay="0"/>
+                                          </p:stCondLst>
+                                        </p:cTn>
+                                        <p:tgtEl>
+                                          <p:spTgt spid="3">
+                                            <p:txEl>
+                                              <p:pRg st="2" end="2"/>
+                                            </p:txEl>
+                                          </p:spTgt>
+                                        </p:tgtEl>
+                                        <p:attrNameLst>
+                                          <p:attrName>style.visibility</p:attrName>
+                                        </p:attrNameLst>
+                                      </p:cBhvr>
+                                      <p:to>
+                                        <p:strVal val="visible"/>
+                                      </p:to>
+                                    </p:set>
+                                    <p:animEffect transition="in" filter="fade">
+                                      <p:cBhvr>
+                                        <p:cTn id="15" dur="500"/>
+                                        <p:tgtEl>
+                                          <p:spTgt spid="3">
+                                            <p:txEl>
+                                              <p:pRg st="2" end="2"/>
+                                            </p:txEl>
+                                          </p:spTgt>
+                                        </p:tgtEl>
+                                      </p:cBhvr>
+                                    </p:animEffect>
+                                  </p:childTnLst>
+                                </p:cTn>
+                              </p:par>
+                              <p:par>
+                                <p:cTn id="16" presetID="10" presetClass="entr" presetSubtype="0" fill="hold" grpId="0" nodeType="withEffect">
+                                  <p:stCondLst>
+                                    <p:cond delay="0"/>
+                                  </p:stCondLst>
+                                  <p:childTnLst>
+                                    <p:set>
+                                      <p:cBhvr>
+                                        <p:cTn id="17" dur="1" fill="hold">
+                                          <p:stCondLst>
+                                            <p:cond delay="0"/>
+                                          </p:stCondLst>
+                                        </p:cTn>
+                                        <p:tgtEl>
+                                          <p:spTgt spid="3">
+                                            <p:txEl>
+                                              <p:pRg st="3" end="3"/>
+                                            </p:txEl>
+                                          </p:spTgt>
+                                        </p:tgtEl>
+                                        <p:attrNameLst>
+                                          <p:attrName>style.visibility</p:attrName>
+                                        </p:attrNameLst>
+                                      </p:cBhvr>
+                                      <p:to>
+                                        <p:strVal val="visible"/>
+                                      </p:to>
+                                    </p:set>
+                                    <p:animEffect transition="in" filter="fade">
+                                      <p:cBhvr>
+                                        <p:cTn id="18" dur="500"/>
+                                        <p:tgtEl>
+                                          <p:spTgt spid="3">
+                                            <p:txEl>
+                                              <p:pRg st="3" end="3"/>
+                                            </p:txEl>
+                                          </p:spTgt>
+                                        </p:tgtEl>
+                                      </p:cBhvr>
+                                    </p:animEffect>
+                                  </p:childTnLst>
+                                </p:cTn>
+                              </p:par>
+                              <p:par>
+                                <p:cTn id="19" presetID="10" presetClass="entr" presetSubtype="0" fill="hold" grpId="0" nodeType="withEffect">
+                                  <p:stCondLst>
+                                    <p:cond delay="0"/>
+                                  </p:stCondLst>
+                                  <p:childTnLst>
+                                    <p:set>
+                                      <p:cBhvr>
+                                        <p:cTn id="20" dur="1" fill="hold">
+                                          <p:stCondLst>
+                                            <p:cond delay="0"/>
+                                          </p:stCondLst>
+                                        </p:cTn>
+                                        <p:tgtEl>
+                                          <p:spTgt spid="3">
+                                            <p:txEl>
+                                              <p:pRg st="4" end="4"/>
+                                            </p:txEl>
+                                          </p:spTgt>
+                                        </p:tgtEl>
+                                        <p:attrNameLst>
+                                          <p:attrName>style.visibility</p:attrName>
+                                        </p:attrNameLst>
+                                      </p:cBhvr>
+                                      <p:to>
+                                        <p:strVal val="visible"/>
+                                      </p:to>
+                                    </p:set>
+                                    <p:animEffect transition="in" filter="fade">
+                                      <p:cBhvr>
+                                        <p:cTn id="21" dur="500"/>
+                                        <p:tgtEl>
+                                          <p:spTgt spid="3">
+                                            <p:txEl>
+                                              <p:pRg st="4" end="4"/>
+                                            </p:txEl>
+                                          </p:spTgt>
+                                        </p:tgtEl>
+                                      </p:cBhvr>
+                                    </p:animEffect>
+                                  </p:childTnLst>
+                                </p:cTn>
+                              </p:par>
+                              <p:par>
+                                <p:cTn id="22" presetID="10" presetClass="entr" presetSubtype="0" fill="hold" grpId="0" nodeType="withEffect">
+                                  <p:stCondLst>
+                                    <p:cond delay="0"/>
+                                  </p:stCondLst>
+                                  <p:childTnLst>
+                                    <p:set>
+                                      <p:cBhvr>
+                                        <p:cTn id="23" dur="1" fill="hold">
+                                          <p:stCondLst>
+                                            <p:cond delay="0"/>
+                                          </p:stCondLst>
+                                        </p:cTn>
+                                        <p:tgtEl>
+                                          <p:spTgt spid="3">
+                                            <p:txEl>
+                                              <p:pRg st="5" end="5"/>
+                                            </p:txEl>
+                                          </p:spTgt>
+                                        </p:tgtEl>
+                                        <p:attrNameLst>
+                                          <p:attrName>style.visibility</p:attrName>
+                                        </p:attrNameLst>
+                                      </p:cBhvr>
+                                      <p:to>
+                                        <p:strVal val="visible"/>
+                                      </p:to>
+                                    </p:set>
+                                    <p:animEffect transition="in" filter="fade">
+                                      <p:cBhvr>
+                                        <p:cTn id="24" dur="500"/>
+                                        <p:tgtEl>
+                                          <p:spTgt spid="3">
+                                            <p:txEl>
+                                              <p:pRg st="5" end="5"/>
+                                            </p:txEl>
+                                          </p:spTgt>
+                                        </p:tgtEl>
+                                      </p:cBhvr>
+                                    </p:animEffect>
+                                  </p:childTnLst>
+                                </p:cTn>
+                              </p:par>
+                              <p:par>
+                                <p:cTn id="25" presetID="10" presetClass="entr" presetSubtype="0" fill="hold" grpId="0" nodeType="withEffect">
+                                  <p:stCondLst>
+                                    <p:cond delay="0"/>
+                                  </p:stCondLst>
+                                  <p:childTnLst>
+                                    <p:set>
+                                      <p:cBhvr>
+                                        <p:cTn id="26" dur="1" fill="hold">
+                                          <p:stCondLst>
+                                            <p:cond delay="0"/>
+                                          </p:stCondLst>
+                                        </p:cTn>
+                                        <p:tgtEl>
+                                          <p:spTgt spid="3">
+                                            <p:txEl>
+                                              <p:pRg st="6" end="6"/>
+                                            </p:txEl>
+                                          </p:spTgt>
+                                        </p:tgtEl>
+                                        <p:attrNameLst>
+                                          <p:attrName>style.visibility</p:attrName>
+                                        </p:attrNameLst>
+                                      </p:cBhvr>
+                                      <p:to>
+                                        <p:strVal val="visible"/>
+                                      </p:to>
+                                    </p:set>
+                                    <p:animEffect transition="in" filter="fade">
+                                      <p:cBhvr>
+                                        <p:cTn id="27" dur="500"/>
+                                        <p:tgtEl>
+                                          <p:spTgt spid="3">
+                                            <p:txEl>
+                                              <p:pRg st="6" end="6"/>
+                                            </p:txEl>
+                                          </p:spTgt>
+                                        </p:tgtEl>
+                                      </p:cBhvr>
+                                    </p:animEffect>
+                                  </p:childTnLst>
+                                </p:cTn>
+                              </p:par>
+                            </p:childTnLst>
+                          </p:cTn>
+                        </p:par>
+                      </p:childTnLst>
+                    </p:cTn>
+                  </p:par>
+                  <p:par>
+                    <p:cTn id="28" fill="hold">
+                      <p:stCondLst>
+                        <p:cond delay="indefinite"/>
+                      </p:stCondLst>
+                      <p:childTnLst>
+                        <p:par>
+                          <p:cTn id="29" fill="hold">
+                            <p:stCondLst>
+                              <p:cond delay="0"/>
+                            </p:stCondLst>
+                            <p:childTnLst>
+                              <p:par>
+                                <p:cTn id="30" presetID="10" presetClass="entr" presetSubtype="0" fill="hold" grpId="0" nodeType="clickEffect">
+                                  <p:stCondLst>
+                                    <p:cond delay="0"/>
+                                  </p:stCondLst>
+                                  <p:childTnLst>
+                                    <p:set>
+                                      <p:cBhvr>
+                                        <p:cTn id="31" dur="1" fill="hold">
+                                          <p:stCondLst>
+                                            <p:cond delay="0"/>
+                                          </p:stCondLst>
+                                        </p:cTn>
+                                        <p:tgtEl>
+                                          <p:spTgt spid="3">
+                                            <p:txEl>
+                                              <p:pRg st="7" end="7"/>
+                                            </p:txEl>
+                                          </p:spTgt>
+                                        </p:tgtEl>
+                                        <p:attrNameLst>
+                                          <p:attrName>style.visibility</p:attrName>
+                                        </p:attrNameLst>
+                                      </p:cBhvr>
+                                      <p:to>
+                                        <p:strVal val="visible"/>
+                                      </p:to>
+                                    </p:set>
+                                    <p:animEffect transition="in" filter="fade">
+                                      <p:cBhvr>
+                                        <p:cTn id="32" dur="500"/>
+                                        <p:tgtEl>
+                                          <p:spTgt spid="3">
+                                            <p:txEl>
+                                              <p:pRg st="7" end="7"/>
+                                            </p:txEl>
+                                          </p:spTgt>
+                                        </p:tgtEl>
+                                      </p:cBhvr>
+                                    </p:animEffect>
+                                  </p:childTnLst>
+                                </p:cTn>
+                              </p:par>
+                            </p:childTnLst>
+                          </p:cTn>
+                        </p:par>
+                      </p:childTnLst>
+                    </p:cTn>
+                  </p:par>
+                </p:childTnLst>
+              </p:cTn>
+              <p:prevCondLst>
+                <p:cond evt="onPrev" delay="0">
+                  <p:tgtEl>
+                    <p:sldTgt/>
+                  </p:tgtEl>
+                </p:cond>
+              </p:prevCondLst>
+              <p:nextCondLst>
+                <p:cond evt="onNext" delay="0">
+                  <p:tgtEl>
+                    <p:sldTgt/>
+                  </p:tgtEl>
+                </p:cond>
+              </p:nextCondLst>
+            </p:seq>
+          </p:childTnLst>
+        </p:cTn>
       </p:par>
     </p:tnLst>
+    <p:bldLst>
+      <p:bldP spid="3" grpId="0" build="p"/>
+    </p:bldLst>
   </p:timing>
 </p:sld>
 </file>
@@ -9004,9 +9425,476 @@
   <p:timing>
     <p:tnLst>
       <p:par>
-        <p:cTn id="1" dur="indefinite" restart="never" nodeType="tmRoot"/>
+        <p:cTn id="1" dur="indefinite" restart="never" nodeType="tmRoot">
+          <p:childTnLst>
+            <p:seq concurrent="1" nextAc="seek">
+              <p:cTn id="2" dur="indefinite" nodeType="mainSeq">
+                <p:childTnLst>
+                  <p:par>
+                    <p:cTn id="3" fill="hold">
+                      <p:stCondLst>
+                        <p:cond delay="indefinite"/>
+                      </p:stCondLst>
+                      <p:childTnLst>
+                        <p:par>
+                          <p:cTn id="4" fill="hold">
+                            <p:stCondLst>
+                              <p:cond delay="0"/>
+                            </p:stCondLst>
+                            <p:childTnLst>
+                              <p:par>
+                                <p:cTn id="5" presetID="10" presetClass="entr" presetSubtype="0" fill="hold" grpId="0" nodeType="clickEffect">
+                                  <p:stCondLst>
+                                    <p:cond delay="0"/>
+                                  </p:stCondLst>
+                                  <p:childTnLst>
+                                    <p:set>
+                                      <p:cBhvr>
+                                        <p:cTn id="6" dur="1" fill="hold">
+                                          <p:stCondLst>
+                                            <p:cond delay="0"/>
+                                          </p:stCondLst>
+                                        </p:cTn>
+                                        <p:tgtEl>
+                                          <p:spTgt spid="3">
+                                            <p:txEl>
+                                              <p:pRg st="0" end="0"/>
+                                            </p:txEl>
+                                          </p:spTgt>
+                                        </p:tgtEl>
+                                        <p:attrNameLst>
+                                          <p:attrName>style.visibility</p:attrName>
+                                        </p:attrNameLst>
+                                      </p:cBhvr>
+                                      <p:to>
+                                        <p:strVal val="visible"/>
+                                      </p:to>
+                                    </p:set>
+                                    <p:animEffect transition="in" filter="fade">
+                                      <p:cBhvr>
+                                        <p:cTn id="7" dur="500"/>
+                                        <p:tgtEl>
+                                          <p:spTgt spid="3">
+                                            <p:txEl>
+                                              <p:pRg st="0" end="0"/>
+                                            </p:txEl>
+                                          </p:spTgt>
+                                        </p:tgtEl>
+                                      </p:cBhvr>
+                                    </p:animEffect>
+                                  </p:childTnLst>
+                                </p:cTn>
+                              </p:par>
+                            </p:childTnLst>
+                          </p:cTn>
+                        </p:par>
+                      </p:childTnLst>
+                    </p:cTn>
+                  </p:par>
+                  <p:par>
+                    <p:cTn id="8" fill="hold">
+                      <p:stCondLst>
+                        <p:cond delay="indefinite"/>
+                      </p:stCondLst>
+                      <p:childTnLst>
+                        <p:par>
+                          <p:cTn id="9" fill="hold">
+                            <p:stCondLst>
+                              <p:cond delay="0"/>
+                            </p:stCondLst>
+                            <p:childTnLst>
+                              <p:par>
+                                <p:cTn id="10" presetID="10" presetClass="entr" presetSubtype="0" fill="hold" grpId="0" nodeType="clickEffect">
+                                  <p:stCondLst>
+                                    <p:cond delay="0"/>
+                                  </p:stCondLst>
+                                  <p:childTnLst>
+                                    <p:set>
+                                      <p:cBhvr>
+                                        <p:cTn id="11" dur="1" fill="hold">
+                                          <p:stCondLst>
+                                            <p:cond delay="0"/>
+                                          </p:stCondLst>
+                                        </p:cTn>
+                                        <p:tgtEl>
+                                          <p:spTgt spid="3">
+                                            <p:txEl>
+                                              <p:pRg st="1" end="1"/>
+                                            </p:txEl>
+                                          </p:spTgt>
+                                        </p:tgtEl>
+                                        <p:attrNameLst>
+                                          <p:attrName>style.visibility</p:attrName>
+                                        </p:attrNameLst>
+                                      </p:cBhvr>
+                                      <p:to>
+                                        <p:strVal val="visible"/>
+                                      </p:to>
+                                    </p:set>
+                                    <p:animEffect transition="in" filter="fade">
+                                      <p:cBhvr>
+                                        <p:cTn id="12" dur="500"/>
+                                        <p:tgtEl>
+                                          <p:spTgt spid="3">
+                                            <p:txEl>
+                                              <p:pRg st="1" end="1"/>
+                                            </p:txEl>
+                                          </p:spTgt>
+                                        </p:tgtEl>
+                                      </p:cBhvr>
+                                    </p:animEffect>
+                                  </p:childTnLst>
+                                </p:cTn>
+                              </p:par>
+                            </p:childTnLst>
+                          </p:cTn>
+                        </p:par>
+                      </p:childTnLst>
+                    </p:cTn>
+                  </p:par>
+                  <p:par>
+                    <p:cTn id="13" fill="hold">
+                      <p:stCondLst>
+                        <p:cond delay="indefinite"/>
+                      </p:stCondLst>
+                      <p:childTnLst>
+                        <p:par>
+                          <p:cTn id="14" fill="hold">
+                            <p:stCondLst>
+                              <p:cond delay="0"/>
+                            </p:stCondLst>
+                            <p:childTnLst>
+                              <p:par>
+                                <p:cTn id="15" presetID="10" presetClass="entr" presetSubtype="0" fill="hold" grpId="0" nodeType="clickEffect">
+                                  <p:stCondLst>
+                                    <p:cond delay="0"/>
+                                  </p:stCondLst>
+                                  <p:childTnLst>
+                                    <p:set>
+                                      <p:cBhvr>
+                                        <p:cTn id="16" dur="1" fill="hold">
+                                          <p:stCondLst>
+                                            <p:cond delay="0"/>
+                                          </p:stCondLst>
+                                        </p:cTn>
+                                        <p:tgtEl>
+                                          <p:spTgt spid="3">
+                                            <p:txEl>
+                                              <p:pRg st="2" end="2"/>
+                                            </p:txEl>
+                                          </p:spTgt>
+                                        </p:tgtEl>
+                                        <p:attrNameLst>
+                                          <p:attrName>style.visibility</p:attrName>
+                                        </p:attrNameLst>
+                                      </p:cBhvr>
+                                      <p:to>
+                                        <p:strVal val="visible"/>
+                                      </p:to>
+                                    </p:set>
+                                    <p:animEffect transition="in" filter="fade">
+                                      <p:cBhvr>
+                                        <p:cTn id="17" dur="500"/>
+                                        <p:tgtEl>
+                                          <p:spTgt spid="3">
+                                            <p:txEl>
+                                              <p:pRg st="2" end="2"/>
+                                            </p:txEl>
+                                          </p:spTgt>
+                                        </p:tgtEl>
+                                      </p:cBhvr>
+                                    </p:animEffect>
+                                  </p:childTnLst>
+                                </p:cTn>
+                              </p:par>
+                              <p:par>
+                                <p:cTn id="18" presetID="10" presetClass="entr" presetSubtype="0" fill="hold" grpId="0" nodeType="withEffect">
+                                  <p:stCondLst>
+                                    <p:cond delay="0"/>
+                                  </p:stCondLst>
+                                  <p:childTnLst>
+                                    <p:set>
+                                      <p:cBhvr>
+                                        <p:cTn id="19" dur="1" fill="hold">
+                                          <p:stCondLst>
+                                            <p:cond delay="0"/>
+                                          </p:stCondLst>
+                                        </p:cTn>
+                                        <p:tgtEl>
+                                          <p:spTgt spid="3">
+                                            <p:txEl>
+                                              <p:pRg st="3" end="3"/>
+                                            </p:txEl>
+                                          </p:spTgt>
+                                        </p:tgtEl>
+                                        <p:attrNameLst>
+                                          <p:attrName>style.visibility</p:attrName>
+                                        </p:attrNameLst>
+                                      </p:cBhvr>
+                                      <p:to>
+                                        <p:strVal val="visible"/>
+                                      </p:to>
+                                    </p:set>
+                                    <p:animEffect transition="in" filter="fade">
+                                      <p:cBhvr>
+                                        <p:cTn id="20" dur="500"/>
+                                        <p:tgtEl>
+                                          <p:spTgt spid="3">
+                                            <p:txEl>
+                                              <p:pRg st="3" end="3"/>
+                                            </p:txEl>
+                                          </p:spTgt>
+                                        </p:tgtEl>
+                                      </p:cBhvr>
+                                    </p:animEffect>
+                                  </p:childTnLst>
+                                </p:cTn>
+                              </p:par>
+                              <p:par>
+                                <p:cTn id="21" presetID="10" presetClass="entr" presetSubtype="0" fill="hold" grpId="0" nodeType="withEffect">
+                                  <p:stCondLst>
+                                    <p:cond delay="0"/>
+                                  </p:stCondLst>
+                                  <p:childTnLst>
+                                    <p:set>
+                                      <p:cBhvr>
+                                        <p:cTn id="22" dur="1" fill="hold">
+                                          <p:stCondLst>
+                                            <p:cond delay="0"/>
+                                          </p:stCondLst>
+                                        </p:cTn>
+                                        <p:tgtEl>
+                                          <p:spTgt spid="3">
+                                            <p:txEl>
+                                              <p:pRg st="4" end="4"/>
+                                            </p:txEl>
+                                          </p:spTgt>
+                                        </p:tgtEl>
+                                        <p:attrNameLst>
+                                          <p:attrName>style.visibility</p:attrName>
+                                        </p:attrNameLst>
+                                      </p:cBhvr>
+                                      <p:to>
+                                        <p:strVal val="visible"/>
+                                      </p:to>
+                                    </p:set>
+                                    <p:animEffect transition="in" filter="fade">
+                                      <p:cBhvr>
+                                        <p:cTn id="23" dur="500"/>
+                                        <p:tgtEl>
+                                          <p:spTgt spid="3">
+                                            <p:txEl>
+                                              <p:pRg st="4" end="4"/>
+                                            </p:txEl>
+                                          </p:spTgt>
+                                        </p:tgtEl>
+                                      </p:cBhvr>
+                                    </p:animEffect>
+                                  </p:childTnLst>
+                                </p:cTn>
+                              </p:par>
+                              <p:par>
+                                <p:cTn id="24" presetID="10" presetClass="entr" presetSubtype="0" fill="hold" grpId="0" nodeType="withEffect">
+                                  <p:stCondLst>
+                                    <p:cond delay="0"/>
+                                  </p:stCondLst>
+                                  <p:childTnLst>
+                                    <p:set>
+                                      <p:cBhvr>
+                                        <p:cTn id="25" dur="1" fill="hold">
+                                          <p:stCondLst>
+                                            <p:cond delay="0"/>
+                                          </p:stCondLst>
+                                        </p:cTn>
+                                        <p:tgtEl>
+                                          <p:spTgt spid="3">
+                                            <p:txEl>
+                                              <p:pRg st="5" end="5"/>
+                                            </p:txEl>
+                                          </p:spTgt>
+                                        </p:tgtEl>
+                                        <p:attrNameLst>
+                                          <p:attrName>style.visibility</p:attrName>
+                                        </p:attrNameLst>
+                                      </p:cBhvr>
+                                      <p:to>
+                                        <p:strVal val="visible"/>
+                                      </p:to>
+                                    </p:set>
+                                    <p:animEffect transition="in" filter="fade">
+                                      <p:cBhvr>
+                                        <p:cTn id="26" dur="500"/>
+                                        <p:tgtEl>
+                                          <p:spTgt spid="3">
+                                            <p:txEl>
+                                              <p:pRg st="5" end="5"/>
+                                            </p:txEl>
+                                          </p:spTgt>
+                                        </p:tgtEl>
+                                      </p:cBhvr>
+                                    </p:animEffect>
+                                  </p:childTnLst>
+                                </p:cTn>
+                              </p:par>
+                              <p:par>
+                                <p:cTn id="27" presetID="10" presetClass="entr" presetSubtype="0" fill="hold" grpId="0" nodeType="withEffect">
+                                  <p:stCondLst>
+                                    <p:cond delay="0"/>
+                                  </p:stCondLst>
+                                  <p:childTnLst>
+                                    <p:set>
+                                      <p:cBhvr>
+                                        <p:cTn id="28" dur="1" fill="hold">
+                                          <p:stCondLst>
+                                            <p:cond delay="0"/>
+                                          </p:stCondLst>
+                                        </p:cTn>
+                                        <p:tgtEl>
+                                          <p:spTgt spid="3">
+                                            <p:txEl>
+                                              <p:pRg st="6" end="6"/>
+                                            </p:txEl>
+                                          </p:spTgt>
+                                        </p:tgtEl>
+                                        <p:attrNameLst>
+                                          <p:attrName>style.visibility</p:attrName>
+                                        </p:attrNameLst>
+                                      </p:cBhvr>
+                                      <p:to>
+                                        <p:strVal val="visible"/>
+                                      </p:to>
+                                    </p:set>
+                                    <p:animEffect transition="in" filter="fade">
+                                      <p:cBhvr>
+                                        <p:cTn id="29" dur="500"/>
+                                        <p:tgtEl>
+                                          <p:spTgt spid="3">
+                                            <p:txEl>
+                                              <p:pRg st="6" end="6"/>
+                                            </p:txEl>
+                                          </p:spTgt>
+                                        </p:tgtEl>
+                                      </p:cBhvr>
+                                    </p:animEffect>
+                                  </p:childTnLst>
+                                </p:cTn>
+                              </p:par>
+                              <p:par>
+                                <p:cTn id="30" presetID="10" presetClass="entr" presetSubtype="0" fill="hold" grpId="0" nodeType="withEffect">
+                                  <p:stCondLst>
+                                    <p:cond delay="0"/>
+                                  </p:stCondLst>
+                                  <p:childTnLst>
+                                    <p:set>
+                                      <p:cBhvr>
+                                        <p:cTn id="31" dur="1" fill="hold">
+                                          <p:stCondLst>
+                                            <p:cond delay="0"/>
+                                          </p:stCondLst>
+                                        </p:cTn>
+                                        <p:tgtEl>
+                                          <p:spTgt spid="3">
+                                            <p:txEl>
+                                              <p:pRg st="7" end="7"/>
+                                            </p:txEl>
+                                          </p:spTgt>
+                                        </p:tgtEl>
+                                        <p:attrNameLst>
+                                          <p:attrName>style.visibility</p:attrName>
+                                        </p:attrNameLst>
+                                      </p:cBhvr>
+                                      <p:to>
+                                        <p:strVal val="visible"/>
+                                      </p:to>
+                                    </p:set>
+                                    <p:animEffect transition="in" filter="fade">
+                                      <p:cBhvr>
+                                        <p:cTn id="32" dur="500"/>
+                                        <p:tgtEl>
+                                          <p:spTgt spid="3">
+                                            <p:txEl>
+                                              <p:pRg st="7" end="7"/>
+                                            </p:txEl>
+                                          </p:spTgt>
+                                        </p:tgtEl>
+                                      </p:cBhvr>
+                                    </p:animEffect>
+                                  </p:childTnLst>
+                                </p:cTn>
+                              </p:par>
+                              <p:par>
+                                <p:cTn id="33" presetID="10" presetClass="entr" presetSubtype="0" fill="hold" grpId="0" nodeType="withEffect">
+                                  <p:stCondLst>
+                                    <p:cond delay="0"/>
+                                  </p:stCondLst>
+                                  <p:childTnLst>
+                                    <p:set>
+                                      <p:cBhvr>
+                                        <p:cTn id="34" dur="1" fill="hold">
+                                          <p:stCondLst>
+                                            <p:cond delay="0"/>
+                                          </p:stCondLst>
+                                        </p:cTn>
+                                        <p:tgtEl>
+                                          <p:spTgt spid="3">
+                                            <p:txEl>
+                                              <p:pRg st="8" end="8"/>
+                                            </p:txEl>
+                                          </p:spTgt>
+                                        </p:tgtEl>
+                                        <p:attrNameLst>
+                                          <p:attrName>style.visibility</p:attrName>
+                                        </p:attrNameLst>
+                                      </p:cBhvr>
+                                      <p:to>
+                                        <p:strVal val="visible"/>
+                                      </p:to>
+                                    </p:set>
+                                    <p:animEffect transition="in" filter="fade">
+                                      <p:cBhvr>
+                                        <p:cTn id="35" dur="500"/>
+                                        <p:tgtEl>
+                                          <p:spTgt spid="3">
+                                            <p:txEl>
+                                              <p:pRg st="8" end="8"/>
+                                            </p:txEl>
+                                          </p:spTgt>
+                                        </p:tgtEl>
+                                      </p:cBhvr>
+                                    </p:animEffect>
+                                  </p:childTnLst>
+                                </p:cTn>
+                              </p:par>
+                            </p:childTnLst>
+                          </p:cTn>
+                        </p:par>
+                      </p:childTnLst>
+                    </p:cTn>
+                  </p:par>
+                </p:childTnLst>
+              </p:cTn>
+              <p:prevCondLst>
+                <p:cond evt="onPrev" delay="0">
+                  <p:tgtEl>
+                    <p:sldTgt/>
+                  </p:tgtEl>
+                </p:cond>
+              </p:prevCondLst>
+              <p:nextCondLst>
+                <p:cond evt="onNext" delay="0">
+                  <p:tgtEl>
+                    <p:sldTgt/>
+                  </p:tgtEl>
+                </p:cond>
+              </p:nextCondLst>
+            </p:seq>
+          </p:childTnLst>
+        </p:cTn>
       </p:par>
     </p:tnLst>
+    <p:bldLst>
+      <p:bldP spid="3" grpId="0" build="p"/>
+    </p:bldLst>
   </p:timing>
 </p:sld>
 </file>
@@ -11032,7 +11920,396 @@
   <p:timing>
     <p:tnLst>
       <p:par>
-        <p:cTn id="1" dur="indefinite" restart="never" nodeType="tmRoot"/>
+        <p:cTn id="1" dur="indefinite" restart="never" nodeType="tmRoot">
+          <p:childTnLst>
+            <p:seq concurrent="1" nextAc="seek">
+              <p:cTn id="2" dur="indefinite" nodeType="mainSeq">
+                <p:childTnLst>
+                  <p:par>
+                    <p:cTn id="3" fill="hold">
+                      <p:stCondLst>
+                        <p:cond delay="indefinite"/>
+                      </p:stCondLst>
+                      <p:childTnLst>
+                        <p:par>
+                          <p:cTn id="4" fill="hold">
+                            <p:stCondLst>
+                              <p:cond delay="0"/>
+                            </p:stCondLst>
+                            <p:childTnLst>
+                              <p:par>
+                                <p:cTn id="5" presetID="10" presetClass="entr" presetSubtype="0" fill="hold" nodeType="clickEffect">
+                                  <p:stCondLst>
+                                    <p:cond delay="0"/>
+                                  </p:stCondLst>
+                                  <p:childTnLst>
+                                    <p:set>
+                                      <p:cBhvr>
+                                        <p:cTn id="6" dur="1" fill="hold">
+                                          <p:stCondLst>
+                                            <p:cond delay="0"/>
+                                          </p:stCondLst>
+                                        </p:cTn>
+                                        <p:tgtEl>
+                                          <p:spTgt spid="5">
+                                            <p:txEl>
+                                              <p:pRg st="0" end="0"/>
+                                            </p:txEl>
+                                          </p:spTgt>
+                                        </p:tgtEl>
+                                        <p:attrNameLst>
+                                          <p:attrName>style.visibility</p:attrName>
+                                        </p:attrNameLst>
+                                      </p:cBhvr>
+                                      <p:to>
+                                        <p:strVal val="visible"/>
+                                      </p:to>
+                                    </p:set>
+                                    <p:animEffect transition="in" filter="fade">
+                                      <p:cBhvr>
+                                        <p:cTn id="7" dur="500"/>
+                                        <p:tgtEl>
+                                          <p:spTgt spid="5">
+                                            <p:txEl>
+                                              <p:pRg st="0" end="0"/>
+                                            </p:txEl>
+                                          </p:spTgt>
+                                        </p:tgtEl>
+                                      </p:cBhvr>
+                                    </p:animEffect>
+                                  </p:childTnLst>
+                                </p:cTn>
+                              </p:par>
+                            </p:childTnLst>
+                          </p:cTn>
+                        </p:par>
+                      </p:childTnLst>
+                    </p:cTn>
+                  </p:par>
+                  <p:par>
+                    <p:cTn id="8" fill="hold">
+                      <p:stCondLst>
+                        <p:cond delay="indefinite"/>
+                      </p:stCondLst>
+                      <p:childTnLst>
+                        <p:par>
+                          <p:cTn id="9" fill="hold">
+                            <p:stCondLst>
+                              <p:cond delay="0"/>
+                            </p:stCondLst>
+                            <p:childTnLst>
+                              <p:par>
+                                <p:cTn id="10" presetID="10" presetClass="entr" presetSubtype="0" fill="hold" nodeType="clickEffect">
+                                  <p:stCondLst>
+                                    <p:cond delay="0"/>
+                                  </p:stCondLst>
+                                  <p:childTnLst>
+                                    <p:set>
+                                      <p:cBhvr>
+                                        <p:cTn id="11" dur="1" fill="hold">
+                                          <p:stCondLst>
+                                            <p:cond delay="0"/>
+                                          </p:stCondLst>
+                                        </p:cTn>
+                                        <p:tgtEl>
+                                          <p:spTgt spid="7">
+                                            <p:txEl>
+                                              <p:pRg st="0" end="0"/>
+                                            </p:txEl>
+                                          </p:spTgt>
+                                        </p:tgtEl>
+                                        <p:attrNameLst>
+                                          <p:attrName>style.visibility</p:attrName>
+                                        </p:attrNameLst>
+                                      </p:cBhvr>
+                                      <p:to>
+                                        <p:strVal val="visible"/>
+                                      </p:to>
+                                    </p:set>
+                                    <p:animEffect transition="in" filter="fade">
+                                      <p:cBhvr>
+                                        <p:cTn id="12" dur="500"/>
+                                        <p:tgtEl>
+                                          <p:spTgt spid="7">
+                                            <p:txEl>
+                                              <p:pRg st="0" end="0"/>
+                                            </p:txEl>
+                                          </p:spTgt>
+                                        </p:tgtEl>
+                                      </p:cBhvr>
+                                    </p:animEffect>
+                                  </p:childTnLst>
+                                </p:cTn>
+                              </p:par>
+                            </p:childTnLst>
+                          </p:cTn>
+                        </p:par>
+                      </p:childTnLst>
+                    </p:cTn>
+                  </p:par>
+                  <p:par>
+                    <p:cTn id="13" fill="hold">
+                      <p:stCondLst>
+                        <p:cond delay="indefinite"/>
+                      </p:stCondLst>
+                      <p:childTnLst>
+                        <p:par>
+                          <p:cTn id="14" fill="hold">
+                            <p:stCondLst>
+                              <p:cond delay="0"/>
+                            </p:stCondLst>
+                            <p:childTnLst>
+                              <p:par>
+                                <p:cTn id="15" presetID="10" presetClass="entr" presetSubtype="0" fill="hold" nodeType="clickEffect">
+                                  <p:stCondLst>
+                                    <p:cond delay="0"/>
+                                  </p:stCondLst>
+                                  <p:childTnLst>
+                                    <p:set>
+                                      <p:cBhvr>
+                                        <p:cTn id="16" dur="1" fill="hold">
+                                          <p:stCondLst>
+                                            <p:cond delay="0"/>
+                                          </p:stCondLst>
+                                        </p:cTn>
+                                        <p:tgtEl>
+                                          <p:spTgt spid="5">
+                                            <p:txEl>
+                                              <p:pRg st="1" end="1"/>
+                                            </p:txEl>
+                                          </p:spTgt>
+                                        </p:tgtEl>
+                                        <p:attrNameLst>
+                                          <p:attrName>style.visibility</p:attrName>
+                                        </p:attrNameLst>
+                                      </p:cBhvr>
+                                      <p:to>
+                                        <p:strVal val="visible"/>
+                                      </p:to>
+                                    </p:set>
+                                    <p:animEffect transition="in" filter="fade">
+                                      <p:cBhvr>
+                                        <p:cTn id="17" dur="500"/>
+                                        <p:tgtEl>
+                                          <p:spTgt spid="5">
+                                            <p:txEl>
+                                              <p:pRg st="1" end="1"/>
+                                            </p:txEl>
+                                          </p:spTgt>
+                                        </p:tgtEl>
+                                      </p:cBhvr>
+                                    </p:animEffect>
+                                  </p:childTnLst>
+                                </p:cTn>
+                              </p:par>
+                            </p:childTnLst>
+                          </p:cTn>
+                        </p:par>
+                      </p:childTnLst>
+                    </p:cTn>
+                  </p:par>
+                  <p:par>
+                    <p:cTn id="18" fill="hold">
+                      <p:stCondLst>
+                        <p:cond delay="indefinite"/>
+                      </p:stCondLst>
+                      <p:childTnLst>
+                        <p:par>
+                          <p:cTn id="19" fill="hold">
+                            <p:stCondLst>
+                              <p:cond delay="0"/>
+                            </p:stCondLst>
+                            <p:childTnLst>
+                              <p:par>
+                                <p:cTn id="20" presetID="10" presetClass="entr" presetSubtype="0" fill="hold" nodeType="clickEffect">
+                                  <p:stCondLst>
+                                    <p:cond delay="0"/>
+                                  </p:stCondLst>
+                                  <p:childTnLst>
+                                    <p:set>
+                                      <p:cBhvr>
+                                        <p:cTn id="21" dur="1" fill="hold">
+                                          <p:stCondLst>
+                                            <p:cond delay="0"/>
+                                          </p:stCondLst>
+                                        </p:cTn>
+                                        <p:tgtEl>
+                                          <p:spTgt spid="7">
+                                            <p:txEl>
+                                              <p:pRg st="1" end="1"/>
+                                            </p:txEl>
+                                          </p:spTgt>
+                                        </p:tgtEl>
+                                        <p:attrNameLst>
+                                          <p:attrName>style.visibility</p:attrName>
+                                        </p:attrNameLst>
+                                      </p:cBhvr>
+                                      <p:to>
+                                        <p:strVal val="visible"/>
+                                      </p:to>
+                                    </p:set>
+                                    <p:animEffect transition="in" filter="fade">
+                                      <p:cBhvr>
+                                        <p:cTn id="22" dur="500"/>
+                                        <p:tgtEl>
+                                          <p:spTgt spid="7">
+                                            <p:txEl>
+                                              <p:pRg st="1" end="1"/>
+                                            </p:txEl>
+                                          </p:spTgt>
+                                        </p:tgtEl>
+                                      </p:cBhvr>
+                                    </p:animEffect>
+                                  </p:childTnLst>
+                                </p:cTn>
+                              </p:par>
+                            </p:childTnLst>
+                          </p:cTn>
+                        </p:par>
+                      </p:childTnLst>
+                    </p:cTn>
+                  </p:par>
+                  <p:par>
+                    <p:cTn id="23" fill="hold">
+                      <p:stCondLst>
+                        <p:cond delay="indefinite"/>
+                      </p:stCondLst>
+                      <p:childTnLst>
+                        <p:par>
+                          <p:cTn id="24" fill="hold">
+                            <p:stCondLst>
+                              <p:cond delay="0"/>
+                            </p:stCondLst>
+                            <p:childTnLst>
+                              <p:par>
+                                <p:cTn id="25" presetID="10" presetClass="entr" presetSubtype="0" fill="hold" nodeType="clickEffect">
+                                  <p:stCondLst>
+                                    <p:cond delay="0"/>
+                                  </p:stCondLst>
+                                  <p:childTnLst>
+                                    <p:set>
+                                      <p:cBhvr>
+                                        <p:cTn id="26" dur="1" fill="hold">
+                                          <p:stCondLst>
+                                            <p:cond delay="0"/>
+                                          </p:stCondLst>
+                                        </p:cTn>
+                                        <p:tgtEl>
+                                          <p:spTgt spid="5">
+                                            <p:txEl>
+                                              <p:pRg st="2" end="2"/>
+                                            </p:txEl>
+                                          </p:spTgt>
+                                        </p:tgtEl>
+                                        <p:attrNameLst>
+                                          <p:attrName>style.visibility</p:attrName>
+                                        </p:attrNameLst>
+                                      </p:cBhvr>
+                                      <p:to>
+                                        <p:strVal val="visible"/>
+                                      </p:to>
+                                    </p:set>
+                                    <p:animEffect transition="in" filter="fade">
+                                      <p:cBhvr>
+                                        <p:cTn id="27" dur="500"/>
+                                        <p:tgtEl>
+                                          <p:spTgt spid="5">
+                                            <p:txEl>
+                                              <p:pRg st="2" end="2"/>
+                                            </p:txEl>
+                                          </p:spTgt>
+                                        </p:tgtEl>
+                                      </p:cBhvr>
+                                    </p:animEffect>
+                                  </p:childTnLst>
+                                </p:cTn>
+                              </p:par>
+                            </p:childTnLst>
+                          </p:cTn>
+                        </p:par>
+                      </p:childTnLst>
+                    </p:cTn>
+                  </p:par>
+                  <p:par>
+                    <p:cTn id="28" fill="hold">
+                      <p:stCondLst>
+                        <p:cond delay="indefinite"/>
+                      </p:stCondLst>
+                      <p:childTnLst>
+                        <p:par>
+                          <p:cTn id="29" fill="hold">
+                            <p:stCondLst>
+                              <p:cond delay="0"/>
+                            </p:stCondLst>
+                            <p:childTnLst>
+                              <p:par>
+                                <p:cTn id="30" presetID="10" presetClass="entr" presetSubtype="0" fill="hold" nodeType="clickEffect">
+                                  <p:stCondLst>
+                                    <p:cond delay="0"/>
+                                  </p:stCondLst>
+                                  <p:childTnLst>
+                                    <p:set>
+                                      <p:cBhvr>
+                                        <p:cTn id="31" dur="1" fill="hold">
+                                          <p:stCondLst>
+                                            <p:cond delay="0"/>
+                                          </p:stCondLst>
+                                        </p:cTn>
+                                        <p:tgtEl>
+                                          <p:spTgt spid="7">
+                                            <p:txEl>
+                                              <p:pRg st="2" end="2"/>
+                                            </p:txEl>
+                                          </p:spTgt>
+                                        </p:tgtEl>
+                                        <p:attrNameLst>
+                                          <p:attrName>style.visibility</p:attrName>
+                                        </p:attrNameLst>
+                                      </p:cBhvr>
+                                      <p:to>
+                                        <p:strVal val="visible"/>
+                                      </p:to>
+                                    </p:set>
+                                    <p:animEffect transition="in" filter="fade">
+                                      <p:cBhvr>
+                                        <p:cTn id="32" dur="500"/>
+                                        <p:tgtEl>
+                                          <p:spTgt spid="7">
+                                            <p:txEl>
+                                              <p:pRg st="2" end="2"/>
+                                            </p:txEl>
+                                          </p:spTgt>
+                                        </p:tgtEl>
+                                      </p:cBhvr>
+                                    </p:animEffect>
+                                  </p:childTnLst>
+                                </p:cTn>
+                              </p:par>
+                            </p:childTnLst>
+                          </p:cTn>
+                        </p:par>
+                      </p:childTnLst>
+                    </p:cTn>
+                  </p:par>
+                </p:childTnLst>
+              </p:cTn>
+              <p:prevCondLst>
+                <p:cond evt="onPrev" delay="0">
+                  <p:tgtEl>
+                    <p:sldTgt/>
+                  </p:tgtEl>
+                </p:cond>
+              </p:prevCondLst>
+              <p:nextCondLst>
+                <p:cond evt="onNext" delay="0">
+                  <p:tgtEl>
+                    <p:sldTgt/>
+                  </p:tgtEl>
+                </p:cond>
+              </p:nextCondLst>
+            </p:seq>
+          </p:childTnLst>
+        </p:cTn>
       </p:par>
     </p:tnLst>
   </p:timing>
@@ -11214,7 +12491,274 @@
   <p:timing>
     <p:tnLst>
       <p:par>
-        <p:cTn id="1" dur="indefinite" restart="never" nodeType="tmRoot"/>
+        <p:cTn id="1" dur="indefinite" restart="never" nodeType="tmRoot">
+          <p:childTnLst>
+            <p:seq concurrent="1" nextAc="seek">
+              <p:cTn id="2" dur="indefinite" nodeType="mainSeq">
+                <p:childTnLst>
+                  <p:par>
+                    <p:cTn id="3" fill="hold">
+                      <p:stCondLst>
+                        <p:cond delay="indefinite"/>
+                      </p:stCondLst>
+                      <p:childTnLst>
+                        <p:par>
+                          <p:cTn id="4" fill="hold">
+                            <p:stCondLst>
+                              <p:cond delay="0"/>
+                            </p:stCondLst>
+                            <p:childTnLst>
+                              <p:par>
+                                <p:cTn id="5" presetID="10" presetClass="entr" presetSubtype="0" fill="hold" nodeType="clickEffect">
+                                  <p:stCondLst>
+                                    <p:cond delay="0"/>
+                                  </p:stCondLst>
+                                  <p:childTnLst>
+                                    <p:set>
+                                      <p:cBhvr>
+                                        <p:cTn id="6" dur="1" fill="hold">
+                                          <p:stCondLst>
+                                            <p:cond delay="0"/>
+                                          </p:stCondLst>
+                                        </p:cTn>
+                                        <p:tgtEl>
+                                          <p:spTgt spid="5">
+                                            <p:txEl>
+                                              <p:pRg st="0" end="0"/>
+                                            </p:txEl>
+                                          </p:spTgt>
+                                        </p:tgtEl>
+                                        <p:attrNameLst>
+                                          <p:attrName>style.visibility</p:attrName>
+                                        </p:attrNameLst>
+                                      </p:cBhvr>
+                                      <p:to>
+                                        <p:strVal val="visible"/>
+                                      </p:to>
+                                    </p:set>
+                                    <p:animEffect transition="in" filter="fade">
+                                      <p:cBhvr>
+                                        <p:cTn id="7" dur="500"/>
+                                        <p:tgtEl>
+                                          <p:spTgt spid="5">
+                                            <p:txEl>
+                                              <p:pRg st="0" end="0"/>
+                                            </p:txEl>
+                                          </p:spTgt>
+                                        </p:tgtEl>
+                                      </p:cBhvr>
+                                    </p:animEffect>
+                                  </p:childTnLst>
+                                </p:cTn>
+                              </p:par>
+                            </p:childTnLst>
+                          </p:cTn>
+                        </p:par>
+                      </p:childTnLst>
+                    </p:cTn>
+                  </p:par>
+                  <p:par>
+                    <p:cTn id="8" fill="hold">
+                      <p:stCondLst>
+                        <p:cond delay="indefinite"/>
+                      </p:stCondLst>
+                      <p:childTnLst>
+                        <p:par>
+                          <p:cTn id="9" fill="hold">
+                            <p:stCondLst>
+                              <p:cond delay="0"/>
+                            </p:stCondLst>
+                            <p:childTnLst>
+                              <p:par>
+                                <p:cTn id="10" presetID="10" presetClass="entr" presetSubtype="0" fill="hold" nodeType="clickEffect">
+                                  <p:stCondLst>
+                                    <p:cond delay="0"/>
+                                  </p:stCondLst>
+                                  <p:childTnLst>
+                                    <p:set>
+                                      <p:cBhvr>
+                                        <p:cTn id="11" dur="1" fill="hold">
+                                          <p:stCondLst>
+                                            <p:cond delay="0"/>
+                                          </p:stCondLst>
+                                        </p:cTn>
+                                        <p:tgtEl>
+                                          <p:spTgt spid="7">
+                                            <p:txEl>
+                                              <p:pRg st="0" end="0"/>
+                                            </p:txEl>
+                                          </p:spTgt>
+                                        </p:tgtEl>
+                                        <p:attrNameLst>
+                                          <p:attrName>style.visibility</p:attrName>
+                                        </p:attrNameLst>
+                                      </p:cBhvr>
+                                      <p:to>
+                                        <p:strVal val="visible"/>
+                                      </p:to>
+                                    </p:set>
+                                    <p:animEffect transition="in" filter="fade">
+                                      <p:cBhvr>
+                                        <p:cTn id="12" dur="500"/>
+                                        <p:tgtEl>
+                                          <p:spTgt spid="7">
+                                            <p:txEl>
+                                              <p:pRg st="0" end="0"/>
+                                            </p:txEl>
+                                          </p:spTgt>
+                                        </p:tgtEl>
+                                      </p:cBhvr>
+                                    </p:animEffect>
+                                  </p:childTnLst>
+                                </p:cTn>
+                              </p:par>
+                            </p:childTnLst>
+                          </p:cTn>
+                        </p:par>
+                      </p:childTnLst>
+                    </p:cTn>
+                  </p:par>
+                  <p:par>
+                    <p:cTn id="13" fill="hold">
+                      <p:stCondLst>
+                        <p:cond delay="indefinite"/>
+                      </p:stCondLst>
+                      <p:childTnLst>
+                        <p:par>
+                          <p:cTn id="14" fill="hold">
+                            <p:stCondLst>
+                              <p:cond delay="0"/>
+                            </p:stCondLst>
+                            <p:childTnLst>
+                              <p:par>
+                                <p:cTn id="15" presetID="10" presetClass="entr" presetSubtype="0" fill="hold" nodeType="clickEffect">
+                                  <p:stCondLst>
+                                    <p:cond delay="0"/>
+                                  </p:stCondLst>
+                                  <p:childTnLst>
+                                    <p:set>
+                                      <p:cBhvr>
+                                        <p:cTn id="16" dur="1" fill="hold">
+                                          <p:stCondLst>
+                                            <p:cond delay="0"/>
+                                          </p:stCondLst>
+                                        </p:cTn>
+                                        <p:tgtEl>
+                                          <p:spTgt spid="5">
+                                            <p:txEl>
+                                              <p:pRg st="1" end="1"/>
+                                            </p:txEl>
+                                          </p:spTgt>
+                                        </p:tgtEl>
+                                        <p:attrNameLst>
+                                          <p:attrName>style.visibility</p:attrName>
+                                        </p:attrNameLst>
+                                      </p:cBhvr>
+                                      <p:to>
+                                        <p:strVal val="visible"/>
+                                      </p:to>
+                                    </p:set>
+                                    <p:animEffect transition="in" filter="fade">
+                                      <p:cBhvr>
+                                        <p:cTn id="17" dur="500"/>
+                                        <p:tgtEl>
+                                          <p:spTgt spid="5">
+                                            <p:txEl>
+                                              <p:pRg st="1" end="1"/>
+                                            </p:txEl>
+                                          </p:spTgt>
+                                        </p:tgtEl>
+                                      </p:cBhvr>
+                                    </p:animEffect>
+                                  </p:childTnLst>
+                                </p:cTn>
+                              </p:par>
+                            </p:childTnLst>
+                          </p:cTn>
+                        </p:par>
+                      </p:childTnLst>
+                    </p:cTn>
+                  </p:par>
+                  <p:par>
+                    <p:cTn id="18" fill="hold">
+                      <p:stCondLst>
+                        <p:cond delay="indefinite"/>
+                      </p:stCondLst>
+                      <p:childTnLst>
+                        <p:par>
+                          <p:cTn id="19" fill="hold">
+                            <p:stCondLst>
+                              <p:cond delay="0"/>
+                            </p:stCondLst>
+                            <p:childTnLst>
+                              <p:par>
+                                <p:cTn id="20" presetID="10" presetClass="entr" presetSubtype="0" fill="hold" nodeType="clickEffect">
+                                  <p:stCondLst>
+                                    <p:cond delay="0"/>
+                                  </p:stCondLst>
+                                  <p:childTnLst>
+                                    <p:set>
+                                      <p:cBhvr>
+                                        <p:cTn id="21" dur="1" fill="hold">
+                                          <p:stCondLst>
+                                            <p:cond delay="0"/>
+                                          </p:stCondLst>
+                                        </p:cTn>
+                                        <p:tgtEl>
+                                          <p:spTgt spid="7">
+                                            <p:txEl>
+                                              <p:pRg st="2" end="2"/>
+                                            </p:txEl>
+                                          </p:spTgt>
+                                        </p:tgtEl>
+                                        <p:attrNameLst>
+                                          <p:attrName>style.visibility</p:attrName>
+                                        </p:attrNameLst>
+                                      </p:cBhvr>
+                                      <p:to>
+                                        <p:strVal val="visible"/>
+                                      </p:to>
+                                    </p:set>
+                                    <p:animEffect transition="in" filter="fade">
+                                      <p:cBhvr>
+                                        <p:cTn id="22" dur="500"/>
+                                        <p:tgtEl>
+                                          <p:spTgt spid="7">
+                                            <p:txEl>
+                                              <p:pRg st="2" end="2"/>
+                                            </p:txEl>
+                                          </p:spTgt>
+                                        </p:tgtEl>
+                                      </p:cBhvr>
+                                    </p:animEffect>
+                                  </p:childTnLst>
+                                </p:cTn>
+                              </p:par>
+                            </p:childTnLst>
+                          </p:cTn>
+                        </p:par>
+                      </p:childTnLst>
+                    </p:cTn>
+                  </p:par>
+                </p:childTnLst>
+              </p:cTn>
+              <p:prevCondLst>
+                <p:cond evt="onPrev" delay="0">
+                  <p:tgtEl>
+                    <p:sldTgt/>
+                  </p:tgtEl>
+                </p:cond>
+              </p:prevCondLst>
+              <p:nextCondLst>
+                <p:cond evt="onNext" delay="0">
+                  <p:tgtEl>
+                    <p:sldTgt/>
+                  </p:tgtEl>
+                </p:cond>
+              </p:nextCondLst>
+            </p:seq>
+          </p:childTnLst>
+        </p:cTn>
       </p:par>
     </p:tnLst>
   </p:timing>
@@ -11322,9 +12866,286 @@
   <p:timing>
     <p:tnLst>
       <p:par>
-        <p:cTn id="1" dur="indefinite" restart="never" nodeType="tmRoot"/>
+        <p:cTn id="1" dur="indefinite" restart="never" nodeType="tmRoot">
+          <p:childTnLst>
+            <p:seq concurrent="1" nextAc="seek">
+              <p:cTn id="2" dur="indefinite" nodeType="mainSeq">
+                <p:childTnLst>
+                  <p:par>
+                    <p:cTn id="3" fill="hold">
+                      <p:stCondLst>
+                        <p:cond delay="indefinite"/>
+                      </p:stCondLst>
+                      <p:childTnLst>
+                        <p:par>
+                          <p:cTn id="4" fill="hold">
+                            <p:stCondLst>
+                              <p:cond delay="0"/>
+                            </p:stCondLst>
+                            <p:childTnLst>
+                              <p:par>
+                                <p:cTn id="5" presetID="10" presetClass="entr" presetSubtype="0" fill="hold" grpId="0" nodeType="clickEffect">
+                                  <p:stCondLst>
+                                    <p:cond delay="0"/>
+                                  </p:stCondLst>
+                                  <p:childTnLst>
+                                    <p:set>
+                                      <p:cBhvr>
+                                        <p:cTn id="6" dur="1" fill="hold">
+                                          <p:stCondLst>
+                                            <p:cond delay="0"/>
+                                          </p:stCondLst>
+                                        </p:cTn>
+                                        <p:tgtEl>
+                                          <p:spTgt spid="8">
+                                            <p:txEl>
+                                              <p:pRg st="0" end="0"/>
+                                            </p:txEl>
+                                          </p:spTgt>
+                                        </p:tgtEl>
+                                        <p:attrNameLst>
+                                          <p:attrName>style.visibility</p:attrName>
+                                        </p:attrNameLst>
+                                      </p:cBhvr>
+                                      <p:to>
+                                        <p:strVal val="visible"/>
+                                      </p:to>
+                                    </p:set>
+                                    <p:animEffect transition="in" filter="fade">
+                                      <p:cBhvr>
+                                        <p:cTn id="7" dur="500"/>
+                                        <p:tgtEl>
+                                          <p:spTgt spid="8">
+                                            <p:txEl>
+                                              <p:pRg st="0" end="0"/>
+                                            </p:txEl>
+                                          </p:spTgt>
+                                        </p:tgtEl>
+                                      </p:cBhvr>
+                                    </p:animEffect>
+                                  </p:childTnLst>
+                                </p:cTn>
+                              </p:par>
+                              <p:par>
+                                <p:cTn id="8" presetID="10" presetClass="entr" presetSubtype="0" fill="hold" grpId="0" nodeType="withEffect">
+                                  <p:stCondLst>
+                                    <p:cond delay="0"/>
+                                  </p:stCondLst>
+                                  <p:childTnLst>
+                                    <p:set>
+                                      <p:cBhvr>
+                                        <p:cTn id="9" dur="1" fill="hold">
+                                          <p:stCondLst>
+                                            <p:cond delay="0"/>
+                                          </p:stCondLst>
+                                        </p:cTn>
+                                        <p:tgtEl>
+                                          <p:spTgt spid="8">
+                                            <p:txEl>
+                                              <p:pRg st="1" end="1"/>
+                                            </p:txEl>
+                                          </p:spTgt>
+                                        </p:tgtEl>
+                                        <p:attrNameLst>
+                                          <p:attrName>style.visibility</p:attrName>
+                                        </p:attrNameLst>
+                                      </p:cBhvr>
+                                      <p:to>
+                                        <p:strVal val="visible"/>
+                                      </p:to>
+                                    </p:set>
+                                    <p:animEffect transition="in" filter="fade">
+                                      <p:cBhvr>
+                                        <p:cTn id="10" dur="500"/>
+                                        <p:tgtEl>
+                                          <p:spTgt spid="8">
+                                            <p:txEl>
+                                              <p:pRg st="1" end="1"/>
+                                            </p:txEl>
+                                          </p:spTgt>
+                                        </p:tgtEl>
+                                      </p:cBhvr>
+                                    </p:animEffect>
+                                  </p:childTnLst>
+                                </p:cTn>
+                              </p:par>
+                              <p:par>
+                                <p:cTn id="11" presetID="10" presetClass="entr" presetSubtype="0" fill="hold" grpId="0" nodeType="withEffect">
+                                  <p:stCondLst>
+                                    <p:cond delay="0"/>
+                                  </p:stCondLst>
+                                  <p:childTnLst>
+                                    <p:set>
+                                      <p:cBhvr>
+                                        <p:cTn id="12" dur="1" fill="hold">
+                                          <p:stCondLst>
+                                            <p:cond delay="0"/>
+                                          </p:stCondLst>
+                                        </p:cTn>
+                                        <p:tgtEl>
+                                          <p:spTgt spid="8">
+                                            <p:txEl>
+                                              <p:pRg st="2" end="2"/>
+                                            </p:txEl>
+                                          </p:spTgt>
+                                        </p:tgtEl>
+                                        <p:attrNameLst>
+                                          <p:attrName>style.visibility</p:attrName>
+                                        </p:attrNameLst>
+                                      </p:cBhvr>
+                                      <p:to>
+                                        <p:strVal val="visible"/>
+                                      </p:to>
+                                    </p:set>
+                                    <p:animEffect transition="in" filter="fade">
+                                      <p:cBhvr>
+                                        <p:cTn id="13" dur="500"/>
+                                        <p:tgtEl>
+                                          <p:spTgt spid="8">
+                                            <p:txEl>
+                                              <p:pRg st="2" end="2"/>
+                                            </p:txEl>
+                                          </p:spTgt>
+                                        </p:tgtEl>
+                                      </p:cBhvr>
+                                    </p:animEffect>
+                                  </p:childTnLst>
+                                </p:cTn>
+                              </p:par>
+                            </p:childTnLst>
+                          </p:cTn>
+                        </p:par>
+                      </p:childTnLst>
+                    </p:cTn>
+                  </p:par>
+                  <p:par>
+                    <p:cTn id="14" fill="hold">
+                      <p:stCondLst>
+                        <p:cond delay="indefinite"/>
+                      </p:stCondLst>
+                      <p:childTnLst>
+                        <p:par>
+                          <p:cTn id="15" fill="hold">
+                            <p:stCondLst>
+                              <p:cond delay="0"/>
+                            </p:stCondLst>
+                            <p:childTnLst>
+                              <p:par>
+                                <p:cTn id="16" presetID="10" presetClass="entr" presetSubtype="0" fill="hold" grpId="0" nodeType="clickEffect">
+                                  <p:stCondLst>
+                                    <p:cond delay="0"/>
+                                  </p:stCondLst>
+                                  <p:childTnLst>
+                                    <p:set>
+                                      <p:cBhvr>
+                                        <p:cTn id="17" dur="1" fill="hold">
+                                          <p:stCondLst>
+                                            <p:cond delay="0"/>
+                                          </p:stCondLst>
+                                        </p:cTn>
+                                        <p:tgtEl>
+                                          <p:spTgt spid="8">
+                                            <p:txEl>
+                                              <p:pRg st="3" end="3"/>
+                                            </p:txEl>
+                                          </p:spTgt>
+                                        </p:tgtEl>
+                                        <p:attrNameLst>
+                                          <p:attrName>style.visibility</p:attrName>
+                                        </p:attrNameLst>
+                                      </p:cBhvr>
+                                      <p:to>
+                                        <p:strVal val="visible"/>
+                                      </p:to>
+                                    </p:set>
+                                    <p:animEffect transition="in" filter="fade">
+                                      <p:cBhvr>
+                                        <p:cTn id="18" dur="500"/>
+                                        <p:tgtEl>
+                                          <p:spTgt spid="8">
+                                            <p:txEl>
+                                              <p:pRg st="3" end="3"/>
+                                            </p:txEl>
+                                          </p:spTgt>
+                                        </p:tgtEl>
+                                      </p:cBhvr>
+                                    </p:animEffect>
+                                  </p:childTnLst>
+                                </p:cTn>
+                              </p:par>
+                              <p:par>
+                                <p:cTn id="19" presetID="10" presetClass="entr" presetSubtype="0" fill="hold" grpId="0" nodeType="withEffect">
+                                  <p:stCondLst>
+                                    <p:cond delay="0"/>
+                                  </p:stCondLst>
+                                  <p:childTnLst>
+                                    <p:set>
+                                      <p:cBhvr>
+                                        <p:cTn id="20" dur="1" fill="hold">
+                                          <p:stCondLst>
+                                            <p:cond delay="0"/>
+                                          </p:stCondLst>
+                                        </p:cTn>
+                                        <p:tgtEl>
+                                          <p:spTgt spid="8">
+                                            <p:txEl>
+                                              <p:pRg st="4" end="4"/>
+                                            </p:txEl>
+                                          </p:spTgt>
+                                        </p:tgtEl>
+                                        <p:attrNameLst>
+                                          <p:attrName>style.visibility</p:attrName>
+                                        </p:attrNameLst>
+                                      </p:cBhvr>
+                                      <p:to>
+                                        <p:strVal val="visible"/>
+                                      </p:to>
+                                    </p:set>
+                                    <p:animEffect transition="in" filter="fade">
+                                      <p:cBhvr>
+                                        <p:cTn id="21" dur="500"/>
+                                        <p:tgtEl>
+                                          <p:spTgt spid="8">
+                                            <p:txEl>
+                                              <p:pRg st="4" end="4"/>
+                                            </p:txEl>
+                                          </p:spTgt>
+                                        </p:tgtEl>
+                                      </p:cBhvr>
+                                    </p:animEffect>
+                                  </p:childTnLst>
+                                </p:cTn>
+                              </p:par>
+                            </p:childTnLst>
+                          </p:cTn>
+                        </p:par>
+                      </p:childTnLst>
+                    </p:cTn>
+                  </p:par>
+                </p:childTnLst>
+              </p:cTn>
+              <p:prevCondLst>
+                <p:cond evt="onPrev" delay="0">
+                  <p:tgtEl>
+                    <p:sldTgt/>
+                  </p:tgtEl>
+                </p:cond>
+              </p:prevCondLst>
+              <p:nextCondLst>
+                <p:cond evt="onNext" delay="0">
+                  <p:tgtEl>
+                    <p:sldTgt/>
+                  </p:tgtEl>
+                </p:cond>
+              </p:nextCondLst>
+            </p:seq>
+          </p:childTnLst>
+        </p:cTn>
       </p:par>
     </p:tnLst>
+    <p:bldLst>
+      <p:bldP spid="8" grpId="0" build="p"/>
+    </p:bldLst>
   </p:timing>
 </p:sld>
 </file>
@@ -19079,7 +20900,274 @@
   <p:timing>
     <p:tnLst>
       <p:par>
-        <p:cTn id="1" dur="indefinite" restart="never" nodeType="tmRoot"/>
+        <p:cTn id="1" dur="indefinite" restart="never" nodeType="tmRoot">
+          <p:childTnLst>
+            <p:seq concurrent="1" nextAc="seek">
+              <p:cTn id="2" dur="indefinite" nodeType="mainSeq">
+                <p:childTnLst>
+                  <p:par>
+                    <p:cTn id="3" fill="hold">
+                      <p:stCondLst>
+                        <p:cond delay="indefinite"/>
+                      </p:stCondLst>
+                      <p:childTnLst>
+                        <p:par>
+                          <p:cTn id="4" fill="hold">
+                            <p:stCondLst>
+                              <p:cond delay="0"/>
+                            </p:stCondLst>
+                            <p:childTnLst>
+                              <p:par>
+                                <p:cTn id="5" presetID="10" presetClass="entr" presetSubtype="0" fill="hold" nodeType="clickEffect">
+                                  <p:stCondLst>
+                                    <p:cond delay="0"/>
+                                  </p:stCondLst>
+                                  <p:childTnLst>
+                                    <p:set>
+                                      <p:cBhvr>
+                                        <p:cTn id="6" dur="1" fill="hold">
+                                          <p:stCondLst>
+                                            <p:cond delay="0"/>
+                                          </p:stCondLst>
+                                        </p:cTn>
+                                        <p:tgtEl>
+                                          <p:spTgt spid="5">
+                                            <p:txEl>
+                                              <p:pRg st="0" end="0"/>
+                                            </p:txEl>
+                                          </p:spTgt>
+                                        </p:tgtEl>
+                                        <p:attrNameLst>
+                                          <p:attrName>style.visibility</p:attrName>
+                                        </p:attrNameLst>
+                                      </p:cBhvr>
+                                      <p:to>
+                                        <p:strVal val="visible"/>
+                                      </p:to>
+                                    </p:set>
+                                    <p:animEffect transition="in" filter="fade">
+                                      <p:cBhvr>
+                                        <p:cTn id="7" dur="500"/>
+                                        <p:tgtEl>
+                                          <p:spTgt spid="5">
+                                            <p:txEl>
+                                              <p:pRg st="0" end="0"/>
+                                            </p:txEl>
+                                          </p:spTgt>
+                                        </p:tgtEl>
+                                      </p:cBhvr>
+                                    </p:animEffect>
+                                  </p:childTnLst>
+                                </p:cTn>
+                              </p:par>
+                            </p:childTnLst>
+                          </p:cTn>
+                        </p:par>
+                      </p:childTnLst>
+                    </p:cTn>
+                  </p:par>
+                  <p:par>
+                    <p:cTn id="8" fill="hold">
+                      <p:stCondLst>
+                        <p:cond delay="indefinite"/>
+                      </p:stCondLst>
+                      <p:childTnLst>
+                        <p:par>
+                          <p:cTn id="9" fill="hold">
+                            <p:stCondLst>
+                              <p:cond delay="0"/>
+                            </p:stCondLst>
+                            <p:childTnLst>
+                              <p:par>
+                                <p:cTn id="10" presetID="10" presetClass="entr" presetSubtype="0" fill="hold" nodeType="clickEffect">
+                                  <p:stCondLst>
+                                    <p:cond delay="0"/>
+                                  </p:stCondLst>
+                                  <p:childTnLst>
+                                    <p:set>
+                                      <p:cBhvr>
+                                        <p:cTn id="11" dur="1" fill="hold">
+                                          <p:stCondLst>
+                                            <p:cond delay="0"/>
+                                          </p:stCondLst>
+                                        </p:cTn>
+                                        <p:tgtEl>
+                                          <p:spTgt spid="7">
+                                            <p:txEl>
+                                              <p:pRg st="0" end="0"/>
+                                            </p:txEl>
+                                          </p:spTgt>
+                                        </p:tgtEl>
+                                        <p:attrNameLst>
+                                          <p:attrName>style.visibility</p:attrName>
+                                        </p:attrNameLst>
+                                      </p:cBhvr>
+                                      <p:to>
+                                        <p:strVal val="visible"/>
+                                      </p:to>
+                                    </p:set>
+                                    <p:animEffect transition="in" filter="fade">
+                                      <p:cBhvr>
+                                        <p:cTn id="12" dur="500"/>
+                                        <p:tgtEl>
+                                          <p:spTgt spid="7">
+                                            <p:txEl>
+                                              <p:pRg st="0" end="0"/>
+                                            </p:txEl>
+                                          </p:spTgt>
+                                        </p:tgtEl>
+                                      </p:cBhvr>
+                                    </p:animEffect>
+                                  </p:childTnLst>
+                                </p:cTn>
+                              </p:par>
+                            </p:childTnLst>
+                          </p:cTn>
+                        </p:par>
+                      </p:childTnLst>
+                    </p:cTn>
+                  </p:par>
+                  <p:par>
+                    <p:cTn id="13" fill="hold">
+                      <p:stCondLst>
+                        <p:cond delay="indefinite"/>
+                      </p:stCondLst>
+                      <p:childTnLst>
+                        <p:par>
+                          <p:cTn id="14" fill="hold">
+                            <p:stCondLst>
+                              <p:cond delay="0"/>
+                            </p:stCondLst>
+                            <p:childTnLst>
+                              <p:par>
+                                <p:cTn id="15" presetID="10" presetClass="entr" presetSubtype="0" fill="hold" nodeType="clickEffect">
+                                  <p:stCondLst>
+                                    <p:cond delay="0"/>
+                                  </p:stCondLst>
+                                  <p:childTnLst>
+                                    <p:set>
+                                      <p:cBhvr>
+                                        <p:cTn id="16" dur="1" fill="hold">
+                                          <p:stCondLst>
+                                            <p:cond delay="0"/>
+                                          </p:stCondLst>
+                                        </p:cTn>
+                                        <p:tgtEl>
+                                          <p:spTgt spid="5">
+                                            <p:txEl>
+                                              <p:pRg st="1" end="1"/>
+                                            </p:txEl>
+                                          </p:spTgt>
+                                        </p:tgtEl>
+                                        <p:attrNameLst>
+                                          <p:attrName>style.visibility</p:attrName>
+                                        </p:attrNameLst>
+                                      </p:cBhvr>
+                                      <p:to>
+                                        <p:strVal val="visible"/>
+                                      </p:to>
+                                    </p:set>
+                                    <p:animEffect transition="in" filter="fade">
+                                      <p:cBhvr>
+                                        <p:cTn id="17" dur="500"/>
+                                        <p:tgtEl>
+                                          <p:spTgt spid="5">
+                                            <p:txEl>
+                                              <p:pRg st="1" end="1"/>
+                                            </p:txEl>
+                                          </p:spTgt>
+                                        </p:tgtEl>
+                                      </p:cBhvr>
+                                    </p:animEffect>
+                                  </p:childTnLst>
+                                </p:cTn>
+                              </p:par>
+                            </p:childTnLst>
+                          </p:cTn>
+                        </p:par>
+                      </p:childTnLst>
+                    </p:cTn>
+                  </p:par>
+                  <p:par>
+                    <p:cTn id="18" fill="hold">
+                      <p:stCondLst>
+                        <p:cond delay="indefinite"/>
+                      </p:stCondLst>
+                      <p:childTnLst>
+                        <p:par>
+                          <p:cTn id="19" fill="hold">
+                            <p:stCondLst>
+                              <p:cond delay="0"/>
+                            </p:stCondLst>
+                            <p:childTnLst>
+                              <p:par>
+                                <p:cTn id="20" presetID="10" presetClass="entr" presetSubtype="0" fill="hold" nodeType="clickEffect">
+                                  <p:stCondLst>
+                                    <p:cond delay="0"/>
+                                  </p:stCondLst>
+                                  <p:childTnLst>
+                                    <p:set>
+                                      <p:cBhvr>
+                                        <p:cTn id="21" dur="1" fill="hold">
+                                          <p:stCondLst>
+                                            <p:cond delay="0"/>
+                                          </p:stCondLst>
+                                        </p:cTn>
+                                        <p:tgtEl>
+                                          <p:spTgt spid="7">
+                                            <p:txEl>
+                                              <p:pRg st="1" end="1"/>
+                                            </p:txEl>
+                                          </p:spTgt>
+                                        </p:tgtEl>
+                                        <p:attrNameLst>
+                                          <p:attrName>style.visibility</p:attrName>
+                                        </p:attrNameLst>
+                                      </p:cBhvr>
+                                      <p:to>
+                                        <p:strVal val="visible"/>
+                                      </p:to>
+                                    </p:set>
+                                    <p:animEffect transition="in" filter="fade">
+                                      <p:cBhvr>
+                                        <p:cTn id="22" dur="500"/>
+                                        <p:tgtEl>
+                                          <p:spTgt spid="7">
+                                            <p:txEl>
+                                              <p:pRg st="1" end="1"/>
+                                            </p:txEl>
+                                          </p:spTgt>
+                                        </p:tgtEl>
+                                      </p:cBhvr>
+                                    </p:animEffect>
+                                  </p:childTnLst>
+                                </p:cTn>
+                              </p:par>
+                            </p:childTnLst>
+                          </p:cTn>
+                        </p:par>
+                      </p:childTnLst>
+                    </p:cTn>
+                  </p:par>
+                </p:childTnLst>
+              </p:cTn>
+              <p:prevCondLst>
+                <p:cond evt="onPrev" delay="0">
+                  <p:tgtEl>
+                    <p:sldTgt/>
+                  </p:tgtEl>
+                </p:cond>
+              </p:prevCondLst>
+              <p:nextCondLst>
+                <p:cond evt="onNext" delay="0">
+                  <p:tgtEl>
+                    <p:sldTgt/>
+                  </p:tgtEl>
+                </p:cond>
+              </p:nextCondLst>
+            </p:seq>
+          </p:childTnLst>
+        </p:cTn>
       </p:par>
     </p:tnLst>
   </p:timing>
@@ -19175,9 +21263,200 @@
   <p:timing>
     <p:tnLst>
       <p:par>
-        <p:cTn id="1" dur="indefinite" restart="never" nodeType="tmRoot"/>
+        <p:cTn id="1" dur="indefinite" restart="never" nodeType="tmRoot">
+          <p:childTnLst>
+            <p:seq concurrent="1" nextAc="seek">
+              <p:cTn id="2" dur="indefinite" nodeType="mainSeq">
+                <p:childTnLst>
+                  <p:par>
+                    <p:cTn id="3" fill="hold">
+                      <p:stCondLst>
+                        <p:cond delay="indefinite"/>
+                      </p:stCondLst>
+                      <p:childTnLst>
+                        <p:par>
+                          <p:cTn id="4" fill="hold">
+                            <p:stCondLst>
+                              <p:cond delay="0"/>
+                            </p:stCondLst>
+                            <p:childTnLst>
+                              <p:par>
+                                <p:cTn id="5" presetID="10" presetClass="entr" presetSubtype="0" fill="hold" grpId="0" nodeType="clickEffect">
+                                  <p:stCondLst>
+                                    <p:cond delay="0"/>
+                                  </p:stCondLst>
+                                  <p:childTnLst>
+                                    <p:set>
+                                      <p:cBhvr>
+                                        <p:cTn id="6" dur="1" fill="hold">
+                                          <p:stCondLst>
+                                            <p:cond delay="0"/>
+                                          </p:stCondLst>
+                                        </p:cTn>
+                                        <p:tgtEl>
+                                          <p:spTgt spid="8">
+                                            <p:txEl>
+                                              <p:pRg st="0" end="0"/>
+                                            </p:txEl>
+                                          </p:spTgt>
+                                        </p:tgtEl>
+                                        <p:attrNameLst>
+                                          <p:attrName>style.visibility</p:attrName>
+                                        </p:attrNameLst>
+                                      </p:cBhvr>
+                                      <p:to>
+                                        <p:strVal val="visible"/>
+                                      </p:to>
+                                    </p:set>
+                                    <p:animEffect transition="in" filter="fade">
+                                      <p:cBhvr>
+                                        <p:cTn id="7" dur="500"/>
+                                        <p:tgtEl>
+                                          <p:spTgt spid="8">
+                                            <p:txEl>
+                                              <p:pRg st="0" end="0"/>
+                                            </p:txEl>
+                                          </p:spTgt>
+                                        </p:tgtEl>
+                                      </p:cBhvr>
+                                    </p:animEffect>
+                                  </p:childTnLst>
+                                </p:cTn>
+                              </p:par>
+                            </p:childTnLst>
+                          </p:cTn>
+                        </p:par>
+                      </p:childTnLst>
+                    </p:cTn>
+                  </p:par>
+                  <p:par>
+                    <p:cTn id="8" fill="hold">
+                      <p:stCondLst>
+                        <p:cond delay="indefinite"/>
+                      </p:stCondLst>
+                      <p:childTnLst>
+                        <p:par>
+                          <p:cTn id="9" fill="hold">
+                            <p:stCondLst>
+                              <p:cond delay="0"/>
+                            </p:stCondLst>
+                            <p:childTnLst>
+                              <p:par>
+                                <p:cTn id="10" presetID="10" presetClass="entr" presetSubtype="0" fill="hold" grpId="0" nodeType="clickEffect">
+                                  <p:stCondLst>
+                                    <p:cond delay="0"/>
+                                  </p:stCondLst>
+                                  <p:childTnLst>
+                                    <p:set>
+                                      <p:cBhvr>
+                                        <p:cTn id="11" dur="1" fill="hold">
+                                          <p:stCondLst>
+                                            <p:cond delay="0"/>
+                                          </p:stCondLst>
+                                        </p:cTn>
+                                        <p:tgtEl>
+                                          <p:spTgt spid="8">
+                                            <p:txEl>
+                                              <p:pRg st="1" end="1"/>
+                                            </p:txEl>
+                                          </p:spTgt>
+                                        </p:tgtEl>
+                                        <p:attrNameLst>
+                                          <p:attrName>style.visibility</p:attrName>
+                                        </p:attrNameLst>
+                                      </p:cBhvr>
+                                      <p:to>
+                                        <p:strVal val="visible"/>
+                                      </p:to>
+                                    </p:set>
+                                    <p:animEffect transition="in" filter="fade">
+                                      <p:cBhvr>
+                                        <p:cTn id="12" dur="500"/>
+                                        <p:tgtEl>
+                                          <p:spTgt spid="8">
+                                            <p:txEl>
+                                              <p:pRg st="1" end="1"/>
+                                            </p:txEl>
+                                          </p:spTgt>
+                                        </p:tgtEl>
+                                      </p:cBhvr>
+                                    </p:animEffect>
+                                  </p:childTnLst>
+                                </p:cTn>
+                              </p:par>
+                              <p:par>
+                                <p:cTn id="13" presetID="10" presetClass="entr" presetSubtype="0" fill="hold" grpId="0" nodeType="withEffect">
+                                  <p:stCondLst>
+                                    <p:cond delay="0"/>
+                                  </p:stCondLst>
+                                  <p:childTnLst>
+                                    <p:set>
+                                      <p:cBhvr>
+                                        <p:cTn id="14" dur="1" fill="hold">
+                                          <p:stCondLst>
+                                            <p:cond delay="0"/>
+                                          </p:stCondLst>
+                                        </p:cTn>
+                                        <p:tgtEl>
+                                          <p:spTgt spid="8">
+                                            <p:txEl>
+                                              <p:pRg st="2" end="2"/>
+                                            </p:txEl>
+                                          </p:spTgt>
+                                        </p:tgtEl>
+                                        <p:attrNameLst>
+                                          <p:attrName>style.visibility</p:attrName>
+                                        </p:attrNameLst>
+                                      </p:cBhvr>
+                                      <p:to>
+                                        <p:strVal val="visible"/>
+                                      </p:to>
+                                    </p:set>
+                                    <p:animEffect transition="in" filter="fade">
+                                      <p:cBhvr>
+                                        <p:cTn id="15" dur="500"/>
+                                        <p:tgtEl>
+                                          <p:spTgt spid="8">
+                                            <p:txEl>
+                                              <p:pRg st="2" end="2"/>
+                                            </p:txEl>
+                                          </p:spTgt>
+                                        </p:tgtEl>
+                                      </p:cBhvr>
+                                    </p:animEffect>
+                                  </p:childTnLst>
+                                </p:cTn>
+                              </p:par>
+                            </p:childTnLst>
+                          </p:cTn>
+                        </p:par>
+                      </p:childTnLst>
+                    </p:cTn>
+                  </p:par>
+                </p:childTnLst>
+              </p:cTn>
+              <p:prevCondLst>
+                <p:cond evt="onPrev" delay="0">
+                  <p:tgtEl>
+                    <p:sldTgt/>
+                  </p:tgtEl>
+                </p:cond>
+              </p:prevCondLst>
+              <p:nextCondLst>
+                <p:cond evt="onNext" delay="0">
+                  <p:tgtEl>
+                    <p:sldTgt/>
+                  </p:tgtEl>
+                </p:cond>
+              </p:nextCondLst>
+            </p:seq>
+          </p:childTnLst>
+        </p:cTn>
       </p:par>
     </p:tnLst>
+    <p:bldLst>
+      <p:bldP spid="8" grpId="0" build="p"/>
+    </p:bldLst>
   </p:timing>
 </p:sld>
 </file>
@@ -19970,9 +22249,304 @@
   <p:timing>
     <p:tnLst>
       <p:par>
-        <p:cTn id="1" dur="indefinite" restart="never" nodeType="tmRoot"/>
+        <p:cTn id="1" dur="indefinite" restart="never" nodeType="tmRoot">
+          <p:childTnLst>
+            <p:seq concurrent="1" nextAc="seek">
+              <p:cTn id="2" dur="indefinite" nodeType="mainSeq">
+                <p:childTnLst>
+                  <p:par>
+                    <p:cTn id="3" fill="hold">
+                      <p:stCondLst>
+                        <p:cond delay="indefinite"/>
+                      </p:stCondLst>
+                      <p:childTnLst>
+                        <p:par>
+                          <p:cTn id="4" fill="hold">
+                            <p:stCondLst>
+                              <p:cond delay="0"/>
+                            </p:stCondLst>
+                            <p:childTnLst>
+                              <p:par>
+                                <p:cTn id="5" presetID="10" presetClass="entr" presetSubtype="0" fill="hold" grpId="0" nodeType="clickEffect">
+                                  <p:stCondLst>
+                                    <p:cond delay="0"/>
+                                  </p:stCondLst>
+                                  <p:childTnLst>
+                                    <p:set>
+                                      <p:cBhvr>
+                                        <p:cTn id="6" dur="1" fill="hold">
+                                          <p:stCondLst>
+                                            <p:cond delay="0"/>
+                                          </p:stCondLst>
+                                        </p:cTn>
+                                        <p:tgtEl>
+                                          <p:spTgt spid="4">
+                                            <p:txEl>
+                                              <p:pRg st="0" end="0"/>
+                                            </p:txEl>
+                                          </p:spTgt>
+                                        </p:tgtEl>
+                                        <p:attrNameLst>
+                                          <p:attrName>style.visibility</p:attrName>
+                                        </p:attrNameLst>
+                                      </p:cBhvr>
+                                      <p:to>
+                                        <p:strVal val="visible"/>
+                                      </p:to>
+                                    </p:set>
+                                    <p:animEffect transition="in" filter="fade">
+                                      <p:cBhvr>
+                                        <p:cTn id="7" dur="500"/>
+                                        <p:tgtEl>
+                                          <p:spTgt spid="4">
+                                            <p:txEl>
+                                              <p:pRg st="0" end="0"/>
+                                            </p:txEl>
+                                          </p:spTgt>
+                                        </p:tgtEl>
+                                      </p:cBhvr>
+                                    </p:animEffect>
+                                  </p:childTnLst>
+                                </p:cTn>
+                              </p:par>
+                              <p:par>
+                                <p:cTn id="8" presetID="10" presetClass="entr" presetSubtype="0" fill="hold" grpId="0" nodeType="withEffect">
+                                  <p:stCondLst>
+                                    <p:cond delay="0"/>
+                                  </p:stCondLst>
+                                  <p:childTnLst>
+                                    <p:set>
+                                      <p:cBhvr>
+                                        <p:cTn id="9" dur="1" fill="hold">
+                                          <p:stCondLst>
+                                            <p:cond delay="0"/>
+                                          </p:stCondLst>
+                                        </p:cTn>
+                                        <p:tgtEl>
+                                          <p:spTgt spid="4">
+                                            <p:txEl>
+                                              <p:pRg st="1" end="1"/>
+                                            </p:txEl>
+                                          </p:spTgt>
+                                        </p:tgtEl>
+                                        <p:attrNameLst>
+                                          <p:attrName>style.visibility</p:attrName>
+                                        </p:attrNameLst>
+                                      </p:cBhvr>
+                                      <p:to>
+                                        <p:strVal val="visible"/>
+                                      </p:to>
+                                    </p:set>
+                                    <p:animEffect transition="in" filter="fade">
+                                      <p:cBhvr>
+                                        <p:cTn id="10" dur="500"/>
+                                        <p:tgtEl>
+                                          <p:spTgt spid="4">
+                                            <p:txEl>
+                                              <p:pRg st="1" end="1"/>
+                                            </p:txEl>
+                                          </p:spTgt>
+                                        </p:tgtEl>
+                                      </p:cBhvr>
+                                    </p:animEffect>
+                                  </p:childTnLst>
+                                </p:cTn>
+                              </p:par>
+                            </p:childTnLst>
+                          </p:cTn>
+                        </p:par>
+                      </p:childTnLst>
+                    </p:cTn>
+                  </p:par>
+                  <p:par>
+                    <p:cTn id="11" fill="hold">
+                      <p:stCondLst>
+                        <p:cond delay="indefinite"/>
+                      </p:stCondLst>
+                      <p:childTnLst>
+                        <p:par>
+                          <p:cTn id="12" fill="hold">
+                            <p:stCondLst>
+                              <p:cond delay="0"/>
+                            </p:stCondLst>
+                            <p:childTnLst>
+                              <p:par>
+                                <p:cTn id="13" presetID="10" presetClass="entr" presetSubtype="0" fill="hold" grpId="0" nodeType="clickEffect">
+                                  <p:stCondLst>
+                                    <p:cond delay="0"/>
+                                  </p:stCondLst>
+                                  <p:childTnLst>
+                                    <p:set>
+                                      <p:cBhvr>
+                                        <p:cTn id="14" dur="1" fill="hold">
+                                          <p:stCondLst>
+                                            <p:cond delay="0"/>
+                                          </p:stCondLst>
+                                        </p:cTn>
+                                        <p:tgtEl>
+                                          <p:spTgt spid="4">
+                                            <p:txEl>
+                                              <p:pRg st="2" end="2"/>
+                                            </p:txEl>
+                                          </p:spTgt>
+                                        </p:tgtEl>
+                                        <p:attrNameLst>
+                                          <p:attrName>style.visibility</p:attrName>
+                                        </p:attrNameLst>
+                                      </p:cBhvr>
+                                      <p:to>
+                                        <p:strVal val="visible"/>
+                                      </p:to>
+                                    </p:set>
+                                    <p:animEffect transition="in" filter="fade">
+                                      <p:cBhvr>
+                                        <p:cTn id="15" dur="500"/>
+                                        <p:tgtEl>
+                                          <p:spTgt spid="4">
+                                            <p:txEl>
+                                              <p:pRg st="2" end="2"/>
+                                            </p:txEl>
+                                          </p:spTgt>
+                                        </p:tgtEl>
+                                      </p:cBhvr>
+                                    </p:animEffect>
+                                  </p:childTnLst>
+                                </p:cTn>
+                              </p:par>
+                              <p:par>
+                                <p:cTn id="16" presetID="10" presetClass="entr" presetSubtype="0" fill="hold" grpId="0" nodeType="withEffect">
+                                  <p:stCondLst>
+                                    <p:cond delay="0"/>
+                                  </p:stCondLst>
+                                  <p:childTnLst>
+                                    <p:set>
+                                      <p:cBhvr>
+                                        <p:cTn id="17" dur="1" fill="hold">
+                                          <p:stCondLst>
+                                            <p:cond delay="0"/>
+                                          </p:stCondLst>
+                                        </p:cTn>
+                                        <p:tgtEl>
+                                          <p:spTgt spid="4">
+                                            <p:txEl>
+                                              <p:pRg st="3" end="3"/>
+                                            </p:txEl>
+                                          </p:spTgt>
+                                        </p:tgtEl>
+                                        <p:attrNameLst>
+                                          <p:attrName>style.visibility</p:attrName>
+                                        </p:attrNameLst>
+                                      </p:cBhvr>
+                                      <p:to>
+                                        <p:strVal val="visible"/>
+                                      </p:to>
+                                    </p:set>
+                                    <p:animEffect transition="in" filter="fade">
+                                      <p:cBhvr>
+                                        <p:cTn id="18" dur="500"/>
+                                        <p:tgtEl>
+                                          <p:spTgt spid="4">
+                                            <p:txEl>
+                                              <p:pRg st="3" end="3"/>
+                                            </p:txEl>
+                                          </p:spTgt>
+                                        </p:tgtEl>
+                                      </p:cBhvr>
+                                    </p:animEffect>
+                                  </p:childTnLst>
+                                </p:cTn>
+                              </p:par>
+                            </p:childTnLst>
+                          </p:cTn>
+                        </p:par>
+                      </p:childTnLst>
+                    </p:cTn>
+                  </p:par>
+                  <p:par>
+                    <p:cTn id="19" fill="hold">
+                      <p:stCondLst>
+                        <p:cond delay="indefinite"/>
+                      </p:stCondLst>
+                      <p:childTnLst>
+                        <p:par>
+                          <p:cTn id="20" fill="hold">
+                            <p:stCondLst>
+                              <p:cond delay="0"/>
+                            </p:stCondLst>
+                            <p:childTnLst>
+                              <p:par>
+                                <p:cTn id="21" presetID="10" presetClass="entr" presetSubtype="0" fill="hold" grpId="0" nodeType="clickEffect">
+                                  <p:stCondLst>
+                                    <p:cond delay="0"/>
+                                  </p:stCondLst>
+                                  <p:childTnLst>
+                                    <p:set>
+                                      <p:cBhvr>
+                                        <p:cTn id="22" dur="1" fill="hold">
+                                          <p:stCondLst>
+                                            <p:cond delay="0"/>
+                                          </p:stCondLst>
+                                        </p:cTn>
+                                        <p:tgtEl>
+                                          <p:spTgt spid="4">
+                                            <p:txEl>
+                                              <p:pRg st="4" end="4"/>
+                                            </p:txEl>
+                                          </p:spTgt>
+                                        </p:tgtEl>
+                                        <p:attrNameLst>
+                                          <p:attrName>style.visibility</p:attrName>
+                                        </p:attrNameLst>
+                                      </p:cBhvr>
+                                      <p:to>
+                                        <p:strVal val="visible"/>
+                                      </p:to>
+                                    </p:set>
+                                    <p:animEffect transition="in" filter="fade">
+                                      <p:cBhvr>
+                                        <p:cTn id="23" dur="500"/>
+                                        <p:tgtEl>
+                                          <p:spTgt spid="4">
+                                            <p:txEl>
+                                              <p:pRg st="4" end="4"/>
+                                            </p:txEl>
+                                          </p:spTgt>
+                                        </p:tgtEl>
+                                      </p:cBhvr>
+                                    </p:animEffect>
+                                  </p:childTnLst>
+                                </p:cTn>
+                              </p:par>
+                            </p:childTnLst>
+                          </p:cTn>
+                        </p:par>
+                      </p:childTnLst>
+                    </p:cTn>
+                  </p:par>
+                </p:childTnLst>
+              </p:cTn>
+              <p:prevCondLst>
+                <p:cond evt="onPrev" delay="0">
+                  <p:tgtEl>
+                    <p:sldTgt/>
+                  </p:tgtEl>
+                </p:cond>
+              </p:prevCondLst>
+              <p:nextCondLst>
+                <p:cond evt="onNext" delay="0">
+                  <p:tgtEl>
+                    <p:sldTgt/>
+                  </p:tgtEl>
+                </p:cond>
+              </p:nextCondLst>
+            </p:seq>
+          </p:childTnLst>
+        </p:cTn>
       </p:par>
     </p:tnLst>
+    <p:bldLst>
+      <p:bldP spid="4" grpId="0" build="p"/>
+    </p:bldLst>
   </p:timing>
 </p:sld>
 </file>
@@ -24337,6 +26911,85 @@
     <p:extLst>
       <p:ext uri="{BB962C8B-B14F-4D97-AF65-F5344CB8AC3E}">
         <p14:creationId xmlns:p14="http://schemas.microsoft.com/office/powerpoint/2010/main" val="2535986463"/>
+      </p:ext>
+    </p:extLst>
+  </p:cSld>
+  <p:clrMapOvr>
+    <a:masterClrMapping/>
+  </p:clrMapOvr>
+  <p:timing>
+    <p:tnLst>
+      <p:par>
+        <p:cTn id="1" dur="indefinite" restart="never" nodeType="tmRoot"/>
+      </p:par>
+    </p:tnLst>
+  </p:timing>
+</p:sld>
+</file>
+
+<file path=ppt/slides/slide31.xml><?xml version="1.0" encoding="utf-8"?>
+<p:sld xmlns:a="http://schemas.openxmlformats.org/drawingml/2006/main" xmlns:r="http://schemas.openxmlformats.org/officeDocument/2006/relationships" xmlns:p="http://schemas.openxmlformats.org/presentationml/2006/main">
+  <p:cSld>
+    <p:spTree>
+      <p:nvGrpSpPr>
+        <p:cNvPr id="1" name=""/>
+        <p:cNvGrpSpPr/>
+        <p:nvPr/>
+      </p:nvGrpSpPr>
+      <p:grpSpPr>
+        <a:xfrm>
+          <a:off x="0" y="0"/>
+          <a:ext cx="0" cy="0"/>
+          <a:chOff x="0" y="0"/>
+          <a:chExt cx="0" cy="0"/>
+        </a:xfrm>
+      </p:grpSpPr>
+      <p:sp>
+        <p:nvSpPr>
+          <p:cNvPr id="2" name="Title 1"/>
+          <p:cNvSpPr>
+            <a:spLocks noGrp="1"/>
+          </p:cNvSpPr>
+          <p:nvPr>
+            <p:ph type="title"/>
+          </p:nvPr>
+        </p:nvSpPr>
+        <p:spPr/>
+        <p:txBody>
+          <a:bodyPr/>
+          <a:lstStyle/>
+          <a:p>
+            <a:r>
+              <a:rPr lang="ru-RU" dirty="0" smtClean="0"/>
+              <a:t>Спасибо за внимание</a:t>
+            </a:r>
+            <a:endParaRPr lang="ru-RU" dirty="0"/>
+          </a:p>
+        </p:txBody>
+      </p:sp>
+      <p:sp>
+        <p:nvSpPr>
+          <p:cNvPr id="7" name="Text Placeholder 6"/>
+          <p:cNvSpPr>
+            <a:spLocks noGrp="1"/>
+          </p:cNvSpPr>
+          <p:nvPr>
+            <p:ph type="body" idx="1"/>
+          </p:nvPr>
+        </p:nvSpPr>
+        <p:spPr/>
+        <p:txBody>
+          <a:bodyPr/>
+          <a:lstStyle/>
+          <a:p>
+            <a:endParaRPr lang="ru-RU"/>
+          </a:p>
+        </p:txBody>
+      </p:sp>
+    </p:spTree>
+    <p:extLst>
+      <p:ext uri="{BB962C8B-B14F-4D97-AF65-F5344CB8AC3E}">
+        <p14:creationId xmlns:p14="http://schemas.microsoft.com/office/powerpoint/2010/main" val="4248691233"/>
       </p:ext>
     </p:extLst>
   </p:cSld>
@@ -29093,7 +31746,518 @@
   <p:timing>
     <p:tnLst>
       <p:par>
-        <p:cTn id="1" dur="indefinite" restart="never" nodeType="tmRoot"/>
+        <p:cTn id="1" dur="indefinite" restart="never" nodeType="tmRoot">
+          <p:childTnLst>
+            <p:seq concurrent="1" nextAc="seek">
+              <p:cTn id="2" dur="indefinite" nodeType="mainSeq">
+                <p:childTnLst>
+                  <p:par>
+                    <p:cTn id="3" fill="hold">
+                      <p:stCondLst>
+                        <p:cond delay="indefinite"/>
+                      </p:stCondLst>
+                      <p:childTnLst>
+                        <p:par>
+                          <p:cTn id="4" fill="hold">
+                            <p:stCondLst>
+                              <p:cond delay="0"/>
+                            </p:stCondLst>
+                            <p:childTnLst>
+                              <p:par>
+                                <p:cTn id="5" presetID="10" presetClass="entr" presetSubtype="0" fill="hold" nodeType="clickEffect">
+                                  <p:stCondLst>
+                                    <p:cond delay="0"/>
+                                  </p:stCondLst>
+                                  <p:childTnLst>
+                                    <p:set>
+                                      <p:cBhvr>
+                                        <p:cTn id="6" dur="1" fill="hold">
+                                          <p:stCondLst>
+                                            <p:cond delay="0"/>
+                                          </p:stCondLst>
+                                        </p:cTn>
+                                        <p:tgtEl>
+                                          <p:spTgt spid="6">
+                                            <p:txEl>
+                                              <p:pRg st="0" end="0"/>
+                                            </p:txEl>
+                                          </p:spTgt>
+                                        </p:tgtEl>
+                                        <p:attrNameLst>
+                                          <p:attrName>style.visibility</p:attrName>
+                                        </p:attrNameLst>
+                                      </p:cBhvr>
+                                      <p:to>
+                                        <p:strVal val="visible"/>
+                                      </p:to>
+                                    </p:set>
+                                    <p:animEffect transition="in" filter="fade">
+                                      <p:cBhvr>
+                                        <p:cTn id="7" dur="500"/>
+                                        <p:tgtEl>
+                                          <p:spTgt spid="6">
+                                            <p:txEl>
+                                              <p:pRg st="0" end="0"/>
+                                            </p:txEl>
+                                          </p:spTgt>
+                                        </p:tgtEl>
+                                      </p:cBhvr>
+                                    </p:animEffect>
+                                  </p:childTnLst>
+                                </p:cTn>
+                              </p:par>
+                            </p:childTnLst>
+                          </p:cTn>
+                        </p:par>
+                      </p:childTnLst>
+                    </p:cTn>
+                  </p:par>
+                  <p:par>
+                    <p:cTn id="8" fill="hold">
+                      <p:stCondLst>
+                        <p:cond delay="indefinite"/>
+                      </p:stCondLst>
+                      <p:childTnLst>
+                        <p:par>
+                          <p:cTn id="9" fill="hold">
+                            <p:stCondLst>
+                              <p:cond delay="0"/>
+                            </p:stCondLst>
+                            <p:childTnLst>
+                              <p:par>
+                                <p:cTn id="10" presetID="10" presetClass="entr" presetSubtype="0" fill="hold" nodeType="clickEffect">
+                                  <p:stCondLst>
+                                    <p:cond delay="0"/>
+                                  </p:stCondLst>
+                                  <p:childTnLst>
+                                    <p:set>
+                                      <p:cBhvr>
+                                        <p:cTn id="11" dur="1" fill="hold">
+                                          <p:stCondLst>
+                                            <p:cond delay="0"/>
+                                          </p:stCondLst>
+                                        </p:cTn>
+                                        <p:tgtEl>
+                                          <p:spTgt spid="8">
+                                            <p:txEl>
+                                              <p:pRg st="0" end="0"/>
+                                            </p:txEl>
+                                          </p:spTgt>
+                                        </p:tgtEl>
+                                        <p:attrNameLst>
+                                          <p:attrName>style.visibility</p:attrName>
+                                        </p:attrNameLst>
+                                      </p:cBhvr>
+                                      <p:to>
+                                        <p:strVal val="visible"/>
+                                      </p:to>
+                                    </p:set>
+                                    <p:animEffect transition="in" filter="fade">
+                                      <p:cBhvr>
+                                        <p:cTn id="12" dur="500"/>
+                                        <p:tgtEl>
+                                          <p:spTgt spid="8">
+                                            <p:txEl>
+                                              <p:pRg st="0" end="0"/>
+                                            </p:txEl>
+                                          </p:spTgt>
+                                        </p:tgtEl>
+                                      </p:cBhvr>
+                                    </p:animEffect>
+                                  </p:childTnLst>
+                                </p:cTn>
+                              </p:par>
+                            </p:childTnLst>
+                          </p:cTn>
+                        </p:par>
+                      </p:childTnLst>
+                    </p:cTn>
+                  </p:par>
+                  <p:par>
+                    <p:cTn id="13" fill="hold">
+                      <p:stCondLst>
+                        <p:cond delay="indefinite"/>
+                      </p:stCondLst>
+                      <p:childTnLst>
+                        <p:par>
+                          <p:cTn id="14" fill="hold">
+                            <p:stCondLst>
+                              <p:cond delay="0"/>
+                            </p:stCondLst>
+                            <p:childTnLst>
+                              <p:par>
+                                <p:cTn id="15" presetID="10" presetClass="entr" presetSubtype="0" fill="hold" nodeType="clickEffect">
+                                  <p:stCondLst>
+                                    <p:cond delay="0"/>
+                                  </p:stCondLst>
+                                  <p:childTnLst>
+                                    <p:set>
+                                      <p:cBhvr>
+                                        <p:cTn id="16" dur="1" fill="hold">
+                                          <p:stCondLst>
+                                            <p:cond delay="0"/>
+                                          </p:stCondLst>
+                                        </p:cTn>
+                                        <p:tgtEl>
+                                          <p:spTgt spid="6">
+                                            <p:txEl>
+                                              <p:pRg st="1" end="1"/>
+                                            </p:txEl>
+                                          </p:spTgt>
+                                        </p:tgtEl>
+                                        <p:attrNameLst>
+                                          <p:attrName>style.visibility</p:attrName>
+                                        </p:attrNameLst>
+                                      </p:cBhvr>
+                                      <p:to>
+                                        <p:strVal val="visible"/>
+                                      </p:to>
+                                    </p:set>
+                                    <p:animEffect transition="in" filter="fade">
+                                      <p:cBhvr>
+                                        <p:cTn id="17" dur="500"/>
+                                        <p:tgtEl>
+                                          <p:spTgt spid="6">
+                                            <p:txEl>
+                                              <p:pRg st="1" end="1"/>
+                                            </p:txEl>
+                                          </p:spTgt>
+                                        </p:tgtEl>
+                                      </p:cBhvr>
+                                    </p:animEffect>
+                                  </p:childTnLst>
+                                </p:cTn>
+                              </p:par>
+                            </p:childTnLst>
+                          </p:cTn>
+                        </p:par>
+                      </p:childTnLst>
+                    </p:cTn>
+                  </p:par>
+                  <p:par>
+                    <p:cTn id="18" fill="hold">
+                      <p:stCondLst>
+                        <p:cond delay="indefinite"/>
+                      </p:stCondLst>
+                      <p:childTnLst>
+                        <p:par>
+                          <p:cTn id="19" fill="hold">
+                            <p:stCondLst>
+                              <p:cond delay="0"/>
+                            </p:stCondLst>
+                            <p:childTnLst>
+                              <p:par>
+                                <p:cTn id="20" presetID="10" presetClass="entr" presetSubtype="0" fill="hold" nodeType="clickEffect">
+                                  <p:stCondLst>
+                                    <p:cond delay="0"/>
+                                  </p:stCondLst>
+                                  <p:childTnLst>
+                                    <p:set>
+                                      <p:cBhvr>
+                                        <p:cTn id="21" dur="1" fill="hold">
+                                          <p:stCondLst>
+                                            <p:cond delay="0"/>
+                                          </p:stCondLst>
+                                        </p:cTn>
+                                        <p:tgtEl>
+                                          <p:spTgt spid="8">
+                                            <p:txEl>
+                                              <p:pRg st="1" end="1"/>
+                                            </p:txEl>
+                                          </p:spTgt>
+                                        </p:tgtEl>
+                                        <p:attrNameLst>
+                                          <p:attrName>style.visibility</p:attrName>
+                                        </p:attrNameLst>
+                                      </p:cBhvr>
+                                      <p:to>
+                                        <p:strVal val="visible"/>
+                                      </p:to>
+                                    </p:set>
+                                    <p:animEffect transition="in" filter="fade">
+                                      <p:cBhvr>
+                                        <p:cTn id="22" dur="500"/>
+                                        <p:tgtEl>
+                                          <p:spTgt spid="8">
+                                            <p:txEl>
+                                              <p:pRg st="1" end="1"/>
+                                            </p:txEl>
+                                          </p:spTgt>
+                                        </p:tgtEl>
+                                      </p:cBhvr>
+                                    </p:animEffect>
+                                  </p:childTnLst>
+                                </p:cTn>
+                              </p:par>
+                            </p:childTnLst>
+                          </p:cTn>
+                        </p:par>
+                      </p:childTnLst>
+                    </p:cTn>
+                  </p:par>
+                  <p:par>
+                    <p:cTn id="23" fill="hold">
+                      <p:stCondLst>
+                        <p:cond delay="indefinite"/>
+                      </p:stCondLst>
+                      <p:childTnLst>
+                        <p:par>
+                          <p:cTn id="24" fill="hold">
+                            <p:stCondLst>
+                              <p:cond delay="0"/>
+                            </p:stCondLst>
+                            <p:childTnLst>
+                              <p:par>
+                                <p:cTn id="25" presetID="10" presetClass="entr" presetSubtype="0" fill="hold" nodeType="clickEffect">
+                                  <p:stCondLst>
+                                    <p:cond delay="0"/>
+                                  </p:stCondLst>
+                                  <p:childTnLst>
+                                    <p:set>
+                                      <p:cBhvr>
+                                        <p:cTn id="26" dur="1" fill="hold">
+                                          <p:stCondLst>
+                                            <p:cond delay="0"/>
+                                          </p:stCondLst>
+                                        </p:cTn>
+                                        <p:tgtEl>
+                                          <p:spTgt spid="6">
+                                            <p:txEl>
+                                              <p:pRg st="2" end="2"/>
+                                            </p:txEl>
+                                          </p:spTgt>
+                                        </p:tgtEl>
+                                        <p:attrNameLst>
+                                          <p:attrName>style.visibility</p:attrName>
+                                        </p:attrNameLst>
+                                      </p:cBhvr>
+                                      <p:to>
+                                        <p:strVal val="visible"/>
+                                      </p:to>
+                                    </p:set>
+                                    <p:animEffect transition="in" filter="fade">
+                                      <p:cBhvr>
+                                        <p:cTn id="27" dur="500"/>
+                                        <p:tgtEl>
+                                          <p:spTgt spid="6">
+                                            <p:txEl>
+                                              <p:pRg st="2" end="2"/>
+                                            </p:txEl>
+                                          </p:spTgt>
+                                        </p:tgtEl>
+                                      </p:cBhvr>
+                                    </p:animEffect>
+                                  </p:childTnLst>
+                                </p:cTn>
+                              </p:par>
+                            </p:childTnLst>
+                          </p:cTn>
+                        </p:par>
+                      </p:childTnLst>
+                    </p:cTn>
+                  </p:par>
+                  <p:par>
+                    <p:cTn id="28" fill="hold">
+                      <p:stCondLst>
+                        <p:cond delay="indefinite"/>
+                      </p:stCondLst>
+                      <p:childTnLst>
+                        <p:par>
+                          <p:cTn id="29" fill="hold">
+                            <p:stCondLst>
+                              <p:cond delay="0"/>
+                            </p:stCondLst>
+                            <p:childTnLst>
+                              <p:par>
+                                <p:cTn id="30" presetID="10" presetClass="entr" presetSubtype="0" fill="hold" nodeType="clickEffect">
+                                  <p:stCondLst>
+                                    <p:cond delay="0"/>
+                                  </p:stCondLst>
+                                  <p:childTnLst>
+                                    <p:set>
+                                      <p:cBhvr>
+                                        <p:cTn id="31" dur="1" fill="hold">
+                                          <p:stCondLst>
+                                            <p:cond delay="0"/>
+                                          </p:stCondLst>
+                                        </p:cTn>
+                                        <p:tgtEl>
+                                          <p:spTgt spid="8">
+                                            <p:txEl>
+                                              <p:pRg st="2" end="2"/>
+                                            </p:txEl>
+                                          </p:spTgt>
+                                        </p:tgtEl>
+                                        <p:attrNameLst>
+                                          <p:attrName>style.visibility</p:attrName>
+                                        </p:attrNameLst>
+                                      </p:cBhvr>
+                                      <p:to>
+                                        <p:strVal val="visible"/>
+                                      </p:to>
+                                    </p:set>
+                                    <p:animEffect transition="in" filter="fade">
+                                      <p:cBhvr>
+                                        <p:cTn id="32" dur="500"/>
+                                        <p:tgtEl>
+                                          <p:spTgt spid="8">
+                                            <p:txEl>
+                                              <p:pRg st="2" end="2"/>
+                                            </p:txEl>
+                                          </p:spTgt>
+                                        </p:tgtEl>
+                                      </p:cBhvr>
+                                    </p:animEffect>
+                                  </p:childTnLst>
+                                </p:cTn>
+                              </p:par>
+                            </p:childTnLst>
+                          </p:cTn>
+                        </p:par>
+                      </p:childTnLst>
+                    </p:cTn>
+                  </p:par>
+                  <p:par>
+                    <p:cTn id="33" fill="hold">
+                      <p:stCondLst>
+                        <p:cond delay="indefinite"/>
+                      </p:stCondLst>
+                      <p:childTnLst>
+                        <p:par>
+                          <p:cTn id="34" fill="hold">
+                            <p:stCondLst>
+                              <p:cond delay="0"/>
+                            </p:stCondLst>
+                            <p:childTnLst>
+                              <p:par>
+                                <p:cTn id="35" presetID="10" presetClass="entr" presetSubtype="0" fill="hold" nodeType="clickEffect">
+                                  <p:stCondLst>
+                                    <p:cond delay="0"/>
+                                  </p:stCondLst>
+                                  <p:childTnLst>
+                                    <p:set>
+                                      <p:cBhvr>
+                                        <p:cTn id="36" dur="1" fill="hold">
+                                          <p:stCondLst>
+                                            <p:cond delay="0"/>
+                                          </p:stCondLst>
+                                        </p:cTn>
+                                        <p:tgtEl>
+                                          <p:spTgt spid="6">
+                                            <p:txEl>
+                                              <p:pRg st="3" end="3"/>
+                                            </p:txEl>
+                                          </p:spTgt>
+                                        </p:tgtEl>
+                                        <p:attrNameLst>
+                                          <p:attrName>style.visibility</p:attrName>
+                                        </p:attrNameLst>
+                                      </p:cBhvr>
+                                      <p:to>
+                                        <p:strVal val="visible"/>
+                                      </p:to>
+                                    </p:set>
+                                    <p:animEffect transition="in" filter="fade">
+                                      <p:cBhvr>
+                                        <p:cTn id="37" dur="500"/>
+                                        <p:tgtEl>
+                                          <p:spTgt spid="6">
+                                            <p:txEl>
+                                              <p:pRg st="3" end="3"/>
+                                            </p:txEl>
+                                          </p:spTgt>
+                                        </p:tgtEl>
+                                      </p:cBhvr>
+                                    </p:animEffect>
+                                  </p:childTnLst>
+                                </p:cTn>
+                              </p:par>
+                            </p:childTnLst>
+                          </p:cTn>
+                        </p:par>
+                      </p:childTnLst>
+                    </p:cTn>
+                  </p:par>
+                  <p:par>
+                    <p:cTn id="38" fill="hold">
+                      <p:stCondLst>
+                        <p:cond delay="indefinite"/>
+                      </p:stCondLst>
+                      <p:childTnLst>
+                        <p:par>
+                          <p:cTn id="39" fill="hold">
+                            <p:stCondLst>
+                              <p:cond delay="0"/>
+                            </p:stCondLst>
+                            <p:childTnLst>
+                              <p:par>
+                                <p:cTn id="40" presetID="10" presetClass="entr" presetSubtype="0" fill="hold" nodeType="clickEffect">
+                                  <p:stCondLst>
+                                    <p:cond delay="0"/>
+                                  </p:stCondLst>
+                                  <p:childTnLst>
+                                    <p:set>
+                                      <p:cBhvr>
+                                        <p:cTn id="41" dur="1" fill="hold">
+                                          <p:stCondLst>
+                                            <p:cond delay="0"/>
+                                          </p:stCondLst>
+                                        </p:cTn>
+                                        <p:tgtEl>
+                                          <p:spTgt spid="8">
+                                            <p:txEl>
+                                              <p:pRg st="3" end="3"/>
+                                            </p:txEl>
+                                          </p:spTgt>
+                                        </p:tgtEl>
+                                        <p:attrNameLst>
+                                          <p:attrName>style.visibility</p:attrName>
+                                        </p:attrNameLst>
+                                      </p:cBhvr>
+                                      <p:to>
+                                        <p:strVal val="visible"/>
+                                      </p:to>
+                                    </p:set>
+                                    <p:animEffect transition="in" filter="fade">
+                                      <p:cBhvr>
+                                        <p:cTn id="42" dur="500"/>
+                                        <p:tgtEl>
+                                          <p:spTgt spid="8">
+                                            <p:txEl>
+                                              <p:pRg st="3" end="3"/>
+                                            </p:txEl>
+                                          </p:spTgt>
+                                        </p:tgtEl>
+                                      </p:cBhvr>
+                                    </p:animEffect>
+                                  </p:childTnLst>
+                                </p:cTn>
+                              </p:par>
+                            </p:childTnLst>
+                          </p:cTn>
+                        </p:par>
+                      </p:childTnLst>
+                    </p:cTn>
+                  </p:par>
+                </p:childTnLst>
+              </p:cTn>
+              <p:prevCondLst>
+                <p:cond evt="onPrev" delay="0">
+                  <p:tgtEl>
+                    <p:sldTgt/>
+                  </p:tgtEl>
+                </p:cond>
+              </p:prevCondLst>
+              <p:nextCondLst>
+                <p:cond evt="onNext" delay="0">
+                  <p:tgtEl>
+                    <p:sldTgt/>
+                  </p:tgtEl>
+                </p:cond>
+              </p:nextCondLst>
+            </p:seq>
+          </p:childTnLst>
+        </p:cTn>
       </p:par>
     </p:tnLst>
   </p:timing>
@@ -29242,9 +32406,390 @@
   <p:timing>
     <p:tnLst>
       <p:par>
-        <p:cTn id="1" dur="indefinite" restart="never" nodeType="tmRoot"/>
+        <p:cTn id="1" dur="indefinite" restart="never" nodeType="tmRoot">
+          <p:childTnLst>
+            <p:seq concurrent="1" nextAc="seek">
+              <p:cTn id="2" dur="indefinite" nodeType="mainSeq">
+                <p:childTnLst>
+                  <p:par>
+                    <p:cTn id="3" fill="hold">
+                      <p:stCondLst>
+                        <p:cond delay="indefinite"/>
+                      </p:stCondLst>
+                      <p:childTnLst>
+                        <p:par>
+                          <p:cTn id="4" fill="hold">
+                            <p:stCondLst>
+                              <p:cond delay="0"/>
+                            </p:stCondLst>
+                            <p:childTnLst>
+                              <p:par>
+                                <p:cTn id="5" presetID="10" presetClass="entr" presetSubtype="0" fill="hold" grpId="0" nodeType="clickEffect">
+                                  <p:stCondLst>
+                                    <p:cond delay="0"/>
+                                  </p:stCondLst>
+                                  <p:childTnLst>
+                                    <p:set>
+                                      <p:cBhvr>
+                                        <p:cTn id="6" dur="1" fill="hold">
+                                          <p:stCondLst>
+                                            <p:cond delay="0"/>
+                                          </p:stCondLst>
+                                        </p:cTn>
+                                        <p:tgtEl>
+                                          <p:spTgt spid="4">
+                                            <p:txEl>
+                                              <p:pRg st="0" end="0"/>
+                                            </p:txEl>
+                                          </p:spTgt>
+                                        </p:tgtEl>
+                                        <p:attrNameLst>
+                                          <p:attrName>style.visibility</p:attrName>
+                                        </p:attrNameLst>
+                                      </p:cBhvr>
+                                      <p:to>
+                                        <p:strVal val="visible"/>
+                                      </p:to>
+                                    </p:set>
+                                    <p:animEffect transition="in" filter="fade">
+                                      <p:cBhvr>
+                                        <p:cTn id="7" dur="500"/>
+                                        <p:tgtEl>
+                                          <p:spTgt spid="4">
+                                            <p:txEl>
+                                              <p:pRg st="0" end="0"/>
+                                            </p:txEl>
+                                          </p:spTgt>
+                                        </p:tgtEl>
+                                      </p:cBhvr>
+                                    </p:animEffect>
+                                  </p:childTnLst>
+                                </p:cTn>
+                              </p:par>
+                              <p:par>
+                                <p:cTn id="8" presetID="10" presetClass="entr" presetSubtype="0" fill="hold" grpId="0" nodeType="withEffect">
+                                  <p:stCondLst>
+                                    <p:cond delay="0"/>
+                                  </p:stCondLst>
+                                  <p:childTnLst>
+                                    <p:set>
+                                      <p:cBhvr>
+                                        <p:cTn id="9" dur="1" fill="hold">
+                                          <p:stCondLst>
+                                            <p:cond delay="0"/>
+                                          </p:stCondLst>
+                                        </p:cTn>
+                                        <p:tgtEl>
+                                          <p:spTgt spid="4">
+                                            <p:txEl>
+                                              <p:pRg st="1" end="1"/>
+                                            </p:txEl>
+                                          </p:spTgt>
+                                        </p:tgtEl>
+                                        <p:attrNameLst>
+                                          <p:attrName>style.visibility</p:attrName>
+                                        </p:attrNameLst>
+                                      </p:cBhvr>
+                                      <p:to>
+                                        <p:strVal val="visible"/>
+                                      </p:to>
+                                    </p:set>
+                                    <p:animEffect transition="in" filter="fade">
+                                      <p:cBhvr>
+                                        <p:cTn id="10" dur="500"/>
+                                        <p:tgtEl>
+                                          <p:spTgt spid="4">
+                                            <p:txEl>
+                                              <p:pRg st="1" end="1"/>
+                                            </p:txEl>
+                                          </p:spTgt>
+                                        </p:tgtEl>
+                                      </p:cBhvr>
+                                    </p:animEffect>
+                                  </p:childTnLst>
+                                </p:cTn>
+                              </p:par>
+                              <p:par>
+                                <p:cTn id="11" presetID="10" presetClass="entr" presetSubtype="0" fill="hold" grpId="0" nodeType="withEffect">
+                                  <p:stCondLst>
+                                    <p:cond delay="0"/>
+                                  </p:stCondLst>
+                                  <p:childTnLst>
+                                    <p:set>
+                                      <p:cBhvr>
+                                        <p:cTn id="12" dur="1" fill="hold">
+                                          <p:stCondLst>
+                                            <p:cond delay="0"/>
+                                          </p:stCondLst>
+                                        </p:cTn>
+                                        <p:tgtEl>
+                                          <p:spTgt spid="4">
+                                            <p:txEl>
+                                              <p:pRg st="2" end="2"/>
+                                            </p:txEl>
+                                          </p:spTgt>
+                                        </p:tgtEl>
+                                        <p:attrNameLst>
+                                          <p:attrName>style.visibility</p:attrName>
+                                        </p:attrNameLst>
+                                      </p:cBhvr>
+                                      <p:to>
+                                        <p:strVal val="visible"/>
+                                      </p:to>
+                                    </p:set>
+                                    <p:animEffect transition="in" filter="fade">
+                                      <p:cBhvr>
+                                        <p:cTn id="13" dur="500"/>
+                                        <p:tgtEl>
+                                          <p:spTgt spid="4">
+                                            <p:txEl>
+                                              <p:pRg st="2" end="2"/>
+                                            </p:txEl>
+                                          </p:spTgt>
+                                        </p:tgtEl>
+                                      </p:cBhvr>
+                                    </p:animEffect>
+                                  </p:childTnLst>
+                                </p:cTn>
+                              </p:par>
+                              <p:par>
+                                <p:cTn id="14" presetID="10" presetClass="entr" presetSubtype="0" fill="hold" grpId="0" nodeType="withEffect">
+                                  <p:stCondLst>
+                                    <p:cond delay="0"/>
+                                  </p:stCondLst>
+                                  <p:childTnLst>
+                                    <p:set>
+                                      <p:cBhvr>
+                                        <p:cTn id="15" dur="1" fill="hold">
+                                          <p:stCondLst>
+                                            <p:cond delay="0"/>
+                                          </p:stCondLst>
+                                        </p:cTn>
+                                        <p:tgtEl>
+                                          <p:spTgt spid="4">
+                                            <p:txEl>
+                                              <p:pRg st="3" end="3"/>
+                                            </p:txEl>
+                                          </p:spTgt>
+                                        </p:tgtEl>
+                                        <p:attrNameLst>
+                                          <p:attrName>style.visibility</p:attrName>
+                                        </p:attrNameLst>
+                                      </p:cBhvr>
+                                      <p:to>
+                                        <p:strVal val="visible"/>
+                                      </p:to>
+                                    </p:set>
+                                    <p:animEffect transition="in" filter="fade">
+                                      <p:cBhvr>
+                                        <p:cTn id="16" dur="500"/>
+                                        <p:tgtEl>
+                                          <p:spTgt spid="4">
+                                            <p:txEl>
+                                              <p:pRg st="3" end="3"/>
+                                            </p:txEl>
+                                          </p:spTgt>
+                                        </p:tgtEl>
+                                      </p:cBhvr>
+                                    </p:animEffect>
+                                  </p:childTnLst>
+                                </p:cTn>
+                              </p:par>
+                              <p:par>
+                                <p:cTn id="17" presetID="10" presetClass="entr" presetSubtype="0" fill="hold" grpId="0" nodeType="withEffect">
+                                  <p:stCondLst>
+                                    <p:cond delay="0"/>
+                                  </p:stCondLst>
+                                  <p:childTnLst>
+                                    <p:set>
+                                      <p:cBhvr>
+                                        <p:cTn id="18" dur="1" fill="hold">
+                                          <p:stCondLst>
+                                            <p:cond delay="0"/>
+                                          </p:stCondLst>
+                                        </p:cTn>
+                                        <p:tgtEl>
+                                          <p:spTgt spid="4">
+                                            <p:txEl>
+                                              <p:pRg st="4" end="4"/>
+                                            </p:txEl>
+                                          </p:spTgt>
+                                        </p:tgtEl>
+                                        <p:attrNameLst>
+                                          <p:attrName>style.visibility</p:attrName>
+                                        </p:attrNameLst>
+                                      </p:cBhvr>
+                                      <p:to>
+                                        <p:strVal val="visible"/>
+                                      </p:to>
+                                    </p:set>
+                                    <p:animEffect transition="in" filter="fade">
+                                      <p:cBhvr>
+                                        <p:cTn id="19" dur="500"/>
+                                        <p:tgtEl>
+                                          <p:spTgt spid="4">
+                                            <p:txEl>
+                                              <p:pRg st="4" end="4"/>
+                                            </p:txEl>
+                                          </p:spTgt>
+                                        </p:tgtEl>
+                                      </p:cBhvr>
+                                    </p:animEffect>
+                                  </p:childTnLst>
+                                </p:cTn>
+                              </p:par>
+                            </p:childTnLst>
+                          </p:cTn>
+                        </p:par>
+                      </p:childTnLst>
+                    </p:cTn>
+                  </p:par>
+                  <p:par>
+                    <p:cTn id="20" fill="hold">
+                      <p:stCondLst>
+                        <p:cond delay="indefinite"/>
+                      </p:stCondLst>
+                      <p:childTnLst>
+                        <p:par>
+                          <p:cTn id="21" fill="hold">
+                            <p:stCondLst>
+                              <p:cond delay="0"/>
+                            </p:stCondLst>
+                            <p:childTnLst>
+                              <p:par>
+                                <p:cTn id="22" presetID="10" presetClass="entr" presetSubtype="0" fill="hold" grpId="0" nodeType="clickEffect">
+                                  <p:stCondLst>
+                                    <p:cond delay="0"/>
+                                  </p:stCondLst>
+                                  <p:childTnLst>
+                                    <p:set>
+                                      <p:cBhvr>
+                                        <p:cTn id="23" dur="1" fill="hold">
+                                          <p:stCondLst>
+                                            <p:cond delay="0"/>
+                                          </p:stCondLst>
+                                        </p:cTn>
+                                        <p:tgtEl>
+                                          <p:spTgt spid="4">
+                                            <p:txEl>
+                                              <p:pRg st="5" end="5"/>
+                                            </p:txEl>
+                                          </p:spTgt>
+                                        </p:tgtEl>
+                                        <p:attrNameLst>
+                                          <p:attrName>style.visibility</p:attrName>
+                                        </p:attrNameLst>
+                                      </p:cBhvr>
+                                      <p:to>
+                                        <p:strVal val="visible"/>
+                                      </p:to>
+                                    </p:set>
+                                    <p:animEffect transition="in" filter="fade">
+                                      <p:cBhvr>
+                                        <p:cTn id="24" dur="500"/>
+                                        <p:tgtEl>
+                                          <p:spTgt spid="4">
+                                            <p:txEl>
+                                              <p:pRg st="5" end="5"/>
+                                            </p:txEl>
+                                          </p:spTgt>
+                                        </p:tgtEl>
+                                      </p:cBhvr>
+                                    </p:animEffect>
+                                  </p:childTnLst>
+                                </p:cTn>
+                              </p:par>
+                            </p:childTnLst>
+                          </p:cTn>
+                        </p:par>
+                      </p:childTnLst>
+                    </p:cTn>
+                  </p:par>
+                  <p:par>
+                    <p:cTn id="25" fill="hold">
+                      <p:stCondLst>
+                        <p:cond delay="indefinite"/>
+                      </p:stCondLst>
+                      <p:childTnLst>
+                        <p:par>
+                          <p:cTn id="26" fill="hold">
+                            <p:stCondLst>
+                              <p:cond delay="0"/>
+                            </p:stCondLst>
+                            <p:childTnLst>
+                              <p:par>
+                                <p:cTn id="27" presetID="10" presetClass="entr" presetSubtype="0" fill="hold" grpId="0" nodeType="clickEffect">
+                                  <p:stCondLst>
+                                    <p:cond delay="0"/>
+                                  </p:stCondLst>
+                                  <p:childTnLst>
+                                    <p:set>
+                                      <p:cBhvr>
+                                        <p:cTn id="28" dur="1" fill="hold">
+                                          <p:stCondLst>
+                                            <p:cond delay="0"/>
+                                          </p:stCondLst>
+                                        </p:cTn>
+                                        <p:tgtEl>
+                                          <p:spTgt spid="4">
+                                            <p:txEl>
+                                              <p:pRg st="6" end="6"/>
+                                            </p:txEl>
+                                          </p:spTgt>
+                                        </p:tgtEl>
+                                        <p:attrNameLst>
+                                          <p:attrName>style.visibility</p:attrName>
+                                        </p:attrNameLst>
+                                      </p:cBhvr>
+                                      <p:to>
+                                        <p:strVal val="visible"/>
+                                      </p:to>
+                                    </p:set>
+                                    <p:animEffect transition="in" filter="fade">
+                                      <p:cBhvr>
+                                        <p:cTn id="29" dur="500"/>
+                                        <p:tgtEl>
+                                          <p:spTgt spid="4">
+                                            <p:txEl>
+                                              <p:pRg st="6" end="6"/>
+                                            </p:txEl>
+                                          </p:spTgt>
+                                        </p:tgtEl>
+                                      </p:cBhvr>
+                                    </p:animEffect>
+                                  </p:childTnLst>
+                                </p:cTn>
+                              </p:par>
+                            </p:childTnLst>
+                          </p:cTn>
+                        </p:par>
+                      </p:childTnLst>
+                    </p:cTn>
+                  </p:par>
+                </p:childTnLst>
+              </p:cTn>
+              <p:prevCondLst>
+                <p:cond evt="onPrev" delay="0">
+                  <p:tgtEl>
+                    <p:sldTgt/>
+                  </p:tgtEl>
+                </p:cond>
+              </p:prevCondLst>
+              <p:nextCondLst>
+                <p:cond evt="onNext" delay="0">
+                  <p:tgtEl>
+                    <p:sldTgt/>
+                  </p:tgtEl>
+                </p:cond>
+              </p:nextCondLst>
+            </p:seq>
+          </p:childTnLst>
+        </p:cTn>
       </p:par>
     </p:tnLst>
+    <p:bldLst>
+      <p:bldP spid="4" grpId="0" build="p"/>
+    </p:bldLst>
   </p:timing>
 </p:sld>
 </file>

--- a/lectures/08.template-method/template-method.pptx
+++ b/lectures/08.template-method/template-method.pptx
@@ -5,7 +5,7 @@
     <p:sldMasterId id="2147483672" r:id="rId1"/>
   </p:sldMasterIdLst>
   <p:notesMasterIdLst>
-    <p:notesMasterId r:id="rId33"/>
+    <p:notesMasterId r:id="rId35"/>
   </p:notesMasterIdLst>
   <p:sldIdLst>
     <p:sldId id="256" r:id="rId2"/>
@@ -34,16 +34,18 @@
     <p:sldId id="280" r:id="rId25"/>
     <p:sldId id="281" r:id="rId26"/>
     <p:sldId id="282" r:id="rId27"/>
-    <p:sldId id="283" r:id="rId28"/>
-    <p:sldId id="284" r:id="rId29"/>
-    <p:sldId id="285" r:id="rId30"/>
-    <p:sldId id="286" r:id="rId31"/>
-    <p:sldId id="287" r:id="rId32"/>
+    <p:sldId id="288" r:id="rId28"/>
+    <p:sldId id="289" r:id="rId29"/>
+    <p:sldId id="283" r:id="rId30"/>
+    <p:sldId id="284" r:id="rId31"/>
+    <p:sldId id="285" r:id="rId32"/>
+    <p:sldId id="286" r:id="rId33"/>
+    <p:sldId id="287" r:id="rId34"/>
   </p:sldIdLst>
   <p:sldSz cx="9144000" cy="6858000" type="screen4x3"/>
   <p:notesSz cx="6858000" cy="9144000"/>
   <p:custDataLst>
-    <p:tags r:id="rId34"/>
+    <p:tags r:id="rId36"/>
   </p:custDataLst>
   <p:defaultTextStyle>
     <a:defPPr>
@@ -241,7 +243,7 @@
           <a:p>
             <a:fld id="{2F3DCB6D-0B48-4A3D-B663-06C3F903A9D3}" type="datetimeFigureOut">
               <a:rPr lang="ru-RU" smtClean="0"/>
-              <a:t>08.10.2020</a:t>
+              <a:t>20.10.2023</a:t>
             </a:fld>
             <a:endParaRPr lang="ru-RU"/>
           </a:p>
@@ -1245,7 +1247,7 @@
           <a:p>
             <a:fld id="{C72A1285-F988-4153-B7C5-B887A867730D}" type="slidenum">
               <a:rPr lang="ru-RU" smtClean="0"/>
-              <a:t>30</a:t>
+              <a:t>32</a:t>
             </a:fld>
             <a:endParaRPr lang="ru-RU"/>
           </a:p>
@@ -1510,7 +1512,7 @@
           <a:p>
             <a:fld id="{2590F9C9-AB92-4E86-B698-DEC9BF4350FF}" type="datetimeFigureOut">
               <a:rPr lang="ru-RU" smtClean="0"/>
-              <a:t>08.10.2020</a:t>
+              <a:t>20.10.2023</a:t>
             </a:fld>
             <a:endParaRPr lang="ru-RU"/>
           </a:p>
@@ -1615,13 +1617,6 @@
   <p:clrMapOvr>
     <a:overrideClrMapping bg1="dk1" tx1="lt1" bg2="dk2" tx2="lt2" accent1="accent1" accent2="accent2" accent3="accent3" accent4="accent4" accent5="accent5" accent6="accent6" hlink="hlink" folHlink="folHlink"/>
   </p:clrMapOvr>
-  <p:timing>
-    <p:tnLst>
-      <p:par>
-        <p:cTn id="1" dur="indefinite" restart="never" nodeType="tmRoot"/>
-      </p:par>
-    </p:tnLst>
-  </p:timing>
 </p:sldLayout>
 </file>
 
@@ -1734,7 +1729,7 @@
           <a:p>
             <a:fld id="{2590F9C9-AB92-4E86-B698-DEC9BF4350FF}" type="datetimeFigureOut">
               <a:rPr lang="ru-RU" smtClean="0"/>
-              <a:t>08.10.2020</a:t>
+              <a:t>20.10.2023</a:t>
             </a:fld>
             <a:endParaRPr lang="ru-RU"/>
           </a:p>
@@ -2006,7 +2001,7 @@
           <a:p>
             <a:fld id="{2590F9C9-AB92-4E86-B698-DEC9BF4350FF}" type="datetimeFigureOut">
               <a:rPr lang="ru-RU" smtClean="0"/>
-              <a:t>08.10.2020</a:t>
+              <a:t>20.10.2023</a:t>
             </a:fld>
             <a:endParaRPr lang="ru-RU"/>
           </a:p>
@@ -2181,7 +2176,7 @@
           <a:p>
             <a:fld id="{2590F9C9-AB92-4E86-B698-DEC9BF4350FF}" type="datetimeFigureOut">
               <a:rPr lang="ru-RU" smtClean="0"/>
-              <a:t>08.10.2020</a:t>
+              <a:t>20.10.2023</a:t>
             </a:fld>
             <a:endParaRPr lang="ru-RU"/>
           </a:p>
@@ -2234,13 +2229,6 @@
   <p:clrMapOvr>
     <a:masterClrMapping/>
   </p:clrMapOvr>
-  <p:timing>
-    <p:tnLst>
-      <p:par>
-        <p:cTn id="1" dur="indefinite" restart="never" nodeType="tmRoot"/>
-      </p:par>
-    </p:tnLst>
-  </p:timing>
 </p:sldLayout>
 </file>
 
@@ -2542,7 +2530,7 @@
           <a:p>
             <a:fld id="{2590F9C9-AB92-4E86-B698-DEC9BF4350FF}" type="datetimeFigureOut">
               <a:rPr lang="ru-RU" smtClean="0"/>
-              <a:t>08.10.2020</a:t>
+              <a:t>20.10.2023</a:t>
             </a:fld>
             <a:endParaRPr lang="ru-RU"/>
           </a:p>
@@ -2827,7 +2815,7 @@
           <a:p>
             <a:fld id="{2590F9C9-AB92-4E86-B698-DEC9BF4350FF}" type="datetimeFigureOut">
               <a:rPr lang="ru-RU" smtClean="0"/>
-              <a:t>08.10.2020</a:t>
+              <a:t>20.10.2023</a:t>
             </a:fld>
             <a:endParaRPr lang="ru-RU"/>
           </a:p>
@@ -3249,7 +3237,7 @@
           <a:p>
             <a:fld id="{2590F9C9-AB92-4E86-B698-DEC9BF4350FF}" type="datetimeFigureOut">
               <a:rPr lang="ru-RU" smtClean="0"/>
-              <a:t>08.10.2020</a:t>
+              <a:t>20.10.2023</a:t>
             </a:fld>
             <a:endParaRPr lang="ru-RU"/>
           </a:p>
@@ -3302,13 +3290,6 @@
   <p:clrMapOvr>
     <a:masterClrMapping/>
   </p:clrMapOvr>
-  <p:timing>
-    <p:tnLst>
-      <p:par>
-        <p:cTn id="1" dur="indefinite" restart="never" nodeType="tmRoot"/>
-      </p:par>
-    </p:tnLst>
-  </p:timing>
 </p:sldLayout>
 </file>
 
@@ -3369,7 +3350,7 @@
           <a:p>
             <a:fld id="{2590F9C9-AB92-4E86-B698-DEC9BF4350FF}" type="datetimeFigureOut">
               <a:rPr lang="ru-RU" smtClean="0"/>
-              <a:t>08.10.2020</a:t>
+              <a:t>20.10.2023</a:t>
             </a:fld>
             <a:endParaRPr lang="ru-RU"/>
           </a:p>
@@ -3422,13 +3403,6 @@
   <p:clrMapOvr>
     <a:masterClrMapping/>
   </p:clrMapOvr>
-  <p:timing>
-    <p:tnLst>
-      <p:par>
-        <p:cTn id="1" dur="indefinite" restart="never" nodeType="tmRoot"/>
-      </p:par>
-    </p:tnLst>
-  </p:timing>
 </p:sldLayout>
 </file>
 
@@ -3466,7 +3440,7 @@
           <a:p>
             <a:fld id="{2590F9C9-AB92-4E86-B698-DEC9BF4350FF}" type="datetimeFigureOut">
               <a:rPr lang="ru-RU" smtClean="0"/>
-              <a:t>08.10.2020</a:t>
+              <a:t>20.10.2023</a:t>
             </a:fld>
             <a:endParaRPr lang="ru-RU"/>
           </a:p>
@@ -3519,13 +3493,6 @@
   <p:clrMapOvr>
     <a:masterClrMapping/>
   </p:clrMapOvr>
-  <p:timing>
-    <p:tnLst>
-      <p:par>
-        <p:cTn id="1" dur="indefinite" restart="never" nodeType="tmRoot"/>
-      </p:par>
-    </p:tnLst>
-  </p:timing>
 </p:sldLayout>
 </file>
 
@@ -3751,7 +3718,7 @@
           <a:p>
             <a:fld id="{2590F9C9-AB92-4E86-B698-DEC9BF4350FF}" type="datetimeFigureOut">
               <a:rPr lang="ru-RU" smtClean="0"/>
-              <a:t>08.10.2020</a:t>
+              <a:t>20.10.2023</a:t>
             </a:fld>
             <a:endParaRPr lang="ru-RU"/>
           </a:p>
@@ -4113,7 +4080,7 @@
           <a:p>
             <a:fld id="{2590F9C9-AB92-4E86-B698-DEC9BF4350FF}" type="datetimeFigureOut">
               <a:rPr lang="ru-RU" smtClean="0"/>
-              <a:t>08.10.2020</a:t>
+              <a:t>20.10.2023</a:t>
             </a:fld>
             <a:endParaRPr lang="ru-RU"/>
           </a:p>
@@ -4538,7 +4505,7 @@
           <a:p>
             <a:fld id="{2590F9C9-AB92-4E86-B698-DEC9BF4350FF}" type="datetimeFigureOut">
               <a:rPr lang="ru-RU" smtClean="0"/>
-              <a:t>08.10.2020</a:t>
+              <a:t>20.10.2023</a:t>
             </a:fld>
             <a:endParaRPr lang="ru-RU"/>
           </a:p>
@@ -4640,13 +4607,6 @@
     <p:sldLayoutId id="2147483682" r:id="rId10"/>
     <p:sldLayoutId id="2147483683" r:id="rId11"/>
   </p:sldLayoutIdLst>
-  <p:timing>
-    <p:tnLst>
-      <p:par>
-        <p:cTn id="1" dur="indefinite" restart="never" nodeType="tmRoot"/>
-      </p:par>
-    </p:tnLst>
-  </p:timing>
   <p:txStyles>
     <p:titleStyle>
       <a:lvl1pPr algn="l" rtl="0" eaLnBrk="1" latinLnBrk="0" hangingPunct="1">
@@ -5010,13 +4970,6 @@
   <p:clrMapOvr>
     <a:masterClrMapping/>
   </p:clrMapOvr>
-  <p:timing>
-    <p:tnLst>
-      <p:par>
-        <p:cTn id="1" dur="indefinite" restart="never" nodeType="tmRoot"/>
-      </p:par>
-    </p:tnLst>
-  </p:timing>
 </p:sld>
 </file>
 
@@ -8681,13 +8634,6 @@
   <p:clrMapOvr>
     <a:masterClrMapping/>
   </p:clrMapOvr>
-  <p:timing>
-    <p:tnLst>
-      <p:par>
-        <p:cTn id="1" dur="indefinite" restart="never" nodeType="tmRoot"/>
-      </p:par>
-    </p:tnLst>
-  </p:timing>
 </p:sld>
 </file>
 
@@ -8762,23 +8708,7 @@
           <a:p>
             <a:r>
               <a:rPr lang="ru-RU" dirty="0"/>
-              <a:t>Обобщили рецепт и </a:t>
-            </a:r>
-            <a:r>
-              <a:rPr lang="ru-RU" dirty="0" smtClean="0"/>
-              <a:t>вынес</a:t>
-            </a:r>
-            <a:r>
-              <a:rPr lang="ru-RU" dirty="0"/>
-              <a:t>л</a:t>
-            </a:r>
-            <a:r>
-              <a:rPr lang="ru-RU" dirty="0" smtClean="0"/>
-              <a:t>и </a:t>
-            </a:r>
-            <a:r>
-              <a:rPr lang="ru-RU" dirty="0"/>
-              <a:t>в базовый класс </a:t>
+              <a:t>Обобщили рецепт и вынесли в базовый класс </a:t>
             </a:r>
             <a:r>
               <a:rPr lang="en-US" dirty="0" err="1"/>
@@ -14380,13 +14310,6 @@
   <p:clrMapOvr>
     <a:masterClrMapping/>
   </p:clrMapOvr>
-  <p:timing>
-    <p:tnLst>
-      <p:par>
-        <p:cTn id="1" dur="indefinite" restart="never" nodeType="tmRoot"/>
-      </p:par>
-    </p:tnLst>
-  </p:timing>
 </p:sld>
 </file>
 
@@ -16626,13 +16549,6 @@
   <p:clrMapOvr>
     <a:masterClrMapping/>
   </p:clrMapOvr>
-  <p:timing>
-    <p:tnLst>
-      <p:par>
-        <p:cTn id="1" dur="indefinite" restart="never" nodeType="tmRoot"/>
-      </p:par>
-    </p:tnLst>
-  </p:timing>
 </p:sld>
 </file>
 
@@ -22164,6 +22080,214 @@
       </p:grpSpPr>
       <p:sp>
         <p:nvSpPr>
+          <p:cNvPr id="2" name="Title 1">
+            <a:extLst>
+              <a:ext uri="{FF2B5EF4-FFF2-40B4-BE49-F238E27FC236}">
+                <a16:creationId xmlns:a16="http://schemas.microsoft.com/office/drawing/2014/main" id="{643054F0-B4E7-4378-BE26-4806731B1441}"/>
+              </a:ext>
+            </a:extLst>
+          </p:cNvPr>
+          <p:cNvSpPr>
+            <a:spLocks noGrp="1"/>
+          </p:cNvSpPr>
+          <p:nvPr>
+            <p:ph type="title"/>
+          </p:nvPr>
+        </p:nvSpPr>
+        <p:spPr/>
+        <p:txBody>
+          <a:bodyPr>
+            <a:normAutofit fontScale="90000"/>
+          </a:bodyPr>
+          <a:lstStyle/>
+          <a:p>
+            <a:r>
+              <a:rPr lang="en-US" dirty="0"/>
+              <a:t>Template method</a:t>
+            </a:r>
+            <a:r>
+              <a:rPr lang="ru-RU" dirty="0"/>
+              <a:t> в </a:t>
+            </a:r>
+            <a:r>
+              <a:rPr lang="en-US" dirty="0"/>
+              <a:t>UI-</a:t>
+            </a:r>
+            <a:r>
+              <a:rPr lang="ru-RU" dirty="0"/>
+              <a:t>фреймворке</a:t>
+            </a:r>
+          </a:p>
+        </p:txBody>
+      </p:sp>
+      <p:pic>
+        <p:nvPicPr>
+          <p:cNvPr id="4" name="Picture 3">
+            <a:extLst>
+              <a:ext uri="{FF2B5EF4-FFF2-40B4-BE49-F238E27FC236}">
+                <a16:creationId xmlns:a16="http://schemas.microsoft.com/office/drawing/2014/main" id="{C9255346-2377-4F59-A104-805B798F83C4}"/>
+              </a:ext>
+            </a:extLst>
+          </p:cNvPr>
+          <p:cNvPicPr>
+            <a:picLocks noChangeAspect="1"/>
+          </p:cNvPicPr>
+          <p:nvPr/>
+        </p:nvPicPr>
+        <p:blipFill>
+          <a:blip r:embed="rId2">
+            <a:extLst>
+              <a:ext uri="{28A0092B-C50C-407E-A947-70E740481C1C}">
+                <a14:useLocalDpi xmlns:a14="http://schemas.microsoft.com/office/drawing/2010/main" val="0"/>
+              </a:ext>
+            </a:extLst>
+          </a:blip>
+          <a:stretch>
+            <a:fillRect/>
+          </a:stretch>
+        </p:blipFill>
+        <p:spPr>
+          <a:xfrm>
+            <a:off x="737828" y="1628800"/>
+            <a:ext cx="7668344" cy="5007233"/>
+          </a:xfrm>
+          <a:prstGeom prst="rect">
+            <a:avLst/>
+          </a:prstGeom>
+        </p:spPr>
+      </p:pic>
+    </p:spTree>
+    <p:extLst>
+      <p:ext uri="{BB962C8B-B14F-4D97-AF65-F5344CB8AC3E}">
+        <p14:creationId xmlns:p14="http://schemas.microsoft.com/office/powerpoint/2010/main" val="4213305328"/>
+      </p:ext>
+    </p:extLst>
+  </p:cSld>
+  <p:clrMapOvr>
+    <a:masterClrMapping/>
+  </p:clrMapOvr>
+</p:sld>
+</file>
+
+<file path=ppt/slides/slide28.xml><?xml version="1.0" encoding="utf-8"?>
+<p:sld xmlns:a="http://schemas.openxmlformats.org/drawingml/2006/main" xmlns:r="http://schemas.openxmlformats.org/officeDocument/2006/relationships" xmlns:p="http://schemas.openxmlformats.org/presentationml/2006/main">
+  <p:cSld>
+    <p:spTree>
+      <p:nvGrpSpPr>
+        <p:cNvPr id="1" name=""/>
+        <p:cNvGrpSpPr/>
+        <p:nvPr/>
+      </p:nvGrpSpPr>
+      <p:grpSpPr>
+        <a:xfrm>
+          <a:off x="0" y="0"/>
+          <a:ext cx="0" cy="0"/>
+          <a:chOff x="0" y="0"/>
+          <a:chExt cx="0" cy="0"/>
+        </a:xfrm>
+      </p:grpSpPr>
+      <p:sp>
+        <p:nvSpPr>
+          <p:cNvPr id="2" name="Title 1">
+            <a:extLst>
+              <a:ext uri="{FF2B5EF4-FFF2-40B4-BE49-F238E27FC236}">
+                <a16:creationId xmlns:a16="http://schemas.microsoft.com/office/drawing/2014/main" id="{F73FFE5A-B9B9-459F-9665-C72EE98BD5B7}"/>
+              </a:ext>
+            </a:extLst>
+          </p:cNvPr>
+          <p:cNvSpPr>
+            <a:spLocks noGrp="1"/>
+          </p:cNvSpPr>
+          <p:nvPr>
+            <p:ph type="title"/>
+          </p:nvPr>
+        </p:nvSpPr>
+        <p:spPr/>
+        <p:txBody>
+          <a:bodyPr>
+            <a:normAutofit fontScale="90000"/>
+          </a:bodyPr>
+          <a:lstStyle/>
+          <a:p>
+            <a:r>
+              <a:rPr lang="en-US" dirty="0"/>
+              <a:t>Template Method </a:t>
+            </a:r>
+            <a:r>
+              <a:rPr lang="ru-RU" dirty="0"/>
+              <a:t>в веб-фреймворке</a:t>
+            </a:r>
+          </a:p>
+        </p:txBody>
+      </p:sp>
+      <p:pic>
+        <p:nvPicPr>
+          <p:cNvPr id="4" name="Picture 3">
+            <a:extLst>
+              <a:ext uri="{FF2B5EF4-FFF2-40B4-BE49-F238E27FC236}">
+                <a16:creationId xmlns:a16="http://schemas.microsoft.com/office/drawing/2014/main" id="{F2887944-A26B-4D07-A500-6D458C283C2C}"/>
+              </a:ext>
+            </a:extLst>
+          </p:cNvPr>
+          <p:cNvPicPr>
+            <a:picLocks noChangeAspect="1"/>
+          </p:cNvPicPr>
+          <p:nvPr/>
+        </p:nvPicPr>
+        <p:blipFill>
+          <a:blip r:embed="rId2">
+            <a:extLst>
+              <a:ext uri="{28A0092B-C50C-407E-A947-70E740481C1C}">
+                <a14:useLocalDpi xmlns:a14="http://schemas.microsoft.com/office/drawing/2010/main" val="0"/>
+              </a:ext>
+            </a:extLst>
+          </a:blip>
+          <a:stretch>
+            <a:fillRect/>
+          </a:stretch>
+        </p:blipFill>
+        <p:spPr>
+          <a:xfrm>
+            <a:off x="179512" y="2302550"/>
+            <a:ext cx="8712968" cy="3940021"/>
+          </a:xfrm>
+          <a:prstGeom prst="rect">
+            <a:avLst/>
+          </a:prstGeom>
+        </p:spPr>
+      </p:pic>
+    </p:spTree>
+    <p:extLst>
+      <p:ext uri="{BB962C8B-B14F-4D97-AF65-F5344CB8AC3E}">
+        <p14:creationId xmlns:p14="http://schemas.microsoft.com/office/powerpoint/2010/main" val="1600872424"/>
+      </p:ext>
+    </p:extLst>
+  </p:cSld>
+  <p:clrMapOvr>
+    <a:masterClrMapping/>
+  </p:clrMapOvr>
+</p:sld>
+</file>
+
+<file path=ppt/slides/slide29.xml><?xml version="1.0" encoding="utf-8"?>
+<p:sld xmlns:a="http://schemas.openxmlformats.org/drawingml/2006/main" xmlns:r="http://schemas.openxmlformats.org/officeDocument/2006/relationships" xmlns:p="http://schemas.openxmlformats.org/presentationml/2006/main">
+  <p:cSld>
+    <p:spTree>
+      <p:nvGrpSpPr>
+        <p:cNvPr id="1" name=""/>
+        <p:cNvGrpSpPr/>
+        <p:nvPr/>
+      </p:nvGrpSpPr>
+      <p:grpSpPr>
+        <a:xfrm>
+          <a:off x="0" y="0"/>
+          <a:ext cx="0" cy="0"/>
+          <a:chOff x="0" y="0"/>
+          <a:chExt cx="0" cy="0"/>
+        </a:xfrm>
+      </p:grpSpPr>
+      <p:sp>
+        <p:nvSpPr>
           <p:cNvPr id="3" name="Заголовок 2"/>
           <p:cNvSpPr>
             <a:spLocks noGrp="1"/>
@@ -22547,557 +22671,6 @@
     <p:bldLst>
       <p:bldP spid="4" grpId="0" build="p"/>
     </p:bldLst>
-  </p:timing>
-</p:sld>
-</file>
-
-<file path=ppt/slides/slide28.xml><?xml version="1.0" encoding="utf-8"?>
-<p:sld xmlns:a="http://schemas.openxmlformats.org/drawingml/2006/main" xmlns:r="http://schemas.openxmlformats.org/officeDocument/2006/relationships" xmlns:p="http://schemas.openxmlformats.org/presentationml/2006/main">
-  <p:cSld>
-    <p:spTree>
-      <p:nvGrpSpPr>
-        <p:cNvPr id="1" name=""/>
-        <p:cNvGrpSpPr/>
-        <p:nvPr/>
-      </p:nvGrpSpPr>
-      <p:grpSpPr>
-        <a:xfrm>
-          <a:off x="0" y="0"/>
-          <a:ext cx="0" cy="0"/>
-          <a:chOff x="0" y="0"/>
-          <a:chExt cx="0" cy="0"/>
-        </a:xfrm>
-      </p:grpSpPr>
-      <p:sp>
-        <p:nvSpPr>
-          <p:cNvPr id="4" name="Заголовок 3"/>
-          <p:cNvSpPr>
-            <a:spLocks noGrp="1"/>
-          </p:cNvSpPr>
-          <p:nvPr>
-            <p:ph type="title"/>
-          </p:nvPr>
-        </p:nvSpPr>
-        <p:spPr/>
-        <p:txBody>
-          <a:bodyPr>
-            <a:normAutofit fontScale="90000"/>
-          </a:bodyPr>
-          <a:lstStyle/>
-          <a:p>
-            <a:r>
-              <a:rPr lang="ru-RU" dirty="0"/>
-              <a:t>Соединить паттерн с его описанием</a:t>
-            </a:r>
-          </a:p>
-        </p:txBody>
-      </p:sp>
-      <p:sp>
-        <p:nvSpPr>
-          <p:cNvPr id="5" name="Текст 4"/>
-          <p:cNvSpPr>
-            <a:spLocks noGrp="1"/>
-          </p:cNvSpPr>
-          <p:nvPr>
-            <p:ph type="body" idx="1"/>
-          </p:nvPr>
-        </p:nvSpPr>
-        <p:spPr/>
-        <p:txBody>
-          <a:bodyPr/>
-          <a:lstStyle/>
-          <a:p>
-            <a:r>
-              <a:rPr lang="ru-RU" dirty="0"/>
-              <a:t>Паттерн</a:t>
-            </a:r>
-          </a:p>
-        </p:txBody>
-      </p:sp>
-      <p:sp>
-        <p:nvSpPr>
-          <p:cNvPr id="6" name="Объект 5"/>
-          <p:cNvSpPr>
-            <a:spLocks noGrp="1"/>
-          </p:cNvSpPr>
-          <p:nvPr>
-            <p:ph sz="half" idx="2"/>
-          </p:nvPr>
-        </p:nvSpPr>
-        <p:spPr/>
-        <p:txBody>
-          <a:bodyPr/>
-          <a:lstStyle/>
-          <a:p>
-            <a:r>
-              <a:rPr lang="ru-RU" dirty="0"/>
-              <a:t>Шаблонный метод</a:t>
-            </a:r>
-          </a:p>
-          <a:p>
-            <a:endParaRPr lang="ru-RU" dirty="0"/>
-          </a:p>
-          <a:p>
-            <a:endParaRPr lang="ru-RU" dirty="0"/>
-          </a:p>
-          <a:p>
-            <a:endParaRPr lang="ru-RU" dirty="0"/>
-          </a:p>
-          <a:p>
-            <a:r>
-              <a:rPr lang="ru-RU" dirty="0"/>
-              <a:t>Стратегия</a:t>
-            </a:r>
-          </a:p>
-          <a:p>
-            <a:endParaRPr lang="ru-RU" dirty="0"/>
-          </a:p>
-          <a:p>
-            <a:endParaRPr lang="ru-RU" dirty="0"/>
-          </a:p>
-          <a:p>
-            <a:endParaRPr lang="ru-RU" dirty="0"/>
-          </a:p>
-          <a:p>
-            <a:r>
-              <a:rPr lang="ru-RU" dirty="0"/>
-              <a:t>Фабричный метод</a:t>
-            </a:r>
-          </a:p>
-        </p:txBody>
-      </p:sp>
-      <p:sp>
-        <p:nvSpPr>
-          <p:cNvPr id="7" name="Текст 6"/>
-          <p:cNvSpPr>
-            <a:spLocks noGrp="1"/>
-          </p:cNvSpPr>
-          <p:nvPr>
-            <p:ph type="body" sz="quarter" idx="3"/>
-          </p:nvPr>
-        </p:nvSpPr>
-        <p:spPr/>
-        <p:txBody>
-          <a:bodyPr/>
-          <a:lstStyle/>
-          <a:p>
-            <a:r>
-              <a:rPr lang="ru-RU" dirty="0"/>
-              <a:t>Описание</a:t>
-            </a:r>
-          </a:p>
-        </p:txBody>
-      </p:sp>
-      <p:sp>
-        <p:nvSpPr>
-          <p:cNvPr id="8" name="Объект 7"/>
-          <p:cNvSpPr>
-            <a:spLocks noGrp="1"/>
-          </p:cNvSpPr>
-          <p:nvPr>
-            <p:ph sz="quarter" idx="4"/>
-          </p:nvPr>
-        </p:nvSpPr>
-        <p:spPr/>
-        <p:txBody>
-          <a:bodyPr>
-            <a:normAutofit lnSpcReduction="10000"/>
-          </a:bodyPr>
-          <a:lstStyle/>
-          <a:p>
-            <a:r>
-              <a:rPr lang="ru-RU" dirty="0"/>
-              <a:t>Инкапсуляция взаимозаменяемых вариантов поведения и выбор нужного варианта посредством делегирования</a:t>
-            </a:r>
-          </a:p>
-          <a:p>
-            <a:r>
-              <a:rPr lang="ru-RU" dirty="0" err="1"/>
-              <a:t>Субклассы</a:t>
-            </a:r>
-            <a:r>
-              <a:rPr lang="ru-RU" dirty="0"/>
-              <a:t> определяют реализацию алгоритма</a:t>
-            </a:r>
-          </a:p>
-          <a:p>
-            <a:r>
-              <a:rPr lang="ru-RU" dirty="0" err="1"/>
-              <a:t>Субклассы</a:t>
-            </a:r>
-            <a:r>
-              <a:rPr lang="ru-RU" dirty="0"/>
-              <a:t> решают, какие конкретные классы создавать</a:t>
-            </a:r>
-          </a:p>
-        </p:txBody>
-      </p:sp>
-    </p:spTree>
-    <p:extLst>
-      <p:ext uri="{BB962C8B-B14F-4D97-AF65-F5344CB8AC3E}">
-        <p14:creationId xmlns:p14="http://schemas.microsoft.com/office/powerpoint/2010/main" val="1136729862"/>
-      </p:ext>
-    </p:extLst>
-  </p:cSld>
-  <p:clrMapOvr>
-    <a:masterClrMapping/>
-  </p:clrMapOvr>
-  <p:timing>
-    <p:tnLst>
-      <p:par>
-        <p:cTn id="1" dur="indefinite" restart="never" nodeType="tmRoot"/>
-      </p:par>
-    </p:tnLst>
-  </p:timing>
-</p:sld>
-</file>
-
-<file path=ppt/slides/slide29.xml><?xml version="1.0" encoding="utf-8"?>
-<p:sld xmlns:a="http://schemas.openxmlformats.org/drawingml/2006/main" xmlns:r="http://schemas.openxmlformats.org/officeDocument/2006/relationships" xmlns:p="http://schemas.openxmlformats.org/presentationml/2006/main">
-  <p:cSld>
-    <p:spTree>
-      <p:nvGrpSpPr>
-        <p:cNvPr id="1" name=""/>
-        <p:cNvGrpSpPr/>
-        <p:nvPr/>
-      </p:nvGrpSpPr>
-      <p:grpSpPr>
-        <a:xfrm>
-          <a:off x="0" y="0"/>
-          <a:ext cx="0" cy="0"/>
-          <a:chOff x="0" y="0"/>
-          <a:chExt cx="0" cy="0"/>
-        </a:xfrm>
-      </p:grpSpPr>
-      <p:sp>
-        <p:nvSpPr>
-          <p:cNvPr id="4" name="Заголовок 3"/>
-          <p:cNvSpPr>
-            <a:spLocks noGrp="1"/>
-          </p:cNvSpPr>
-          <p:nvPr>
-            <p:ph type="title"/>
-          </p:nvPr>
-        </p:nvSpPr>
-        <p:spPr/>
-        <p:txBody>
-          <a:bodyPr>
-            <a:normAutofit fontScale="90000"/>
-          </a:bodyPr>
-          <a:lstStyle/>
-          <a:p>
-            <a:r>
-              <a:rPr lang="ru-RU" dirty="0"/>
-              <a:t>Соединить паттерн с его описанием</a:t>
-            </a:r>
-          </a:p>
-        </p:txBody>
-      </p:sp>
-      <p:sp>
-        <p:nvSpPr>
-          <p:cNvPr id="5" name="Текст 4"/>
-          <p:cNvSpPr>
-            <a:spLocks noGrp="1"/>
-          </p:cNvSpPr>
-          <p:nvPr>
-            <p:ph type="body" idx="1"/>
-          </p:nvPr>
-        </p:nvSpPr>
-        <p:spPr/>
-        <p:txBody>
-          <a:bodyPr/>
-          <a:lstStyle/>
-          <a:p>
-            <a:r>
-              <a:rPr lang="ru-RU" dirty="0"/>
-              <a:t>Паттерн</a:t>
-            </a:r>
-          </a:p>
-        </p:txBody>
-      </p:sp>
-      <p:sp>
-        <p:nvSpPr>
-          <p:cNvPr id="6" name="Объект 5"/>
-          <p:cNvSpPr>
-            <a:spLocks noGrp="1"/>
-          </p:cNvSpPr>
-          <p:nvPr>
-            <p:ph sz="half" idx="2"/>
-          </p:nvPr>
-        </p:nvSpPr>
-        <p:spPr/>
-        <p:txBody>
-          <a:bodyPr/>
-          <a:lstStyle/>
-          <a:p>
-            <a:r>
-              <a:rPr lang="ru-RU" dirty="0">
-                <a:solidFill>
-                  <a:srgbClr val="00B050"/>
-                </a:solidFill>
-              </a:rPr>
-              <a:t>Шаблонный метод</a:t>
-            </a:r>
-          </a:p>
-          <a:p>
-            <a:endParaRPr lang="ru-RU" dirty="0"/>
-          </a:p>
-          <a:p>
-            <a:endParaRPr lang="ru-RU" dirty="0"/>
-          </a:p>
-          <a:p>
-            <a:endParaRPr lang="ru-RU" dirty="0"/>
-          </a:p>
-          <a:p>
-            <a:r>
-              <a:rPr lang="ru-RU" dirty="0">
-                <a:solidFill>
-                  <a:srgbClr val="FF0000"/>
-                </a:solidFill>
-              </a:rPr>
-              <a:t>Стратегия</a:t>
-            </a:r>
-          </a:p>
-          <a:p>
-            <a:endParaRPr lang="ru-RU" dirty="0"/>
-          </a:p>
-          <a:p>
-            <a:endParaRPr lang="ru-RU" dirty="0"/>
-          </a:p>
-          <a:p>
-            <a:endParaRPr lang="ru-RU" dirty="0"/>
-          </a:p>
-          <a:p>
-            <a:r>
-              <a:rPr lang="ru-RU" dirty="0">
-                <a:solidFill>
-                  <a:srgbClr val="00B0F0"/>
-                </a:solidFill>
-              </a:rPr>
-              <a:t>Фабричный метод</a:t>
-            </a:r>
-          </a:p>
-        </p:txBody>
-      </p:sp>
-      <p:sp>
-        <p:nvSpPr>
-          <p:cNvPr id="7" name="Текст 6"/>
-          <p:cNvSpPr>
-            <a:spLocks noGrp="1"/>
-          </p:cNvSpPr>
-          <p:nvPr>
-            <p:ph type="body" sz="quarter" idx="3"/>
-          </p:nvPr>
-        </p:nvSpPr>
-        <p:spPr/>
-        <p:txBody>
-          <a:bodyPr/>
-          <a:lstStyle/>
-          <a:p>
-            <a:r>
-              <a:rPr lang="ru-RU" dirty="0"/>
-              <a:t>Описание</a:t>
-            </a:r>
-          </a:p>
-        </p:txBody>
-      </p:sp>
-      <p:sp>
-        <p:nvSpPr>
-          <p:cNvPr id="8" name="Объект 7"/>
-          <p:cNvSpPr>
-            <a:spLocks noGrp="1"/>
-          </p:cNvSpPr>
-          <p:nvPr>
-            <p:ph sz="quarter" idx="4"/>
-          </p:nvPr>
-        </p:nvSpPr>
-        <p:spPr/>
-        <p:txBody>
-          <a:bodyPr>
-            <a:normAutofit lnSpcReduction="10000"/>
-          </a:bodyPr>
-          <a:lstStyle/>
-          <a:p>
-            <a:r>
-              <a:rPr lang="ru-RU" dirty="0">
-                <a:solidFill>
-                  <a:srgbClr val="FF0000"/>
-                </a:solidFill>
-              </a:rPr>
-              <a:t>Инкапсуляция взаимозаменяемых вариантов поведения и выбор нужного варианта посредством делегирования</a:t>
-            </a:r>
-          </a:p>
-          <a:p>
-            <a:r>
-              <a:rPr lang="ru-RU" dirty="0" err="1">
-                <a:solidFill>
-                  <a:srgbClr val="00B050"/>
-                </a:solidFill>
-              </a:rPr>
-              <a:t>Субклассы</a:t>
-            </a:r>
-            <a:r>
-              <a:rPr lang="ru-RU" dirty="0">
-                <a:solidFill>
-                  <a:srgbClr val="00B050"/>
-                </a:solidFill>
-              </a:rPr>
-              <a:t> определяют реализацию алгоритма</a:t>
-            </a:r>
-          </a:p>
-          <a:p>
-            <a:r>
-              <a:rPr lang="ru-RU" dirty="0" err="1">
-                <a:solidFill>
-                  <a:srgbClr val="00B0F0"/>
-                </a:solidFill>
-              </a:rPr>
-              <a:t>Субклассы</a:t>
-            </a:r>
-            <a:r>
-              <a:rPr lang="ru-RU" dirty="0">
-                <a:solidFill>
-                  <a:srgbClr val="00B0F0"/>
-                </a:solidFill>
-              </a:rPr>
-              <a:t> решают, какие конкретные классы создавать</a:t>
-            </a:r>
-          </a:p>
-        </p:txBody>
-      </p:sp>
-      <p:cxnSp>
-        <p:nvCxnSpPr>
-          <p:cNvPr id="3" name="Прямая со стрелкой 2"/>
-          <p:cNvCxnSpPr/>
-          <p:nvPr/>
-        </p:nvCxnSpPr>
-        <p:spPr>
-          <a:xfrm>
-            <a:off x="3347864" y="2996952"/>
-            <a:ext cx="1584176" cy="1872208"/>
-          </a:xfrm>
-          <a:prstGeom prst="straightConnector1">
-            <a:avLst/>
-          </a:prstGeom>
-          <a:ln w="28575" cap="flat" cmpd="sng" algn="ctr">
-            <a:solidFill>
-              <a:schemeClr val="dk1"/>
-            </a:solidFill>
-            <a:prstDash val="solid"/>
-            <a:round/>
-            <a:headEnd type="arrow" w="med" len="med"/>
-            <a:tailEnd type="arrow" w="med" len="med"/>
-          </a:ln>
-        </p:spPr>
-        <p:style>
-          <a:lnRef idx="0">
-            <a:scrgbClr r="0" g="0" b="0"/>
-          </a:lnRef>
-          <a:fillRef idx="0">
-            <a:scrgbClr r="0" g="0" b="0"/>
-          </a:fillRef>
-          <a:effectRef idx="0">
-            <a:scrgbClr r="0" g="0" b="0"/>
-          </a:effectRef>
-          <a:fontRef idx="minor">
-            <a:schemeClr val="tx1"/>
-          </a:fontRef>
-        </p:style>
-      </p:cxnSp>
-      <p:cxnSp>
-        <p:nvCxnSpPr>
-          <p:cNvPr id="10" name="Прямая со стрелкой 9"/>
-          <p:cNvCxnSpPr/>
-          <p:nvPr/>
-        </p:nvCxnSpPr>
-        <p:spPr>
-          <a:xfrm flipV="1">
-            <a:off x="2699792" y="3284984"/>
-            <a:ext cx="2232248" cy="936104"/>
-          </a:xfrm>
-          <a:prstGeom prst="straightConnector1">
-            <a:avLst/>
-          </a:prstGeom>
-          <a:ln w="28575" cap="flat" cmpd="sng" algn="ctr">
-            <a:solidFill>
-              <a:schemeClr val="dk1"/>
-            </a:solidFill>
-            <a:prstDash val="solid"/>
-            <a:round/>
-            <a:headEnd type="arrow" w="med" len="med"/>
-            <a:tailEnd type="arrow" w="med" len="med"/>
-          </a:ln>
-        </p:spPr>
-        <p:style>
-          <a:lnRef idx="0">
-            <a:scrgbClr r="0" g="0" b="0"/>
-          </a:lnRef>
-          <a:fillRef idx="0">
-            <a:scrgbClr r="0" g="0" b="0"/>
-          </a:fillRef>
-          <a:effectRef idx="0">
-            <a:scrgbClr r="0" g="0" b="0"/>
-          </a:effectRef>
-          <a:fontRef idx="minor">
-            <a:schemeClr val="tx1"/>
-          </a:fontRef>
-        </p:style>
-      </p:cxnSp>
-      <p:cxnSp>
-        <p:nvCxnSpPr>
-          <p:cNvPr id="12" name="Прямая со стрелкой 11"/>
-          <p:cNvCxnSpPr/>
-          <p:nvPr/>
-        </p:nvCxnSpPr>
-        <p:spPr>
-          <a:xfrm>
-            <a:off x="3563888" y="5733256"/>
-            <a:ext cx="1368152" cy="0"/>
-          </a:xfrm>
-          <a:prstGeom prst="straightConnector1">
-            <a:avLst/>
-          </a:prstGeom>
-          <a:ln w="28575" cap="flat" cmpd="sng" algn="ctr">
-            <a:solidFill>
-              <a:schemeClr val="dk1"/>
-            </a:solidFill>
-            <a:prstDash val="solid"/>
-            <a:round/>
-            <a:headEnd type="arrow" w="med" len="med"/>
-            <a:tailEnd type="arrow" w="med" len="med"/>
-          </a:ln>
-        </p:spPr>
-        <p:style>
-          <a:lnRef idx="0">
-            <a:scrgbClr r="0" g="0" b="0"/>
-          </a:lnRef>
-          <a:fillRef idx="0">
-            <a:scrgbClr r="0" g="0" b="0"/>
-          </a:fillRef>
-          <a:effectRef idx="0">
-            <a:scrgbClr r="0" g="0" b="0"/>
-          </a:effectRef>
-          <a:fontRef idx="minor">
-            <a:schemeClr val="tx1"/>
-          </a:fontRef>
-        </p:style>
-      </p:cxnSp>
-    </p:spTree>
-    <p:extLst>
-      <p:ext uri="{BB962C8B-B14F-4D97-AF65-F5344CB8AC3E}">
-        <p14:creationId xmlns:p14="http://schemas.microsoft.com/office/powerpoint/2010/main" val="2850005888"/>
-      </p:ext>
-    </p:extLst>
-  </p:cSld>
-  <p:clrMapOvr>
-    <a:masterClrMapping/>
-  </p:clrMapOvr>
-  <p:timing>
-    <p:tnLst>
-      <p:par>
-        <p:cTn id="1" dur="indefinite" restart="never" nodeType="tmRoot"/>
-      </p:par>
-    </p:tnLst>
   </p:timing>
 </p:sld>
 </file>
@@ -26779,6 +26352,543 @@
       </p:grpSpPr>
       <p:sp>
         <p:nvSpPr>
+          <p:cNvPr id="4" name="Заголовок 3"/>
+          <p:cNvSpPr>
+            <a:spLocks noGrp="1"/>
+          </p:cNvSpPr>
+          <p:nvPr>
+            <p:ph type="title"/>
+          </p:nvPr>
+        </p:nvSpPr>
+        <p:spPr/>
+        <p:txBody>
+          <a:bodyPr>
+            <a:normAutofit fontScale="90000"/>
+          </a:bodyPr>
+          <a:lstStyle/>
+          <a:p>
+            <a:r>
+              <a:rPr lang="ru-RU" dirty="0"/>
+              <a:t>Соединить паттерн с его описанием</a:t>
+            </a:r>
+          </a:p>
+        </p:txBody>
+      </p:sp>
+      <p:sp>
+        <p:nvSpPr>
+          <p:cNvPr id="5" name="Текст 4"/>
+          <p:cNvSpPr>
+            <a:spLocks noGrp="1"/>
+          </p:cNvSpPr>
+          <p:nvPr>
+            <p:ph type="body" idx="1"/>
+          </p:nvPr>
+        </p:nvSpPr>
+        <p:spPr/>
+        <p:txBody>
+          <a:bodyPr/>
+          <a:lstStyle/>
+          <a:p>
+            <a:r>
+              <a:rPr lang="ru-RU" dirty="0"/>
+              <a:t>Паттерн</a:t>
+            </a:r>
+          </a:p>
+        </p:txBody>
+      </p:sp>
+      <p:sp>
+        <p:nvSpPr>
+          <p:cNvPr id="6" name="Объект 5"/>
+          <p:cNvSpPr>
+            <a:spLocks noGrp="1"/>
+          </p:cNvSpPr>
+          <p:nvPr>
+            <p:ph sz="half" idx="2"/>
+          </p:nvPr>
+        </p:nvSpPr>
+        <p:spPr/>
+        <p:txBody>
+          <a:bodyPr/>
+          <a:lstStyle/>
+          <a:p>
+            <a:r>
+              <a:rPr lang="ru-RU" dirty="0"/>
+              <a:t>Шаблонный метод</a:t>
+            </a:r>
+          </a:p>
+          <a:p>
+            <a:endParaRPr lang="ru-RU" dirty="0"/>
+          </a:p>
+          <a:p>
+            <a:endParaRPr lang="ru-RU" dirty="0"/>
+          </a:p>
+          <a:p>
+            <a:endParaRPr lang="ru-RU" dirty="0"/>
+          </a:p>
+          <a:p>
+            <a:r>
+              <a:rPr lang="ru-RU" dirty="0"/>
+              <a:t>Стратегия</a:t>
+            </a:r>
+          </a:p>
+          <a:p>
+            <a:endParaRPr lang="ru-RU" dirty="0"/>
+          </a:p>
+          <a:p>
+            <a:endParaRPr lang="ru-RU" dirty="0"/>
+          </a:p>
+          <a:p>
+            <a:endParaRPr lang="ru-RU" dirty="0"/>
+          </a:p>
+          <a:p>
+            <a:r>
+              <a:rPr lang="ru-RU" dirty="0"/>
+              <a:t>Фабричный метод</a:t>
+            </a:r>
+          </a:p>
+        </p:txBody>
+      </p:sp>
+      <p:sp>
+        <p:nvSpPr>
+          <p:cNvPr id="7" name="Текст 6"/>
+          <p:cNvSpPr>
+            <a:spLocks noGrp="1"/>
+          </p:cNvSpPr>
+          <p:nvPr>
+            <p:ph type="body" sz="quarter" idx="3"/>
+          </p:nvPr>
+        </p:nvSpPr>
+        <p:spPr/>
+        <p:txBody>
+          <a:bodyPr/>
+          <a:lstStyle/>
+          <a:p>
+            <a:r>
+              <a:rPr lang="ru-RU" dirty="0"/>
+              <a:t>Описание</a:t>
+            </a:r>
+          </a:p>
+        </p:txBody>
+      </p:sp>
+      <p:sp>
+        <p:nvSpPr>
+          <p:cNvPr id="8" name="Объект 7"/>
+          <p:cNvSpPr>
+            <a:spLocks noGrp="1"/>
+          </p:cNvSpPr>
+          <p:nvPr>
+            <p:ph sz="quarter" idx="4"/>
+          </p:nvPr>
+        </p:nvSpPr>
+        <p:spPr/>
+        <p:txBody>
+          <a:bodyPr>
+            <a:normAutofit lnSpcReduction="10000"/>
+          </a:bodyPr>
+          <a:lstStyle/>
+          <a:p>
+            <a:r>
+              <a:rPr lang="ru-RU" dirty="0"/>
+              <a:t>Инкапсуляция взаимозаменяемых вариантов поведения и выбор нужного варианта посредством делегирования</a:t>
+            </a:r>
+          </a:p>
+          <a:p>
+            <a:r>
+              <a:rPr lang="ru-RU" dirty="0" err="1"/>
+              <a:t>Субклассы</a:t>
+            </a:r>
+            <a:r>
+              <a:rPr lang="ru-RU" dirty="0"/>
+              <a:t> определяют реализацию алгоритма</a:t>
+            </a:r>
+          </a:p>
+          <a:p>
+            <a:r>
+              <a:rPr lang="ru-RU" dirty="0" err="1"/>
+              <a:t>Субклассы</a:t>
+            </a:r>
+            <a:r>
+              <a:rPr lang="ru-RU" dirty="0"/>
+              <a:t> решают, какие конкретные классы создавать</a:t>
+            </a:r>
+          </a:p>
+        </p:txBody>
+      </p:sp>
+    </p:spTree>
+    <p:extLst>
+      <p:ext uri="{BB962C8B-B14F-4D97-AF65-F5344CB8AC3E}">
+        <p14:creationId xmlns:p14="http://schemas.microsoft.com/office/powerpoint/2010/main" val="1136729862"/>
+      </p:ext>
+    </p:extLst>
+  </p:cSld>
+  <p:clrMapOvr>
+    <a:masterClrMapping/>
+  </p:clrMapOvr>
+</p:sld>
+</file>
+
+<file path=ppt/slides/slide31.xml><?xml version="1.0" encoding="utf-8"?>
+<p:sld xmlns:a="http://schemas.openxmlformats.org/drawingml/2006/main" xmlns:r="http://schemas.openxmlformats.org/officeDocument/2006/relationships" xmlns:p="http://schemas.openxmlformats.org/presentationml/2006/main">
+  <p:cSld>
+    <p:spTree>
+      <p:nvGrpSpPr>
+        <p:cNvPr id="1" name=""/>
+        <p:cNvGrpSpPr/>
+        <p:nvPr/>
+      </p:nvGrpSpPr>
+      <p:grpSpPr>
+        <a:xfrm>
+          <a:off x="0" y="0"/>
+          <a:ext cx="0" cy="0"/>
+          <a:chOff x="0" y="0"/>
+          <a:chExt cx="0" cy="0"/>
+        </a:xfrm>
+      </p:grpSpPr>
+      <p:sp>
+        <p:nvSpPr>
+          <p:cNvPr id="4" name="Заголовок 3"/>
+          <p:cNvSpPr>
+            <a:spLocks noGrp="1"/>
+          </p:cNvSpPr>
+          <p:nvPr>
+            <p:ph type="title"/>
+          </p:nvPr>
+        </p:nvSpPr>
+        <p:spPr/>
+        <p:txBody>
+          <a:bodyPr>
+            <a:normAutofit fontScale="90000"/>
+          </a:bodyPr>
+          <a:lstStyle/>
+          <a:p>
+            <a:r>
+              <a:rPr lang="ru-RU" dirty="0"/>
+              <a:t>Соединить паттерн с его описанием</a:t>
+            </a:r>
+          </a:p>
+        </p:txBody>
+      </p:sp>
+      <p:sp>
+        <p:nvSpPr>
+          <p:cNvPr id="5" name="Текст 4"/>
+          <p:cNvSpPr>
+            <a:spLocks noGrp="1"/>
+          </p:cNvSpPr>
+          <p:nvPr>
+            <p:ph type="body" idx="1"/>
+          </p:nvPr>
+        </p:nvSpPr>
+        <p:spPr/>
+        <p:txBody>
+          <a:bodyPr/>
+          <a:lstStyle/>
+          <a:p>
+            <a:r>
+              <a:rPr lang="ru-RU" dirty="0"/>
+              <a:t>Паттерн</a:t>
+            </a:r>
+          </a:p>
+        </p:txBody>
+      </p:sp>
+      <p:sp>
+        <p:nvSpPr>
+          <p:cNvPr id="6" name="Объект 5"/>
+          <p:cNvSpPr>
+            <a:spLocks noGrp="1"/>
+          </p:cNvSpPr>
+          <p:nvPr>
+            <p:ph sz="half" idx="2"/>
+          </p:nvPr>
+        </p:nvSpPr>
+        <p:spPr/>
+        <p:txBody>
+          <a:bodyPr/>
+          <a:lstStyle/>
+          <a:p>
+            <a:r>
+              <a:rPr lang="ru-RU" dirty="0">
+                <a:solidFill>
+                  <a:srgbClr val="00B050"/>
+                </a:solidFill>
+              </a:rPr>
+              <a:t>Шаблонный метод</a:t>
+            </a:r>
+          </a:p>
+          <a:p>
+            <a:endParaRPr lang="ru-RU" dirty="0"/>
+          </a:p>
+          <a:p>
+            <a:endParaRPr lang="ru-RU" dirty="0"/>
+          </a:p>
+          <a:p>
+            <a:endParaRPr lang="ru-RU" dirty="0"/>
+          </a:p>
+          <a:p>
+            <a:r>
+              <a:rPr lang="ru-RU" dirty="0">
+                <a:solidFill>
+                  <a:srgbClr val="FF0000"/>
+                </a:solidFill>
+              </a:rPr>
+              <a:t>Стратегия</a:t>
+            </a:r>
+          </a:p>
+          <a:p>
+            <a:endParaRPr lang="ru-RU" dirty="0"/>
+          </a:p>
+          <a:p>
+            <a:endParaRPr lang="ru-RU" dirty="0"/>
+          </a:p>
+          <a:p>
+            <a:endParaRPr lang="ru-RU" dirty="0"/>
+          </a:p>
+          <a:p>
+            <a:r>
+              <a:rPr lang="ru-RU" dirty="0">
+                <a:solidFill>
+                  <a:srgbClr val="00B0F0"/>
+                </a:solidFill>
+              </a:rPr>
+              <a:t>Фабричный метод</a:t>
+            </a:r>
+          </a:p>
+        </p:txBody>
+      </p:sp>
+      <p:sp>
+        <p:nvSpPr>
+          <p:cNvPr id="7" name="Текст 6"/>
+          <p:cNvSpPr>
+            <a:spLocks noGrp="1"/>
+          </p:cNvSpPr>
+          <p:nvPr>
+            <p:ph type="body" sz="quarter" idx="3"/>
+          </p:nvPr>
+        </p:nvSpPr>
+        <p:spPr/>
+        <p:txBody>
+          <a:bodyPr/>
+          <a:lstStyle/>
+          <a:p>
+            <a:r>
+              <a:rPr lang="ru-RU" dirty="0"/>
+              <a:t>Описание</a:t>
+            </a:r>
+          </a:p>
+        </p:txBody>
+      </p:sp>
+      <p:sp>
+        <p:nvSpPr>
+          <p:cNvPr id="8" name="Объект 7"/>
+          <p:cNvSpPr>
+            <a:spLocks noGrp="1"/>
+          </p:cNvSpPr>
+          <p:nvPr>
+            <p:ph sz="quarter" idx="4"/>
+          </p:nvPr>
+        </p:nvSpPr>
+        <p:spPr/>
+        <p:txBody>
+          <a:bodyPr>
+            <a:normAutofit lnSpcReduction="10000"/>
+          </a:bodyPr>
+          <a:lstStyle/>
+          <a:p>
+            <a:r>
+              <a:rPr lang="ru-RU" dirty="0">
+                <a:solidFill>
+                  <a:srgbClr val="FF0000"/>
+                </a:solidFill>
+              </a:rPr>
+              <a:t>Инкапсуляция взаимозаменяемых вариантов поведения и выбор нужного варианта посредством делегирования</a:t>
+            </a:r>
+          </a:p>
+          <a:p>
+            <a:r>
+              <a:rPr lang="ru-RU" dirty="0" err="1">
+                <a:solidFill>
+                  <a:srgbClr val="00B050"/>
+                </a:solidFill>
+              </a:rPr>
+              <a:t>Субклассы</a:t>
+            </a:r>
+            <a:r>
+              <a:rPr lang="ru-RU" dirty="0">
+                <a:solidFill>
+                  <a:srgbClr val="00B050"/>
+                </a:solidFill>
+              </a:rPr>
+              <a:t> определяют реализацию алгоритма</a:t>
+            </a:r>
+          </a:p>
+          <a:p>
+            <a:r>
+              <a:rPr lang="ru-RU" dirty="0" err="1">
+                <a:solidFill>
+                  <a:srgbClr val="00B0F0"/>
+                </a:solidFill>
+              </a:rPr>
+              <a:t>Субклассы</a:t>
+            </a:r>
+            <a:r>
+              <a:rPr lang="ru-RU" dirty="0">
+                <a:solidFill>
+                  <a:srgbClr val="00B0F0"/>
+                </a:solidFill>
+              </a:rPr>
+              <a:t> решают, какие конкретные классы создавать</a:t>
+            </a:r>
+          </a:p>
+        </p:txBody>
+      </p:sp>
+      <p:cxnSp>
+        <p:nvCxnSpPr>
+          <p:cNvPr id="3" name="Прямая со стрелкой 2"/>
+          <p:cNvCxnSpPr/>
+          <p:nvPr/>
+        </p:nvCxnSpPr>
+        <p:spPr>
+          <a:xfrm>
+            <a:off x="3347864" y="2996952"/>
+            <a:ext cx="1584176" cy="1872208"/>
+          </a:xfrm>
+          <a:prstGeom prst="straightConnector1">
+            <a:avLst/>
+          </a:prstGeom>
+          <a:ln w="28575" cap="flat" cmpd="sng" algn="ctr">
+            <a:solidFill>
+              <a:schemeClr val="dk1"/>
+            </a:solidFill>
+            <a:prstDash val="solid"/>
+            <a:round/>
+            <a:headEnd type="arrow" w="med" len="med"/>
+            <a:tailEnd type="arrow" w="med" len="med"/>
+          </a:ln>
+        </p:spPr>
+        <p:style>
+          <a:lnRef idx="0">
+            <a:scrgbClr r="0" g="0" b="0"/>
+          </a:lnRef>
+          <a:fillRef idx="0">
+            <a:scrgbClr r="0" g="0" b="0"/>
+          </a:fillRef>
+          <a:effectRef idx="0">
+            <a:scrgbClr r="0" g="0" b="0"/>
+          </a:effectRef>
+          <a:fontRef idx="minor">
+            <a:schemeClr val="tx1"/>
+          </a:fontRef>
+        </p:style>
+      </p:cxnSp>
+      <p:cxnSp>
+        <p:nvCxnSpPr>
+          <p:cNvPr id="10" name="Прямая со стрелкой 9"/>
+          <p:cNvCxnSpPr/>
+          <p:nvPr/>
+        </p:nvCxnSpPr>
+        <p:spPr>
+          <a:xfrm flipV="1">
+            <a:off x="2699792" y="3284984"/>
+            <a:ext cx="2232248" cy="936104"/>
+          </a:xfrm>
+          <a:prstGeom prst="straightConnector1">
+            <a:avLst/>
+          </a:prstGeom>
+          <a:ln w="28575" cap="flat" cmpd="sng" algn="ctr">
+            <a:solidFill>
+              <a:schemeClr val="dk1"/>
+            </a:solidFill>
+            <a:prstDash val="solid"/>
+            <a:round/>
+            <a:headEnd type="arrow" w="med" len="med"/>
+            <a:tailEnd type="arrow" w="med" len="med"/>
+          </a:ln>
+        </p:spPr>
+        <p:style>
+          <a:lnRef idx="0">
+            <a:scrgbClr r="0" g="0" b="0"/>
+          </a:lnRef>
+          <a:fillRef idx="0">
+            <a:scrgbClr r="0" g="0" b="0"/>
+          </a:fillRef>
+          <a:effectRef idx="0">
+            <a:scrgbClr r="0" g="0" b="0"/>
+          </a:effectRef>
+          <a:fontRef idx="minor">
+            <a:schemeClr val="tx1"/>
+          </a:fontRef>
+        </p:style>
+      </p:cxnSp>
+      <p:cxnSp>
+        <p:nvCxnSpPr>
+          <p:cNvPr id="12" name="Прямая со стрелкой 11"/>
+          <p:cNvCxnSpPr/>
+          <p:nvPr/>
+        </p:nvCxnSpPr>
+        <p:spPr>
+          <a:xfrm>
+            <a:off x="3563888" y="5733256"/>
+            <a:ext cx="1368152" cy="0"/>
+          </a:xfrm>
+          <a:prstGeom prst="straightConnector1">
+            <a:avLst/>
+          </a:prstGeom>
+          <a:ln w="28575" cap="flat" cmpd="sng" algn="ctr">
+            <a:solidFill>
+              <a:schemeClr val="dk1"/>
+            </a:solidFill>
+            <a:prstDash val="solid"/>
+            <a:round/>
+            <a:headEnd type="arrow" w="med" len="med"/>
+            <a:tailEnd type="arrow" w="med" len="med"/>
+          </a:ln>
+        </p:spPr>
+        <p:style>
+          <a:lnRef idx="0">
+            <a:scrgbClr r="0" g="0" b="0"/>
+          </a:lnRef>
+          <a:fillRef idx="0">
+            <a:scrgbClr r="0" g="0" b="0"/>
+          </a:fillRef>
+          <a:effectRef idx="0">
+            <a:scrgbClr r="0" g="0" b="0"/>
+          </a:effectRef>
+          <a:fontRef idx="minor">
+            <a:schemeClr val="tx1"/>
+          </a:fontRef>
+        </p:style>
+      </p:cxnSp>
+    </p:spTree>
+    <p:extLst>
+      <p:ext uri="{BB962C8B-B14F-4D97-AF65-F5344CB8AC3E}">
+        <p14:creationId xmlns:p14="http://schemas.microsoft.com/office/powerpoint/2010/main" val="2850005888"/>
+      </p:ext>
+    </p:extLst>
+  </p:cSld>
+  <p:clrMapOvr>
+    <a:masterClrMapping/>
+  </p:clrMapOvr>
+</p:sld>
+</file>
+
+<file path=ppt/slides/slide32.xml><?xml version="1.0" encoding="utf-8"?>
+<p:sld xmlns:a="http://schemas.openxmlformats.org/drawingml/2006/main" xmlns:r="http://schemas.openxmlformats.org/officeDocument/2006/relationships" xmlns:p="http://schemas.openxmlformats.org/presentationml/2006/main">
+  <p:cSld>
+    <p:spTree>
+      <p:nvGrpSpPr>
+        <p:cNvPr id="1" name=""/>
+        <p:cNvGrpSpPr/>
+        <p:nvPr/>
+      </p:nvGrpSpPr>
+      <p:grpSpPr>
+        <a:xfrm>
+          <a:off x="0" y="0"/>
+          <a:ext cx="0" cy="0"/>
+          <a:chOff x="0" y="0"/>
+          <a:chExt cx="0" cy="0"/>
+        </a:xfrm>
+      </p:grpSpPr>
+      <p:sp>
+        <p:nvSpPr>
           <p:cNvPr id="2" name="Заголовок 1"/>
           <p:cNvSpPr>
             <a:spLocks noGrp="1"/>
@@ -26917,17 +27027,10 @@
   <p:clrMapOvr>
     <a:masterClrMapping/>
   </p:clrMapOvr>
-  <p:timing>
-    <p:tnLst>
-      <p:par>
-        <p:cTn id="1" dur="indefinite" restart="never" nodeType="tmRoot"/>
-      </p:par>
-    </p:tnLst>
-  </p:timing>
 </p:sld>
 </file>
 
-<file path=ppt/slides/slide31.xml><?xml version="1.0" encoding="utf-8"?>
+<file path=ppt/slides/slide33.xml><?xml version="1.0" encoding="utf-8"?>
 <p:sld xmlns:a="http://schemas.openxmlformats.org/drawingml/2006/main" xmlns:r="http://schemas.openxmlformats.org/officeDocument/2006/relationships" xmlns:p="http://schemas.openxmlformats.org/presentationml/2006/main">
   <p:cSld>
     <p:spTree>
@@ -26960,10 +27063,9 @@
           <a:lstStyle/>
           <a:p>
             <a:r>
-              <a:rPr lang="ru-RU" dirty="0" smtClean="0"/>
+              <a:rPr lang="ru-RU" dirty="0"/>
               <a:t>Спасибо за внимание</a:t>
             </a:r>
-            <a:endParaRPr lang="ru-RU" dirty="0"/>
           </a:p>
         </p:txBody>
       </p:sp>
@@ -26996,13 +27098,6 @@
   <p:clrMapOvr>
     <a:masterClrMapping/>
   </p:clrMapOvr>
-  <p:timing>
-    <p:tnLst>
-      <p:par>
-        <p:cTn id="1" dur="indefinite" restart="never" nodeType="tmRoot"/>
-      </p:par>
-    </p:tnLst>
-  </p:timing>
 </p:sld>
 </file>
 
@@ -27084,13 +27179,6 @@
   <p:clrMapOvr>
     <a:masterClrMapping/>
   </p:clrMapOvr>
-  <p:timing>
-    <p:tnLst>
-      <p:par>
-        <p:cTn id="1" dur="indefinite" restart="never" nodeType="tmRoot"/>
-      </p:par>
-    </p:tnLst>
-  </p:timing>
 </p:sld>
 </file>
 
@@ -32379,16 +32467,12 @@
               <a:t>Пункты 2 и </a:t>
             </a:r>
             <a:r>
-              <a:rPr lang="en-US" dirty="0" smtClean="0"/>
+              <a:rPr lang="en-US" dirty="0"/>
               <a:t>4</a:t>
             </a:r>
             <a:r>
-              <a:rPr lang="ru-RU" dirty="0" smtClean="0"/>
-              <a:t> </a:t>
-            </a:r>
-            <a:r>
               <a:rPr lang="ru-RU" dirty="0"/>
-              <a:t>одинаковы, но выполняются с разными напитками</a:t>
+              <a:t> одинаковы, но выполняются с разными напитками</a:t>
             </a:r>
           </a:p>
         </p:txBody>

--- a/lectures/08.template-method/template-method.pptx
+++ b/lectures/08.template-method/template-method.pptx
@@ -8,7 +8,7 @@
     <p:notesMasterId r:id="rId41"/>
   </p:notesMasterIdLst>
   <p:sldIdLst>
-    <p:sldId id="256" r:id="rId2"/>
+    <p:sldId id="320" r:id="rId2"/>
     <p:sldId id="257" r:id="rId3"/>
     <p:sldId id="258" r:id="rId4"/>
     <p:sldId id="259" r:id="rId5"/>
@@ -565,7 +565,7 @@
           <a:bodyPr/>
           <a:lstStyle/>
           <a:p>
-            <a:endParaRPr lang="ru-RU"/>
+            <a:endParaRPr lang="ru-RU" dirty="0"/>
           </a:p>
         </p:txBody>
       </p:sp>
@@ -586,7 +586,7 @@
           <a:p>
             <a:fld id="{C72A1285-F988-4153-B7C5-B887A867730D}" type="slidenum">
               <a:rPr lang="ru-RU" smtClean="0"/>
-              <a:t>1</a:t>
+              <a:t>3</a:t>
             </a:fld>
             <a:endParaRPr lang="ru-RU"/>
           </a:p>
@@ -595,96 +595,7 @@
     </p:spTree>
     <p:extLst>
       <p:ext uri="{BB962C8B-B14F-4D97-AF65-F5344CB8AC3E}">
-        <p14:creationId xmlns:p14="http://schemas.microsoft.com/office/powerpoint/2010/main" val="1670138656"/>
-      </p:ext>
-    </p:extLst>
-  </p:cSld>
-  <p:clrMapOvr>
-    <a:masterClrMapping/>
-  </p:clrMapOvr>
-</p:notes>
-</file>
-
-<file path=ppt/notesSlides/notesSlide10.xml><?xml version="1.0" encoding="utf-8"?>
-<p:notes xmlns:a="http://schemas.openxmlformats.org/drawingml/2006/main" xmlns:r="http://schemas.openxmlformats.org/officeDocument/2006/relationships" xmlns:p="http://schemas.openxmlformats.org/presentationml/2006/main">
-  <p:cSld>
-    <p:spTree>
-      <p:nvGrpSpPr>
-        <p:cNvPr id="1" name=""/>
-        <p:cNvGrpSpPr/>
-        <p:nvPr/>
-      </p:nvGrpSpPr>
-      <p:grpSpPr>
-        <a:xfrm>
-          <a:off x="0" y="0"/>
-          <a:ext cx="0" cy="0"/>
-          <a:chOff x="0" y="0"/>
-          <a:chExt cx="0" cy="0"/>
-        </a:xfrm>
-      </p:grpSpPr>
-      <p:sp>
-        <p:nvSpPr>
-          <p:cNvPr id="2" name="Образ слайда 1"/>
-          <p:cNvSpPr>
-            <a:spLocks noGrp="1" noRot="1" noChangeAspect="1"/>
-          </p:cNvSpPr>
-          <p:nvPr>
-            <p:ph type="sldImg"/>
-          </p:nvPr>
-        </p:nvSpPr>
-        <p:spPr>
-          <a:xfrm>
-            <a:off x="381000" y="685800"/>
-            <a:ext cx="6096000" cy="3429000"/>
-          </a:xfrm>
-        </p:spPr>
-      </p:sp>
-      <p:sp>
-        <p:nvSpPr>
-          <p:cNvPr id="3" name="Заметки 2"/>
-          <p:cNvSpPr>
-            <a:spLocks noGrp="1"/>
-          </p:cNvSpPr>
-          <p:nvPr>
-            <p:ph type="body" idx="1"/>
-          </p:nvPr>
-        </p:nvSpPr>
-        <p:spPr/>
-        <p:txBody>
-          <a:bodyPr/>
-          <a:lstStyle/>
-          <a:p>
-            <a:endParaRPr lang="ru-RU" dirty="0"/>
-          </a:p>
-        </p:txBody>
-      </p:sp>
-      <p:sp>
-        <p:nvSpPr>
-          <p:cNvPr id="4" name="Номер слайда 3"/>
-          <p:cNvSpPr>
-            <a:spLocks noGrp="1"/>
-          </p:cNvSpPr>
-          <p:nvPr>
-            <p:ph type="sldNum" sz="quarter" idx="10"/>
-          </p:nvPr>
-        </p:nvSpPr>
-        <p:spPr/>
-        <p:txBody>
-          <a:bodyPr/>
-          <a:lstStyle/>
-          <a:p>
-            <a:fld id="{C72A1285-F988-4153-B7C5-B887A867730D}" type="slidenum">
-              <a:rPr lang="ru-RU" smtClean="0"/>
-              <a:t>38</a:t>
-            </a:fld>
-            <a:endParaRPr lang="ru-RU"/>
-          </a:p>
-        </p:txBody>
-      </p:sp>
-    </p:spTree>
-    <p:extLst>
-      <p:ext uri="{BB962C8B-B14F-4D97-AF65-F5344CB8AC3E}">
-        <p14:creationId xmlns:p14="http://schemas.microsoft.com/office/powerpoint/2010/main" val="742136110"/>
+        <p14:creationId xmlns:p14="http://schemas.microsoft.com/office/powerpoint/2010/main" val="1927273854"/>
       </p:ext>
     </p:extLst>
   </p:cSld>
@@ -764,7 +675,7 @@
           <a:p>
             <a:fld id="{C72A1285-F988-4153-B7C5-B887A867730D}" type="slidenum">
               <a:rPr lang="ru-RU" smtClean="0"/>
-              <a:t>3</a:t>
+              <a:t>5</a:t>
             </a:fld>
             <a:endParaRPr lang="ru-RU"/>
           </a:p>
@@ -773,7 +684,7 @@
     </p:spTree>
     <p:extLst>
       <p:ext uri="{BB962C8B-B14F-4D97-AF65-F5344CB8AC3E}">
-        <p14:creationId xmlns:p14="http://schemas.microsoft.com/office/powerpoint/2010/main" val="1927273854"/>
+        <p14:creationId xmlns:p14="http://schemas.microsoft.com/office/powerpoint/2010/main" val="120704720"/>
       </p:ext>
     </p:extLst>
   </p:cSld>
@@ -784,6 +695,90 @@
 </file>
 
 <file path=ppt/notesSlides/notesSlide3.xml><?xml version="1.0" encoding="utf-8"?>
+<p:notes xmlns:a="http://schemas.openxmlformats.org/drawingml/2006/main" xmlns:r="http://schemas.openxmlformats.org/officeDocument/2006/relationships" xmlns:p="http://schemas.openxmlformats.org/presentationml/2006/main">
+  <p:cSld>
+    <p:spTree>
+      <p:nvGrpSpPr>
+        <p:cNvPr id="1" name=""/>
+        <p:cNvGrpSpPr/>
+        <p:nvPr/>
+      </p:nvGrpSpPr>
+      <p:grpSpPr>
+        <a:xfrm>
+          <a:off x="0" y="0"/>
+          <a:ext cx="0" cy="0"/>
+          <a:chOff x="0" y="0"/>
+          <a:chExt cx="0" cy="0"/>
+        </a:xfrm>
+      </p:grpSpPr>
+      <p:sp>
+        <p:nvSpPr>
+          <p:cNvPr id="2" name="Slide Image Placeholder 1"/>
+          <p:cNvSpPr>
+            <a:spLocks noGrp="1" noRot="1" noChangeAspect="1"/>
+          </p:cNvSpPr>
+          <p:nvPr>
+            <p:ph type="sldImg"/>
+          </p:nvPr>
+        </p:nvSpPr>
+        <p:spPr/>
+      </p:sp>
+      <p:sp>
+        <p:nvSpPr>
+          <p:cNvPr id="3" name="Notes Placeholder 2"/>
+          <p:cNvSpPr>
+            <a:spLocks noGrp="1"/>
+          </p:cNvSpPr>
+          <p:nvPr>
+            <p:ph type="body" idx="1"/>
+          </p:nvPr>
+        </p:nvSpPr>
+        <p:spPr/>
+        <p:txBody>
+          <a:bodyPr/>
+          <a:lstStyle/>
+          <a:p>
+            <a:endParaRPr lang="ru-RU" dirty="0"/>
+          </a:p>
+        </p:txBody>
+      </p:sp>
+      <p:sp>
+        <p:nvSpPr>
+          <p:cNvPr id="4" name="Slide Number Placeholder 3"/>
+          <p:cNvSpPr>
+            <a:spLocks noGrp="1"/>
+          </p:cNvSpPr>
+          <p:nvPr>
+            <p:ph type="sldNum" sz="quarter" idx="5"/>
+          </p:nvPr>
+        </p:nvSpPr>
+        <p:spPr/>
+        <p:txBody>
+          <a:bodyPr/>
+          <a:lstStyle/>
+          <a:p>
+            <a:fld id="{C72A1285-F988-4153-B7C5-B887A867730D}" type="slidenum">
+              <a:rPr lang="ru-RU" smtClean="0"/>
+              <a:t>6</a:t>
+            </a:fld>
+            <a:endParaRPr lang="ru-RU"/>
+          </a:p>
+        </p:txBody>
+      </p:sp>
+    </p:spTree>
+    <p:extLst>
+      <p:ext uri="{BB962C8B-B14F-4D97-AF65-F5344CB8AC3E}">
+        <p14:creationId xmlns:p14="http://schemas.microsoft.com/office/powerpoint/2010/main" val="4160884272"/>
+      </p:ext>
+    </p:extLst>
+  </p:cSld>
+  <p:clrMapOvr>
+    <a:masterClrMapping/>
+  </p:clrMapOvr>
+</p:notes>
+</file>
+
+<file path=ppt/notesSlides/notesSlide4.xml><?xml version="1.0" encoding="utf-8"?>
 <p:notes xmlns:a="http://schemas.openxmlformats.org/drawingml/2006/main" xmlns:r="http://schemas.openxmlformats.org/officeDocument/2006/relationships" xmlns:p="http://schemas.openxmlformats.org/presentationml/2006/main">
   <p:cSld>
     <p:spTree>
@@ -853,7 +848,7 @@
           <a:p>
             <a:fld id="{C72A1285-F988-4153-B7C5-B887A867730D}" type="slidenum">
               <a:rPr lang="ru-RU" smtClean="0"/>
-              <a:t>5</a:t>
+              <a:t>9</a:t>
             </a:fld>
             <a:endParaRPr lang="ru-RU"/>
           </a:p>
@@ -862,91 +857,7 @@
     </p:spTree>
     <p:extLst>
       <p:ext uri="{BB962C8B-B14F-4D97-AF65-F5344CB8AC3E}">
-        <p14:creationId xmlns:p14="http://schemas.microsoft.com/office/powerpoint/2010/main" val="120704720"/>
-      </p:ext>
-    </p:extLst>
-  </p:cSld>
-  <p:clrMapOvr>
-    <a:masterClrMapping/>
-  </p:clrMapOvr>
-</p:notes>
-</file>
-
-<file path=ppt/notesSlides/notesSlide4.xml><?xml version="1.0" encoding="utf-8"?>
-<p:notes xmlns:a="http://schemas.openxmlformats.org/drawingml/2006/main" xmlns:r="http://schemas.openxmlformats.org/officeDocument/2006/relationships" xmlns:p="http://schemas.openxmlformats.org/presentationml/2006/main">
-  <p:cSld>
-    <p:spTree>
-      <p:nvGrpSpPr>
-        <p:cNvPr id="1" name=""/>
-        <p:cNvGrpSpPr/>
-        <p:nvPr/>
-      </p:nvGrpSpPr>
-      <p:grpSpPr>
-        <a:xfrm>
-          <a:off x="0" y="0"/>
-          <a:ext cx="0" cy="0"/>
-          <a:chOff x="0" y="0"/>
-          <a:chExt cx="0" cy="0"/>
-        </a:xfrm>
-      </p:grpSpPr>
-      <p:sp>
-        <p:nvSpPr>
-          <p:cNvPr id="2" name="Slide Image Placeholder 1"/>
-          <p:cNvSpPr>
-            <a:spLocks noGrp="1" noRot="1" noChangeAspect="1"/>
-          </p:cNvSpPr>
-          <p:nvPr>
-            <p:ph type="sldImg"/>
-          </p:nvPr>
-        </p:nvSpPr>
-        <p:spPr/>
-      </p:sp>
-      <p:sp>
-        <p:nvSpPr>
-          <p:cNvPr id="3" name="Notes Placeholder 2"/>
-          <p:cNvSpPr>
-            <a:spLocks noGrp="1"/>
-          </p:cNvSpPr>
-          <p:nvPr>
-            <p:ph type="body" idx="1"/>
-          </p:nvPr>
-        </p:nvSpPr>
-        <p:spPr/>
-        <p:txBody>
-          <a:bodyPr/>
-          <a:lstStyle/>
-          <a:p>
-            <a:endParaRPr lang="ru-RU" dirty="0"/>
-          </a:p>
-        </p:txBody>
-      </p:sp>
-      <p:sp>
-        <p:nvSpPr>
-          <p:cNvPr id="4" name="Slide Number Placeholder 3"/>
-          <p:cNvSpPr>
-            <a:spLocks noGrp="1"/>
-          </p:cNvSpPr>
-          <p:nvPr>
-            <p:ph type="sldNum" sz="quarter" idx="5"/>
-          </p:nvPr>
-        </p:nvSpPr>
-        <p:spPr/>
-        <p:txBody>
-          <a:bodyPr/>
-          <a:lstStyle/>
-          <a:p>
-            <a:fld id="{C72A1285-F988-4153-B7C5-B887A867730D}" type="slidenum">
-              <a:rPr lang="ru-RU" smtClean="0"/>
-              <a:t>6</a:t>
-            </a:fld>
-            <a:endParaRPr lang="ru-RU"/>
-          </a:p>
-        </p:txBody>
-      </p:sp>
-    </p:spTree>
-    <p:extLst>
-      <p:ext uri="{BB962C8B-B14F-4D97-AF65-F5344CB8AC3E}">
-        <p14:creationId xmlns:p14="http://schemas.microsoft.com/office/powerpoint/2010/main" val="4160884272"/>
+        <p14:creationId xmlns:p14="http://schemas.microsoft.com/office/powerpoint/2010/main" val="3398560333"/>
       </p:ext>
     </p:extLst>
   </p:cSld>
@@ -1026,7 +937,7 @@
           <a:p>
             <a:fld id="{C72A1285-F988-4153-B7C5-B887A867730D}" type="slidenum">
               <a:rPr lang="ru-RU" smtClean="0"/>
-              <a:t>9</a:t>
+              <a:t>10</a:t>
             </a:fld>
             <a:endParaRPr lang="ru-RU"/>
           </a:p>
@@ -1035,7 +946,7 @@
     </p:spTree>
     <p:extLst>
       <p:ext uri="{BB962C8B-B14F-4D97-AF65-F5344CB8AC3E}">
-        <p14:creationId xmlns:p14="http://schemas.microsoft.com/office/powerpoint/2010/main" val="3398560333"/>
+        <p14:creationId xmlns:p14="http://schemas.microsoft.com/office/powerpoint/2010/main" val="2030665243"/>
       </p:ext>
     </p:extLst>
   </p:cSld>
@@ -1115,7 +1026,7 @@
           <a:p>
             <a:fld id="{C72A1285-F988-4153-B7C5-B887A867730D}" type="slidenum">
               <a:rPr lang="ru-RU" smtClean="0"/>
-              <a:t>10</a:t>
+              <a:t>15</a:t>
             </a:fld>
             <a:endParaRPr lang="ru-RU"/>
           </a:p>
@@ -1124,7 +1035,7 @@
     </p:spTree>
     <p:extLst>
       <p:ext uri="{BB962C8B-B14F-4D97-AF65-F5344CB8AC3E}">
-        <p14:creationId xmlns:p14="http://schemas.microsoft.com/office/powerpoint/2010/main" val="2030665243"/>
+        <p14:creationId xmlns:p14="http://schemas.microsoft.com/office/powerpoint/2010/main" val="103557550"/>
       </p:ext>
     </p:extLst>
   </p:cSld>
@@ -1204,7 +1115,7 @@
           <a:p>
             <a:fld id="{C72A1285-F988-4153-B7C5-B887A867730D}" type="slidenum">
               <a:rPr lang="ru-RU" smtClean="0"/>
-              <a:t>15</a:t>
+              <a:t>20</a:t>
             </a:fld>
             <a:endParaRPr lang="ru-RU"/>
           </a:p>
@@ -1213,7 +1124,7 @@
     </p:spTree>
     <p:extLst>
       <p:ext uri="{BB962C8B-B14F-4D97-AF65-F5344CB8AC3E}">
-        <p14:creationId xmlns:p14="http://schemas.microsoft.com/office/powerpoint/2010/main" val="103557550"/>
+        <p14:creationId xmlns:p14="http://schemas.microsoft.com/office/powerpoint/2010/main" val="1339744007"/>
       </p:ext>
     </p:extLst>
   </p:cSld>
@@ -1293,7 +1204,7 @@
           <a:p>
             <a:fld id="{C72A1285-F988-4153-B7C5-B887A867730D}" type="slidenum">
               <a:rPr lang="ru-RU" smtClean="0"/>
-              <a:t>20</a:t>
+              <a:t>23</a:t>
             </a:fld>
             <a:endParaRPr lang="ru-RU"/>
           </a:p>
@@ -1302,7 +1213,7 @@
     </p:spTree>
     <p:extLst>
       <p:ext uri="{BB962C8B-B14F-4D97-AF65-F5344CB8AC3E}">
-        <p14:creationId xmlns:p14="http://schemas.microsoft.com/office/powerpoint/2010/main" val="1339744007"/>
+        <p14:creationId xmlns:p14="http://schemas.microsoft.com/office/powerpoint/2010/main" val="662480182"/>
       </p:ext>
     </p:extLst>
   </p:cSld>
@@ -1382,7 +1293,7 @@
           <a:p>
             <a:fld id="{C72A1285-F988-4153-B7C5-B887A867730D}" type="slidenum">
               <a:rPr lang="ru-RU" smtClean="0"/>
-              <a:t>23</a:t>
+              <a:t>38</a:t>
             </a:fld>
             <a:endParaRPr lang="ru-RU"/>
           </a:p>
@@ -1391,7 +1302,7 @@
     </p:spTree>
     <p:extLst>
       <p:ext uri="{BB962C8B-B14F-4D97-AF65-F5344CB8AC3E}">
-        <p14:creationId xmlns:p14="http://schemas.microsoft.com/office/powerpoint/2010/main" val="662480182"/>
+        <p14:creationId xmlns:p14="http://schemas.microsoft.com/office/powerpoint/2010/main" val="742136110"/>
       </p:ext>
     </p:extLst>
   </p:cSld>
@@ -4636,6 +4547,36 @@
           <a:chExt cx="0" cy="0"/>
         </a:xfrm>
       </p:grpSpPr>
+      <p:pic>
+        <p:nvPicPr>
+          <p:cNvPr id="5" name="Picture 4">
+            <a:extLst>
+              <a:ext uri="{FF2B5EF4-FFF2-40B4-BE49-F238E27FC236}">
+                <a16:creationId xmlns:a16="http://schemas.microsoft.com/office/drawing/2014/main" id="{754E85F0-DCD6-42D1-0560-0E0070092A4A}"/>
+              </a:ext>
+            </a:extLst>
+          </p:cNvPr>
+          <p:cNvPicPr>
+            <a:picLocks noChangeAspect="1"/>
+          </p:cNvPicPr>
+          <p:nvPr/>
+        </p:nvPicPr>
+        <p:blipFill>
+          <a:blip r:embed="rId2"/>
+          <a:stretch>
+            <a:fillRect/>
+          </a:stretch>
+        </p:blipFill>
+        <p:spPr>
+          <a:xfrm>
+            <a:off x="0" y="0"/>
+            <a:ext cx="12191999" cy="6858000"/>
+          </a:xfrm>
+          <a:prstGeom prst="rect">
+            <a:avLst/>
+          </a:prstGeom>
+        </p:spPr>
+      </p:pic>
       <p:sp>
         <p:nvSpPr>
           <p:cNvPr id="2" name="Заголовок 1"/>
@@ -4646,46 +4587,41 @@
             <p:ph type="ctrTitle"/>
           </p:nvPr>
         </p:nvSpPr>
-        <p:spPr/>
+        <p:spPr>
+          <a:xfrm>
+            <a:off x="1524000" y="1122362"/>
+            <a:ext cx="9144000" cy="5042942"/>
+          </a:xfrm>
+        </p:spPr>
         <p:txBody>
-          <a:bodyPr/>
+          <a:bodyPr>
+            <a:noAutofit/>
+          </a:bodyPr>
           <a:lstStyle/>
           <a:p>
             <a:r>
-              <a:rPr lang="ru-RU" dirty="0"/>
-              <a:t>Шаблонный метод (</a:t>
-            </a:r>
-            <a:r>
-              <a:rPr lang="en-US" dirty="0"/>
-              <a:t>Template method)</a:t>
-            </a:r>
-            <a:endParaRPr lang="ru-RU" dirty="0"/>
-          </a:p>
-        </p:txBody>
-      </p:sp>
-      <p:sp>
-        <p:nvSpPr>
-          <p:cNvPr id="3" name="Подзаголовок 2"/>
-          <p:cNvSpPr>
-            <a:spLocks noGrp="1"/>
-          </p:cNvSpPr>
-          <p:nvPr>
-            <p:ph type="subTitle" idx="1"/>
-          </p:nvPr>
-        </p:nvSpPr>
-        <p:spPr/>
-        <p:txBody>
-          <a:bodyPr/>
-          <a:lstStyle/>
-          <a:p>
-            <a:endParaRPr lang="ru-RU" dirty="0"/>
+              <a:rPr lang="ru-RU" sz="8800" dirty="0">
+                <a:solidFill>
+                  <a:schemeClr val="bg1"/>
+                </a:solidFill>
+                <a:effectLst>
+                  <a:outerShdw blurRad="38100" dist="38100" dir="2700000" algn="tl">
+                    <a:srgbClr val="000000">
+                      <a:alpha val="43137"/>
+                    </a:srgbClr>
+                  </a:outerShdw>
+                </a:effectLst>
+                <a:latin typeface="Impact" panose="020B0806030902050204" pitchFamily="34" charset="0"/>
+              </a:rPr>
+              <a:t>Паттерн проектирования «Шаблонный метод»</a:t>
+            </a:r>
           </a:p>
         </p:txBody>
       </p:sp>
     </p:spTree>
     <p:extLst>
       <p:ext uri="{BB962C8B-B14F-4D97-AF65-F5344CB8AC3E}">
-        <p14:creationId xmlns:p14="http://schemas.microsoft.com/office/powerpoint/2010/main" val="4239331289"/>
+        <p14:creationId xmlns:p14="http://schemas.microsoft.com/office/powerpoint/2010/main" val="1393050759"/>
       </p:ext>
     </p:extLst>
   </p:cSld>
@@ -8609,7 +8545,7 @@
             </a:pPr>
             <a:r>
               <a:rPr lang="ru-RU" dirty="0"/>
-              <a:t>Добавить</a:t>
+              <a:t>Добавить дополнения</a:t>
             </a:r>
           </a:p>
           <a:p>
@@ -12247,7 +12183,7 @@
                             </p:stCondLst>
                             <p:childTnLst>
                               <p:par>
-                                <p:cTn id="10" presetID="10" presetClass="entr" presetSubtype="0" fill="hold" nodeType="clickEffect">
+                                <p:cTn id="10" presetID="10" presetClass="entr" presetSubtype="0" fill="hold" grpId="0" nodeType="clickEffect">
                                   <p:stCondLst>
                                     <p:cond delay="0"/>
                                   </p:stCondLst>
@@ -12289,6 +12225,49 @@
                                   </p:childTnLst>
                                 </p:cTn>
                               </p:par>
+                              <p:par>
+                                <p:cTn id="13" presetID="10" presetClass="entr" presetSubtype="0" fill="hold" grpId="0" nodeType="withEffect">
+                                  <p:stCondLst>
+                                    <p:cond delay="0"/>
+                                  </p:stCondLst>
+                                  <p:childTnLst>
+                                    <p:set>
+                                      <p:cBhvr>
+                                        <p:cTn id="14" dur="1" fill="hold">
+                                          <p:stCondLst>
+                                            <p:cond delay="0"/>
+                                          </p:stCondLst>
+                                        </p:cTn>
+                                        <p:tgtEl>
+                                          <p:spTgt spid="7">
+                                            <p:txEl>
+                                              <p:pRg st="1" end="1"/>
+                                            </p:txEl>
+                                          </p:spTgt>
+                                        </p:tgtEl>
+                                        <p:attrNameLst>
+                                          <p:attrName>style.visibility</p:attrName>
+                                        </p:attrNameLst>
+                                      </p:cBhvr>
+                                      <p:to>
+                                        <p:strVal val="visible"/>
+                                      </p:to>
+                                    </p:set>
+                                    <p:animEffect transition="in" filter="fade">
+                                      <p:cBhvr>
+                                        <p:cTn id="15" dur="500"/>
+                                        <p:tgtEl>
+                                          <p:spTgt spid="7">
+                                            <p:txEl>
+                                              <p:pRg st="1" end="1"/>
+                                            </p:txEl>
+                                          </p:spTgt>
+                                        </p:tgtEl>
+                                      </p:cBhvr>
+                                    </p:animEffect>
+                                  </p:childTnLst>
+                                </p:cTn>
+                              </p:par>
                             </p:childTnLst>
                           </p:cTn>
                         </p:par>
@@ -12296,26 +12275,26 @@
                     </p:cTn>
                   </p:par>
                   <p:par>
-                    <p:cTn id="13" fill="hold">
+                    <p:cTn id="16" fill="hold">
                       <p:stCondLst>
                         <p:cond delay="indefinite"/>
                       </p:stCondLst>
                       <p:childTnLst>
                         <p:par>
-                          <p:cTn id="14" fill="hold">
+                          <p:cTn id="17" fill="hold">
                             <p:stCondLst>
                               <p:cond delay="0"/>
                             </p:stCondLst>
                             <p:childTnLst>
                               <p:par>
-                                <p:cTn id="15" presetID="10" presetClass="entr" presetSubtype="0" fill="hold" nodeType="clickEffect">
+                                <p:cTn id="18" presetID="10" presetClass="entr" presetSubtype="0" fill="hold" nodeType="clickEffect">
                                   <p:stCondLst>
                                     <p:cond delay="0"/>
                                   </p:stCondLst>
                                   <p:childTnLst>
                                     <p:set>
                                       <p:cBhvr>
-                                        <p:cTn id="16" dur="1" fill="hold">
+                                        <p:cTn id="19" dur="1" fill="hold">
                                           <p:stCondLst>
                                             <p:cond delay="0"/>
                                           </p:stCondLst>
@@ -12337,7 +12316,7 @@
                                     </p:set>
                                     <p:animEffect transition="in" filter="fade">
                                       <p:cBhvr>
-                                        <p:cTn id="17" dur="500"/>
+                                        <p:cTn id="20" dur="500"/>
                                         <p:tgtEl>
                                           <p:spTgt spid="5">
                                             <p:txEl>
@@ -12357,26 +12336,26 @@
                     </p:cTn>
                   </p:par>
                   <p:par>
-                    <p:cTn id="18" fill="hold">
+                    <p:cTn id="21" fill="hold">
                       <p:stCondLst>
                         <p:cond delay="indefinite"/>
                       </p:stCondLst>
                       <p:childTnLst>
                         <p:par>
-                          <p:cTn id="19" fill="hold">
+                          <p:cTn id="22" fill="hold">
                             <p:stCondLst>
                               <p:cond delay="0"/>
                             </p:stCondLst>
                             <p:childTnLst>
                               <p:par>
-                                <p:cTn id="20" presetID="10" presetClass="entr" presetSubtype="0" fill="hold" nodeType="clickEffect">
+                                <p:cTn id="23" presetID="10" presetClass="entr" presetSubtype="0" fill="hold" grpId="0" nodeType="clickEffect">
                                   <p:stCondLst>
                                     <p:cond delay="0"/>
                                   </p:stCondLst>
                                   <p:childTnLst>
                                     <p:set>
                                       <p:cBhvr>
-                                        <p:cTn id="21" dur="1" fill="hold">
+                                        <p:cTn id="24" dur="1" fill="hold">
                                           <p:stCondLst>
                                             <p:cond delay="0"/>
                                           </p:stCondLst>
@@ -12398,11 +12377,54 @@
                                     </p:set>
                                     <p:animEffect transition="in" filter="fade">
                                       <p:cBhvr>
-                                        <p:cTn id="22" dur="500"/>
+                                        <p:cTn id="25" dur="500"/>
                                         <p:tgtEl>
                                           <p:spTgt spid="7">
                                             <p:txEl>
                                               <p:pRg st="2" end="2"/>
+                                            </p:txEl>
+                                          </p:spTgt>
+                                        </p:tgtEl>
+                                      </p:cBhvr>
+                                    </p:animEffect>
+                                  </p:childTnLst>
+                                </p:cTn>
+                              </p:par>
+                              <p:par>
+                                <p:cTn id="26" presetID="10" presetClass="entr" presetSubtype="0" fill="hold" grpId="0" nodeType="withEffect">
+                                  <p:stCondLst>
+                                    <p:cond delay="0"/>
+                                  </p:stCondLst>
+                                  <p:childTnLst>
+                                    <p:set>
+                                      <p:cBhvr>
+                                        <p:cTn id="27" dur="1" fill="hold">
+                                          <p:stCondLst>
+                                            <p:cond delay="0"/>
+                                          </p:stCondLst>
+                                        </p:cTn>
+                                        <p:tgtEl>
+                                          <p:spTgt spid="7">
+                                            <p:txEl>
+                                              <p:pRg st="3" end="3"/>
+                                            </p:txEl>
+                                          </p:spTgt>
+                                        </p:tgtEl>
+                                        <p:attrNameLst>
+                                          <p:attrName>style.visibility</p:attrName>
+                                        </p:attrNameLst>
+                                      </p:cBhvr>
+                                      <p:to>
+                                        <p:strVal val="visible"/>
+                                      </p:to>
+                                    </p:set>
+                                    <p:animEffect transition="in" filter="fade">
+                                      <p:cBhvr>
+                                        <p:cTn id="28" dur="500"/>
+                                        <p:tgtEl>
+                                          <p:spTgt spid="7">
+                                            <p:txEl>
+                                              <p:pRg st="3" end="3"/>
                                             </p:txEl>
                                           </p:spTgt>
                                         </p:tgtEl>
@@ -12438,6 +12460,9 @@
         </p:cTn>
       </p:par>
     </p:tnLst>
+    <p:bldLst>
+      <p:bldP spid="7" grpId="0" uiExpand="1" build="p"/>
+    </p:bldLst>
   </p:timing>
 </p:sld>
 </file>

--- a/lectures/08.template-method/template-method.pptx
+++ b/lectures/08.template-method/template-method.pptx
@@ -257,7 +257,7 @@
           <a:p>
             <a:fld id="{2F3DCB6D-0B48-4A3D-B663-06C3F903A9D3}" type="datetimeFigureOut">
               <a:rPr lang="ru-RU" smtClean="0"/>
-              <a:t>02.10.2025</a:t>
+              <a:t>25.10.2025</a:t>
             </a:fld>
             <a:endParaRPr lang="ru-RU"/>
           </a:p>
@@ -2393,115 +2393,7 @@
           <a:bodyPr/>
           <a:lstStyle/>
           <a:p>
-            <a:r>
-              <a:rPr lang="ru-RU" dirty="0"/>
-              <a:t>Non-Virtual Interface — идиома (часто приписывают Гербу Саттеру), которая прячет виртуальность за невиртуальным публичным методом. Клиенты всегда вызывают стабильный </a:t>
-            </a:r>
-            <a:r>
-              <a:rPr lang="ru-RU" sz="1200" kern="1200" dirty="0" err="1">
-                <a:solidFill>
-                  <a:schemeClr val="tx1"/>
-                </a:solidFill>
-                <a:latin typeface="+mn-lt"/>
-                <a:ea typeface="+mn-ea"/>
-                <a:cs typeface="+mn-cs"/>
-              </a:rPr>
-              <a:t>PublicMethod</a:t>
-            </a:r>
-            <a:r>
-              <a:rPr lang="ru-RU" sz="1200" kern="1200" dirty="0">
-                <a:solidFill>
-                  <a:schemeClr val="tx1"/>
-                </a:solidFill>
-                <a:latin typeface="+mn-lt"/>
-                <a:ea typeface="+mn-ea"/>
-                <a:cs typeface="+mn-cs"/>
-              </a:rPr>
-              <a:t>()</a:t>
-            </a:r>
-            <a:r>
-              <a:rPr lang="ru-RU" dirty="0"/>
-              <a:t>. Этот метод централизует инфраструктуру: проверяет предусловия, ставит мьютекс, пишет логи/метрики, нормализует ошибки. Только после этого он делегирует реальную работу в </a:t>
-            </a:r>
-            <a:r>
-              <a:rPr lang="ru-RU" sz="1200" kern="1200" dirty="0" err="1">
-                <a:solidFill>
-                  <a:schemeClr val="tx1"/>
-                </a:solidFill>
-                <a:latin typeface="+mn-lt"/>
-                <a:ea typeface="+mn-ea"/>
-                <a:cs typeface="+mn-cs"/>
-              </a:rPr>
-              <a:t>protected</a:t>
-            </a:r>
-            <a:r>
-              <a:rPr lang="ru-RU" sz="1200" kern="1200" dirty="0">
-                <a:solidFill>
-                  <a:schemeClr val="tx1"/>
-                </a:solidFill>
-                <a:latin typeface="+mn-lt"/>
-                <a:ea typeface="+mn-ea"/>
-                <a:cs typeface="+mn-cs"/>
-              </a:rPr>
-              <a:t> </a:t>
-            </a:r>
-            <a:r>
-              <a:rPr lang="ru-RU" sz="1200" kern="1200" dirty="0" err="1">
-                <a:solidFill>
-                  <a:schemeClr val="tx1"/>
-                </a:solidFill>
-                <a:latin typeface="+mn-lt"/>
-                <a:ea typeface="+mn-ea"/>
-                <a:cs typeface="+mn-cs"/>
-              </a:rPr>
-              <a:t>virtual</a:t>
-            </a:r>
-            <a:r>
-              <a:rPr lang="ru-RU" sz="1200" kern="1200" dirty="0">
-                <a:solidFill>
-                  <a:schemeClr val="tx1"/>
-                </a:solidFill>
-                <a:latin typeface="+mn-lt"/>
-                <a:ea typeface="+mn-ea"/>
-                <a:cs typeface="+mn-cs"/>
-              </a:rPr>
-              <a:t> </a:t>
-            </a:r>
-            <a:r>
-              <a:rPr lang="ru-RU" sz="1200" kern="1200" dirty="0" err="1">
-                <a:solidFill>
-                  <a:schemeClr val="tx1"/>
-                </a:solidFill>
-                <a:latin typeface="+mn-lt"/>
-                <a:ea typeface="+mn-ea"/>
-                <a:cs typeface="+mn-cs"/>
-              </a:rPr>
-              <a:t>DoWork</a:t>
-            </a:r>
-            <a:r>
-              <a:rPr lang="ru-RU" sz="1200" kern="1200" dirty="0">
-                <a:solidFill>
-                  <a:schemeClr val="tx1"/>
-                </a:solidFill>
-                <a:latin typeface="+mn-lt"/>
-                <a:ea typeface="+mn-ea"/>
-                <a:cs typeface="+mn-cs"/>
-              </a:rPr>
-              <a:t>()</a:t>
-            </a:r>
-            <a:r>
-              <a:rPr lang="ru-RU" dirty="0"/>
-              <a:t>. Наследники переопределяют </a:t>
-            </a:r>
-            <a:r>
-              <a:rPr lang="ru-RU" b="1" dirty="0"/>
-              <a:t>только</a:t>
-            </a:r>
-            <a:r>
-              <a:rPr lang="ru-RU" dirty="0"/>
-              <a:t> «чистую» бизнес-часть, не касаясь политики вызова.</a:t>
-            </a:r>
-            <a:endParaRPr lang="en-US" dirty="0"/>
+            <a:endParaRPr lang="en-US"/>
           </a:p>
         </p:txBody>
       </p:sp>
@@ -2522,7 +2414,7 @@
           <a:p>
             <a:fld id="{C72A1285-F988-4153-B7C5-B887A867730D}" type="slidenum">
               <a:rPr lang="ru-RU" smtClean="0"/>
-              <a:t>29</a:t>
+              <a:t>28</a:t>
             </a:fld>
             <a:endParaRPr lang="ru-RU"/>
           </a:p>
@@ -2531,7 +2423,7 @@
     </p:spTree>
     <p:extLst>
       <p:ext uri="{BB962C8B-B14F-4D97-AF65-F5344CB8AC3E}">
-        <p14:creationId xmlns:p14="http://schemas.microsoft.com/office/powerpoint/2010/main" val="1619307506"/>
+        <p14:creationId xmlns:p14="http://schemas.microsoft.com/office/powerpoint/2010/main" val="2383011405"/>
       </p:ext>
     </p:extLst>
   </p:cSld>
@@ -2586,18 +2478,11 @@
           <a:lstStyle/>
           <a:p>
             <a:r>
-              <a:rPr lang="ru-RU" b="1" dirty="0"/>
-              <a:t>Зачем это нужно.</a:t>
-            </a:r>
-            <a:br>
               <a:rPr lang="ru-RU" dirty="0"/>
-            </a:br>
-            <a:r>
-              <a:rPr lang="ru-RU" dirty="0"/>
-              <a:t>Без NVI одно и то же обрамление (валидация, блокировка, логирование) расползается по всем наследникам — растёт дублирование и риск, что один из классов забудет что-то сделать. NVI централизует критичные требования: «каждый </a:t>
-            </a:r>
-            <a:r>
-              <a:rPr lang="ru-RU" sz="1200" kern="1200" dirty="0">
+              <a:t>Non-Virtual Interface — идиома (часто приписывают Гербу Саттеру), которая прячет виртуальность за невиртуальным публичным методом. Клиенты всегда вызывают стабильный </a:t>
+            </a:r>
+            <a:r>
+              <a:rPr lang="ru-RU" sz="1200" kern="1200" dirty="0" err="1">
                 <a:solidFill>
                   <a:schemeClr val="tx1"/>
                 </a:solidFill>
@@ -2605,27 +2490,100 @@
                 <a:ea typeface="+mn-ea"/>
                 <a:cs typeface="+mn-cs"/>
               </a:rPr>
-              <a:t>Save()</a:t>
+              <a:t>PublicMethod</a:t>
+            </a:r>
+            <a:r>
+              <a:rPr lang="ru-RU" sz="1200" kern="1200" dirty="0">
+                <a:solidFill>
+                  <a:schemeClr val="tx1"/>
+                </a:solidFill>
+                <a:latin typeface="+mn-lt"/>
+                <a:ea typeface="+mn-ea"/>
+                <a:cs typeface="+mn-cs"/>
+              </a:rPr>
+              <a:t>()</a:t>
             </a:r>
             <a:r>
               <a:rPr lang="ru-RU" dirty="0"/>
-              <a:t> всегда </a:t>
-            </a:r>
-            <a:r>
-              <a:rPr lang="ru-RU" dirty="0" err="1"/>
-              <a:t>потокобезопасен</a:t>
+              <a:t>. Этот метод централизует инфраструктуру: проверяет предусловия, ставит мьютекс, пишет логи/метрики, нормализует ошибки. Только после этого он делегирует реальную работу в </a:t>
+            </a:r>
+            <a:r>
+              <a:rPr lang="ru-RU" sz="1200" kern="1200" dirty="0" err="1">
+                <a:solidFill>
+                  <a:schemeClr val="tx1"/>
+                </a:solidFill>
+                <a:latin typeface="+mn-lt"/>
+                <a:ea typeface="+mn-ea"/>
+                <a:cs typeface="+mn-cs"/>
+              </a:rPr>
+              <a:t>protected</a:t>
+            </a:r>
+            <a:r>
+              <a:rPr lang="ru-RU" sz="1200" kern="1200" dirty="0">
+                <a:solidFill>
+                  <a:schemeClr val="tx1"/>
+                </a:solidFill>
+                <a:latin typeface="+mn-lt"/>
+                <a:ea typeface="+mn-ea"/>
+                <a:cs typeface="+mn-cs"/>
+              </a:rPr>
+              <a:t> </a:t>
+            </a:r>
+            <a:r>
+              <a:rPr lang="ru-RU" sz="1200" kern="1200" dirty="0" err="1">
+                <a:solidFill>
+                  <a:schemeClr val="tx1"/>
+                </a:solidFill>
+                <a:latin typeface="+mn-lt"/>
+                <a:ea typeface="+mn-ea"/>
+                <a:cs typeface="+mn-cs"/>
+              </a:rPr>
+              <a:t>virtual</a:t>
+            </a:r>
+            <a:r>
+              <a:rPr lang="ru-RU" sz="1200" kern="1200" dirty="0">
+                <a:solidFill>
+                  <a:schemeClr val="tx1"/>
+                </a:solidFill>
+                <a:latin typeface="+mn-lt"/>
+                <a:ea typeface="+mn-ea"/>
+                <a:cs typeface="+mn-cs"/>
+              </a:rPr>
+              <a:t> </a:t>
+            </a:r>
+            <a:r>
+              <a:rPr lang="ru-RU" sz="1200" kern="1200" dirty="0" err="1">
+                <a:solidFill>
+                  <a:schemeClr val="tx1"/>
+                </a:solidFill>
+                <a:latin typeface="+mn-lt"/>
+                <a:ea typeface="+mn-ea"/>
+                <a:cs typeface="+mn-cs"/>
+              </a:rPr>
+              <a:t>DoWork</a:t>
+            </a:r>
+            <a:r>
+              <a:rPr lang="ru-RU" sz="1200" kern="1200" dirty="0">
+                <a:solidFill>
+                  <a:schemeClr val="tx1"/>
+                </a:solidFill>
+                <a:latin typeface="+mn-lt"/>
+                <a:ea typeface="+mn-ea"/>
+                <a:cs typeface="+mn-cs"/>
+              </a:rPr>
+              <a:t>()</a:t>
             </a:r>
             <a:r>
               <a:rPr lang="ru-RU" dirty="0"/>
-              <a:t>, валидирован и </a:t>
-            </a:r>
-            <a:r>
-              <a:rPr lang="ru-RU" dirty="0" err="1"/>
-              <a:t>отлогирован</a:t>
+              <a:t>. Наследники переопределяют </a:t>
+            </a:r>
+            <a:r>
+              <a:rPr lang="ru-RU" b="1" dirty="0"/>
+              <a:t>только</a:t>
             </a:r>
             <a:r>
               <a:rPr lang="ru-RU" dirty="0"/>
-              <a:t>».</a:t>
+              <a:t> «чистую» бизнес-часть, не касаясь политики вызова.</a:t>
             </a:r>
             <a:endParaRPr lang="en-US" dirty="0"/>
           </a:p>
@@ -2648,7 +2606,7 @@
           <a:p>
             <a:fld id="{C72A1285-F988-4153-B7C5-B887A867730D}" type="slidenum">
               <a:rPr lang="ru-RU" smtClean="0"/>
-              <a:t>30</a:t>
+              <a:t>29</a:t>
             </a:fld>
             <a:endParaRPr lang="ru-RU"/>
           </a:p>
@@ -2657,7 +2615,7 @@
     </p:spTree>
     <p:extLst>
       <p:ext uri="{BB962C8B-B14F-4D97-AF65-F5344CB8AC3E}">
-        <p14:creationId xmlns:p14="http://schemas.microsoft.com/office/powerpoint/2010/main" val="1029047043"/>
+        <p14:creationId xmlns:p14="http://schemas.microsoft.com/office/powerpoint/2010/main" val="1619307506"/>
       </p:ext>
     </p:extLst>
   </p:cSld>
@@ -2802,61 +2760,17 @@
           <a:p>
             <a:r>
               <a:rPr lang="ru-RU" b="1" dirty="0"/>
-              <a:t>Связь с </a:t>
-            </a:r>
-            <a:r>
-              <a:rPr lang="ru-RU" b="1" dirty="0" err="1"/>
-              <a:t>Template</a:t>
-            </a:r>
-            <a:r>
-              <a:rPr lang="ru-RU" b="1" dirty="0"/>
-              <a:t> </a:t>
-            </a:r>
-            <a:r>
-              <a:rPr lang="ru-RU" b="1" dirty="0" err="1"/>
-              <a:t>Method</a:t>
-            </a:r>
-            <a:r>
-              <a:rPr lang="ru-RU" b="1" dirty="0"/>
-              <a:t>.</a:t>
+              <a:t>Зачем это нужно.</a:t>
             </a:r>
             <a:br>
               <a:rPr lang="ru-RU" dirty="0"/>
             </a:br>
             <a:r>
-              <a:rPr lang="ru-RU" dirty="0" err="1"/>
-              <a:t>Template</a:t>
-            </a:r>
-            <a:r>
               <a:rPr lang="ru-RU" dirty="0"/>
-              <a:t> </a:t>
-            </a:r>
-            <a:r>
-              <a:rPr lang="ru-RU" dirty="0" err="1"/>
-              <a:t>Method</a:t>
-            </a:r>
-            <a:r>
-              <a:rPr lang="ru-RU" dirty="0"/>
-              <a:t> отвечает на вопрос «</a:t>
-            </a:r>
-            <a:r>
-              <a:rPr lang="ru-RU" b="1" dirty="0"/>
-              <a:t>в каком порядке</a:t>
-            </a:r>
-            <a:r>
-              <a:rPr lang="ru-RU" dirty="0"/>
-              <a:t> выполняются шаги алгоритма?» — это про </a:t>
-            </a:r>
-            <a:r>
-              <a:rPr lang="ru-RU" b="1" dirty="0"/>
-              <a:t>структуру</a:t>
-            </a:r>
-            <a:r>
-              <a:rPr lang="ru-RU" dirty="0"/>
-              <a:t>. Публичный «шаблонный метод» может быть как </a:t>
-            </a:r>
-            <a:r>
-              <a:rPr lang="ru-RU" sz="1200" kern="1200" dirty="0" err="1">
+              <a:t>Без NVI одно и то же обрамление (валидация, блокировка, логирование) расползается по всем наследникам — растёт дублирование и риск, что один из классов забудет что-то сделать. NVI централизует критичные требования: «каждый </a:t>
+            </a:r>
+            <a:r>
+              <a:rPr lang="ru-RU" sz="1200" kern="1200" dirty="0">
                 <a:solidFill>
                   <a:schemeClr val="tx1"/>
                 </a:solidFill>
@@ -2864,312 +2778,28 @@
                 <a:ea typeface="+mn-ea"/>
                 <a:cs typeface="+mn-cs"/>
               </a:rPr>
-              <a:t>virtual</a:t>
+              <a:t>Save()</a:t>
             </a:r>
             <a:r>
               <a:rPr lang="ru-RU" dirty="0"/>
-              <a:t>, так и нет (часто — нет, чтобы не ломать скелет).</a:t>
-            </a:r>
-            <a:br>
+              <a:t> всегда </a:t>
+            </a:r>
+            <a:r>
+              <a:rPr lang="ru-RU" dirty="0" err="1"/>
+              <a:t>потокобезопасен</a:t>
+            </a:r>
+            <a:r>
               <a:rPr lang="ru-RU" dirty="0"/>
-            </a:br>
+              <a:t>, валидирован и </a:t>
+            </a:r>
+            <a:r>
+              <a:rPr lang="ru-RU" dirty="0" err="1"/>
+              <a:t>отлогирован</a:t>
+            </a:r>
             <a:r>
               <a:rPr lang="ru-RU" dirty="0"/>
-              <a:t>NVI отвечает на вопрос «</a:t>
-            </a:r>
-            <a:r>
-              <a:rPr lang="ru-RU" b="1" dirty="0"/>
-              <a:t>как</a:t>
-            </a:r>
-            <a:r>
-              <a:rPr lang="ru-RU" dirty="0"/>
-              <a:t> мы окружили вызов инфраструктурой и политиками?» — это про </a:t>
-            </a:r>
-            <a:r>
-              <a:rPr lang="ru-RU" b="1" dirty="0"/>
-              <a:t>контракт</a:t>
-            </a:r>
-            <a:r>
-              <a:rPr lang="ru-RU" dirty="0"/>
-              <a:t>. В терминах кода, NVI — это «внешняя обёртка», внутри которой может жить 0, 1 или несколько виртуальных шагов. Иногда внутри NVI естественно получается маленький </a:t>
-            </a:r>
-            <a:r>
-              <a:rPr lang="ru-RU" dirty="0" err="1"/>
-              <a:t>Template</a:t>
-            </a:r>
-            <a:r>
-              <a:rPr lang="ru-RU" dirty="0"/>
-              <a:t> </a:t>
-            </a:r>
-            <a:r>
-              <a:rPr lang="ru-RU" dirty="0" err="1"/>
-              <a:t>Method</a:t>
-            </a:r>
-            <a:r>
-              <a:rPr lang="ru-RU" dirty="0"/>
-              <a:t> (последовательность </a:t>
-            </a:r>
-            <a:r>
-              <a:rPr lang="ru-RU" sz="1200" kern="1200" dirty="0" err="1">
-                <a:solidFill>
-                  <a:schemeClr val="tx1"/>
-                </a:solidFill>
-                <a:latin typeface="+mn-lt"/>
-                <a:ea typeface="+mn-ea"/>
-                <a:cs typeface="+mn-cs"/>
-              </a:rPr>
-              <a:t>Pre</a:t>
-            </a:r>
-            <a:r>
-              <a:rPr lang="ru-RU" sz="1200" kern="1200" dirty="0">
-                <a:solidFill>
-                  <a:schemeClr val="tx1"/>
-                </a:solidFill>
-                <a:latin typeface="+mn-lt"/>
-                <a:ea typeface="+mn-ea"/>
-                <a:cs typeface="+mn-cs"/>
-              </a:rPr>
-              <a:t> → </a:t>
-            </a:r>
-            <a:r>
-              <a:rPr lang="ru-RU" sz="1200" kern="1200" dirty="0" err="1">
-                <a:solidFill>
-                  <a:schemeClr val="tx1"/>
-                </a:solidFill>
-                <a:latin typeface="+mn-lt"/>
-                <a:ea typeface="+mn-ea"/>
-                <a:cs typeface="+mn-cs"/>
-              </a:rPr>
-              <a:t>DoX</a:t>
-            </a:r>
-            <a:r>
-              <a:rPr lang="ru-RU" sz="1200" kern="1200" dirty="0">
-                <a:solidFill>
-                  <a:schemeClr val="tx1"/>
-                </a:solidFill>
-                <a:latin typeface="+mn-lt"/>
-                <a:ea typeface="+mn-ea"/>
-                <a:cs typeface="+mn-cs"/>
-              </a:rPr>
-              <a:t> → </a:t>
-            </a:r>
-            <a:r>
-              <a:rPr lang="ru-RU" sz="1200" kern="1200" dirty="0" err="1">
-                <a:solidFill>
-                  <a:schemeClr val="tx1"/>
-                </a:solidFill>
-                <a:latin typeface="+mn-lt"/>
-                <a:ea typeface="+mn-ea"/>
-                <a:cs typeface="+mn-cs"/>
-              </a:rPr>
-              <a:t>DoY</a:t>
-            </a:r>
-            <a:r>
-              <a:rPr lang="ru-RU" sz="1200" kern="1200" dirty="0">
-                <a:solidFill>
-                  <a:schemeClr val="tx1"/>
-                </a:solidFill>
-                <a:latin typeface="+mn-lt"/>
-                <a:ea typeface="+mn-ea"/>
-                <a:cs typeface="+mn-cs"/>
-              </a:rPr>
-              <a:t> → Post</a:t>
-            </a:r>
-            <a:r>
-              <a:rPr lang="ru-RU" dirty="0"/>
-              <a:t>). Но отличие акцента важно: </a:t>
-            </a:r>
-            <a:r>
-              <a:rPr lang="ru-RU" dirty="0" err="1"/>
-              <a:t>Template</a:t>
-            </a:r>
-            <a:r>
-              <a:rPr lang="ru-RU" dirty="0"/>
-              <a:t> </a:t>
-            </a:r>
-            <a:r>
-              <a:rPr lang="ru-RU" dirty="0" err="1"/>
-              <a:t>Method</a:t>
-            </a:r>
-            <a:r>
-              <a:rPr lang="ru-RU" dirty="0"/>
-              <a:t> — «скелет», NVI — «охранник дверей».</a:t>
-            </a:r>
-            <a:endParaRPr lang="en-US" dirty="0"/>
-          </a:p>
-          <a:p>
-            <a:r>
-              <a:rPr lang="ru-RU" b="1" dirty="0"/>
-              <a:t>Когда применять NVI.</a:t>
-            </a:r>
-            <a:endParaRPr lang="ru-RU" dirty="0"/>
-          </a:p>
-          <a:p>
-            <a:r>
-              <a:rPr lang="ru-RU" dirty="0" err="1"/>
-              <a:t>Потокобезопасность</a:t>
-            </a:r>
-            <a:r>
-              <a:rPr lang="ru-RU" dirty="0"/>
-              <a:t>: берём мьютекс в публичном методе, а переопределяемый шаг не обязан знать о синхронизации.</a:t>
-            </a:r>
-          </a:p>
-          <a:p>
-            <a:r>
-              <a:rPr lang="ru-RU" dirty="0"/>
-              <a:t>Исключения: единая стратегия — </a:t>
-            </a:r>
-            <a:r>
-              <a:rPr lang="ru-RU" dirty="0" err="1"/>
-              <a:t>логируем</a:t>
-            </a:r>
-            <a:r>
-              <a:rPr lang="ru-RU" dirty="0"/>
-              <a:t>, трансформируем и/или повторно бросаем.</a:t>
-            </a:r>
-          </a:p>
-          <a:p>
-            <a:r>
-              <a:rPr lang="ru-RU" dirty="0"/>
-              <a:t>Контракты/валидация: проверка аргументов, состояния объекта до и после.</a:t>
-            </a:r>
-          </a:p>
-          <a:p>
-            <a:r>
-              <a:rPr lang="ru-RU" dirty="0"/>
-              <a:t>Транзакции/ресурсы: начинаем транзакцию, делегируем работу, коммит/</a:t>
-            </a:r>
-            <a:r>
-              <a:rPr lang="ru-RU" dirty="0" err="1"/>
-              <a:t>роллбек</a:t>
-            </a:r>
-            <a:r>
-              <a:rPr lang="ru-RU" dirty="0"/>
-              <a:t> — всё в одном месте.</a:t>
-            </a:r>
-          </a:p>
-          <a:p>
-            <a:r>
-              <a:rPr lang="ru-RU" dirty="0" err="1"/>
-              <a:t>Версионирование</a:t>
-            </a:r>
-            <a:r>
-              <a:rPr lang="ru-RU" dirty="0"/>
-              <a:t> API: публичная оболочка стабильна, внутренняя реализация может меняться.</a:t>
-            </a:r>
-            <a:endParaRPr lang="en-US" dirty="0"/>
-          </a:p>
-          <a:p>
-            <a:r>
-              <a:rPr lang="ru-RU" b="1" dirty="0"/>
-              <a:t>Подводные камни.</a:t>
-            </a:r>
-            <a:endParaRPr lang="ru-RU" dirty="0"/>
-          </a:p>
-          <a:p>
-            <a:r>
-              <a:rPr lang="ru-RU" dirty="0"/>
-              <a:t>Не делайте публичные виртуальные «объездные» методы — клиенты начнут их вызывать и обходить политику NVI.</a:t>
-            </a:r>
-          </a:p>
-          <a:p>
-            <a:r>
-              <a:rPr lang="ru-RU" dirty="0"/>
-              <a:t>Держите </a:t>
-            </a:r>
-            <a:r>
-              <a:rPr lang="ru-RU" sz="1200" kern="1200" dirty="0" err="1">
-                <a:solidFill>
-                  <a:schemeClr val="tx1"/>
-                </a:solidFill>
-                <a:latin typeface="+mn-lt"/>
-                <a:ea typeface="+mn-ea"/>
-                <a:cs typeface="+mn-cs"/>
-              </a:rPr>
-              <a:t>virtual</a:t>
-            </a:r>
-            <a:r>
-              <a:rPr lang="ru-RU" dirty="0"/>
-              <a:t> методы </a:t>
-            </a:r>
-            <a:r>
-              <a:rPr lang="ru-RU" sz="1200" kern="1200" dirty="0" err="1">
-                <a:solidFill>
-                  <a:schemeClr val="tx1"/>
-                </a:solidFill>
-                <a:latin typeface="+mn-lt"/>
-                <a:ea typeface="+mn-ea"/>
-                <a:cs typeface="+mn-cs"/>
-              </a:rPr>
-              <a:t>protected</a:t>
-            </a:r>
-            <a:r>
-              <a:rPr lang="ru-RU" dirty="0"/>
-              <a:t>/</a:t>
-            </a:r>
-            <a:r>
-              <a:rPr lang="ru-RU" sz="1200" kern="1200" dirty="0" err="1">
-                <a:solidFill>
-                  <a:schemeClr val="tx1"/>
-                </a:solidFill>
-                <a:latin typeface="+mn-lt"/>
-                <a:ea typeface="+mn-ea"/>
-                <a:cs typeface="+mn-cs"/>
-              </a:rPr>
-              <a:t>private</a:t>
-            </a:r>
-            <a:r>
-              <a:rPr lang="ru-RU" dirty="0"/>
-              <a:t>, чтобы запретить прямые вызовы.</a:t>
-            </a:r>
-          </a:p>
-          <a:p>
-            <a:r>
-              <a:rPr lang="ru-RU" dirty="0"/>
-              <a:t>Документируйте контракт публичного метода: что гарантируется всегда (</a:t>
-            </a:r>
-            <a:r>
-              <a:rPr lang="ru-RU" dirty="0" err="1"/>
-              <a:t>потокобезопасность</a:t>
-            </a:r>
-            <a:r>
-              <a:rPr lang="ru-RU" dirty="0"/>
-              <a:t>, отсутствие исключений наружу и т.п.).</a:t>
-            </a:r>
-          </a:p>
-          <a:p>
-            <a:r>
-              <a:rPr lang="ru-RU" dirty="0"/>
-              <a:t>В многопоточности старайтесь, чтобы </a:t>
-            </a:r>
-            <a:r>
-              <a:rPr lang="ru-RU" sz="1200" kern="1200" dirty="0" err="1">
-                <a:solidFill>
-                  <a:schemeClr val="tx1"/>
-                </a:solidFill>
-                <a:latin typeface="+mn-lt"/>
-                <a:ea typeface="+mn-ea"/>
-                <a:cs typeface="+mn-cs"/>
-              </a:rPr>
-              <a:t>virtual</a:t>
-            </a:r>
-            <a:r>
-              <a:rPr lang="ru-RU" dirty="0"/>
-              <a:t> шаги не звали обратно публичные методы (риск </a:t>
-            </a:r>
-            <a:r>
-              <a:rPr lang="ru-RU" dirty="0" err="1"/>
-              <a:t>дедлоков</a:t>
-            </a:r>
-            <a:r>
-              <a:rPr lang="ru-RU" dirty="0"/>
-              <a:t>).</a:t>
-            </a:r>
-          </a:p>
-          <a:p>
-            <a:endParaRPr lang="ru-RU" dirty="0"/>
-          </a:p>
-          <a:p>
+              <a:t>».</a:t>
+            </a:r>
             <a:endParaRPr lang="en-US" dirty="0"/>
           </a:p>
         </p:txBody>
@@ -3191,7 +2821,7 @@
           <a:p>
             <a:fld id="{C72A1285-F988-4153-B7C5-B887A867730D}" type="slidenum">
               <a:rPr lang="ru-RU" smtClean="0"/>
-              <a:t>31</a:t>
+              <a:t>30</a:t>
             </a:fld>
             <a:endParaRPr lang="ru-RU"/>
           </a:p>
@@ -3200,7 +2830,7 @@
     </p:spTree>
     <p:extLst>
       <p:ext uri="{BB962C8B-B14F-4D97-AF65-F5344CB8AC3E}">
-        <p14:creationId xmlns:p14="http://schemas.microsoft.com/office/powerpoint/2010/main" val="2958624744"/>
+        <p14:creationId xmlns:p14="http://schemas.microsoft.com/office/powerpoint/2010/main" val="1029047043"/>
       </p:ext>
     </p:extLst>
   </p:cSld>
@@ -3254,7 +2884,377 @@
           <a:bodyPr/>
           <a:lstStyle/>
           <a:p>
-            <a:endParaRPr lang="en-US"/>
+            <a:r>
+              <a:rPr lang="ru-RU" b="1" dirty="0"/>
+              <a:t>Связь с </a:t>
+            </a:r>
+            <a:r>
+              <a:rPr lang="ru-RU" b="1" dirty="0" err="1"/>
+              <a:t>Template</a:t>
+            </a:r>
+            <a:r>
+              <a:rPr lang="ru-RU" b="1" dirty="0"/>
+              <a:t> </a:t>
+            </a:r>
+            <a:r>
+              <a:rPr lang="ru-RU" b="1" dirty="0" err="1"/>
+              <a:t>Method</a:t>
+            </a:r>
+            <a:r>
+              <a:rPr lang="ru-RU" b="1" dirty="0"/>
+              <a:t>.</a:t>
+            </a:r>
+            <a:br>
+              <a:rPr lang="ru-RU" dirty="0"/>
+            </a:br>
+            <a:r>
+              <a:rPr lang="ru-RU" dirty="0" err="1"/>
+              <a:t>Template</a:t>
+            </a:r>
+            <a:r>
+              <a:rPr lang="ru-RU" dirty="0"/>
+              <a:t> </a:t>
+            </a:r>
+            <a:r>
+              <a:rPr lang="ru-RU" dirty="0" err="1"/>
+              <a:t>Method</a:t>
+            </a:r>
+            <a:r>
+              <a:rPr lang="ru-RU" dirty="0"/>
+              <a:t> отвечает на вопрос «</a:t>
+            </a:r>
+            <a:r>
+              <a:rPr lang="ru-RU" b="1" dirty="0"/>
+              <a:t>в каком порядке</a:t>
+            </a:r>
+            <a:r>
+              <a:rPr lang="ru-RU" dirty="0"/>
+              <a:t> выполняются шаги алгоритма?» — это про </a:t>
+            </a:r>
+            <a:r>
+              <a:rPr lang="ru-RU" b="1" dirty="0"/>
+              <a:t>структуру</a:t>
+            </a:r>
+            <a:r>
+              <a:rPr lang="ru-RU" dirty="0"/>
+              <a:t>. Публичный «шаблонный метод» может быть как </a:t>
+            </a:r>
+            <a:r>
+              <a:rPr lang="ru-RU" sz="1200" kern="1200" dirty="0" err="1">
+                <a:solidFill>
+                  <a:schemeClr val="tx1"/>
+                </a:solidFill>
+                <a:latin typeface="+mn-lt"/>
+                <a:ea typeface="+mn-ea"/>
+                <a:cs typeface="+mn-cs"/>
+              </a:rPr>
+              <a:t>virtual</a:t>
+            </a:r>
+            <a:r>
+              <a:rPr lang="ru-RU" dirty="0"/>
+              <a:t>, так и нет (часто — нет, чтобы не ломать скелет).</a:t>
+            </a:r>
+            <a:br>
+              <a:rPr lang="ru-RU" dirty="0"/>
+            </a:br>
+            <a:r>
+              <a:rPr lang="ru-RU" dirty="0"/>
+              <a:t>NVI отвечает на вопрос «</a:t>
+            </a:r>
+            <a:r>
+              <a:rPr lang="ru-RU" b="1" dirty="0"/>
+              <a:t>как</a:t>
+            </a:r>
+            <a:r>
+              <a:rPr lang="ru-RU" dirty="0"/>
+              <a:t> мы окружили вызов инфраструктурой и политиками?» — это про </a:t>
+            </a:r>
+            <a:r>
+              <a:rPr lang="ru-RU" b="1" dirty="0"/>
+              <a:t>контракт</a:t>
+            </a:r>
+            <a:r>
+              <a:rPr lang="ru-RU" dirty="0"/>
+              <a:t>. В терминах кода, NVI — это «внешняя обёртка», внутри которой может жить 0, 1 или несколько виртуальных шагов. Иногда внутри NVI естественно получается маленький </a:t>
+            </a:r>
+            <a:r>
+              <a:rPr lang="ru-RU" dirty="0" err="1"/>
+              <a:t>Template</a:t>
+            </a:r>
+            <a:r>
+              <a:rPr lang="ru-RU" dirty="0"/>
+              <a:t> </a:t>
+            </a:r>
+            <a:r>
+              <a:rPr lang="ru-RU" dirty="0" err="1"/>
+              <a:t>Method</a:t>
+            </a:r>
+            <a:r>
+              <a:rPr lang="ru-RU" dirty="0"/>
+              <a:t> (последовательность </a:t>
+            </a:r>
+            <a:r>
+              <a:rPr lang="ru-RU" sz="1200" kern="1200" dirty="0" err="1">
+                <a:solidFill>
+                  <a:schemeClr val="tx1"/>
+                </a:solidFill>
+                <a:latin typeface="+mn-lt"/>
+                <a:ea typeface="+mn-ea"/>
+                <a:cs typeface="+mn-cs"/>
+              </a:rPr>
+              <a:t>Pre</a:t>
+            </a:r>
+            <a:r>
+              <a:rPr lang="ru-RU" sz="1200" kern="1200" dirty="0">
+                <a:solidFill>
+                  <a:schemeClr val="tx1"/>
+                </a:solidFill>
+                <a:latin typeface="+mn-lt"/>
+                <a:ea typeface="+mn-ea"/>
+                <a:cs typeface="+mn-cs"/>
+              </a:rPr>
+              <a:t> → </a:t>
+            </a:r>
+            <a:r>
+              <a:rPr lang="ru-RU" sz="1200" kern="1200" dirty="0" err="1">
+                <a:solidFill>
+                  <a:schemeClr val="tx1"/>
+                </a:solidFill>
+                <a:latin typeface="+mn-lt"/>
+                <a:ea typeface="+mn-ea"/>
+                <a:cs typeface="+mn-cs"/>
+              </a:rPr>
+              <a:t>DoX</a:t>
+            </a:r>
+            <a:r>
+              <a:rPr lang="ru-RU" sz="1200" kern="1200" dirty="0">
+                <a:solidFill>
+                  <a:schemeClr val="tx1"/>
+                </a:solidFill>
+                <a:latin typeface="+mn-lt"/>
+                <a:ea typeface="+mn-ea"/>
+                <a:cs typeface="+mn-cs"/>
+              </a:rPr>
+              <a:t> → </a:t>
+            </a:r>
+            <a:r>
+              <a:rPr lang="ru-RU" sz="1200" kern="1200" dirty="0" err="1">
+                <a:solidFill>
+                  <a:schemeClr val="tx1"/>
+                </a:solidFill>
+                <a:latin typeface="+mn-lt"/>
+                <a:ea typeface="+mn-ea"/>
+                <a:cs typeface="+mn-cs"/>
+              </a:rPr>
+              <a:t>DoY</a:t>
+            </a:r>
+            <a:r>
+              <a:rPr lang="ru-RU" sz="1200" kern="1200" dirty="0">
+                <a:solidFill>
+                  <a:schemeClr val="tx1"/>
+                </a:solidFill>
+                <a:latin typeface="+mn-lt"/>
+                <a:ea typeface="+mn-ea"/>
+                <a:cs typeface="+mn-cs"/>
+              </a:rPr>
+              <a:t> → Post</a:t>
+            </a:r>
+            <a:r>
+              <a:rPr lang="ru-RU" dirty="0"/>
+              <a:t>). Но отличие акцента важно: </a:t>
+            </a:r>
+            <a:r>
+              <a:rPr lang="ru-RU" dirty="0" err="1"/>
+              <a:t>Template</a:t>
+            </a:r>
+            <a:r>
+              <a:rPr lang="ru-RU" dirty="0"/>
+              <a:t> </a:t>
+            </a:r>
+            <a:r>
+              <a:rPr lang="ru-RU" dirty="0" err="1"/>
+              <a:t>Method</a:t>
+            </a:r>
+            <a:r>
+              <a:rPr lang="ru-RU" dirty="0"/>
+              <a:t> — «скелет», NVI — «охранник дверей».</a:t>
+            </a:r>
+            <a:endParaRPr lang="en-US" dirty="0"/>
+          </a:p>
+          <a:p>
+            <a:r>
+              <a:rPr lang="ru-RU" b="1" dirty="0"/>
+              <a:t>Когда применять NVI.</a:t>
+            </a:r>
+            <a:endParaRPr lang="ru-RU" dirty="0"/>
+          </a:p>
+          <a:p>
+            <a:r>
+              <a:rPr lang="ru-RU" dirty="0" err="1"/>
+              <a:t>Потокобезопасность</a:t>
+            </a:r>
+            <a:r>
+              <a:rPr lang="ru-RU" dirty="0"/>
+              <a:t>: берём мьютекс в публичном методе, а переопределяемый шаг не обязан знать о синхронизации.</a:t>
+            </a:r>
+          </a:p>
+          <a:p>
+            <a:r>
+              <a:rPr lang="ru-RU" dirty="0"/>
+              <a:t>Исключения: единая стратегия — </a:t>
+            </a:r>
+            <a:r>
+              <a:rPr lang="ru-RU" dirty="0" err="1"/>
+              <a:t>логируем</a:t>
+            </a:r>
+            <a:r>
+              <a:rPr lang="ru-RU" dirty="0"/>
+              <a:t>, трансформируем и/или повторно бросаем.</a:t>
+            </a:r>
+          </a:p>
+          <a:p>
+            <a:r>
+              <a:rPr lang="ru-RU" dirty="0"/>
+              <a:t>Контракты/валидация: проверка аргументов, состояния объекта до и после.</a:t>
+            </a:r>
+          </a:p>
+          <a:p>
+            <a:r>
+              <a:rPr lang="ru-RU" dirty="0"/>
+              <a:t>Транзакции/ресурсы: начинаем транзакцию, делегируем работу, коммит/</a:t>
+            </a:r>
+            <a:r>
+              <a:rPr lang="ru-RU" dirty="0" err="1"/>
+              <a:t>роллбек</a:t>
+            </a:r>
+            <a:r>
+              <a:rPr lang="ru-RU" dirty="0"/>
+              <a:t> — всё в одном месте.</a:t>
+            </a:r>
+          </a:p>
+          <a:p>
+            <a:r>
+              <a:rPr lang="ru-RU" dirty="0" err="1"/>
+              <a:t>Версионирование</a:t>
+            </a:r>
+            <a:r>
+              <a:rPr lang="ru-RU" dirty="0"/>
+              <a:t> API: публичная оболочка стабильна, внутренняя реализация может меняться.</a:t>
+            </a:r>
+            <a:endParaRPr lang="en-US" dirty="0"/>
+          </a:p>
+          <a:p>
+            <a:r>
+              <a:rPr lang="ru-RU" b="1" dirty="0"/>
+              <a:t>Подводные камни.</a:t>
+            </a:r>
+            <a:endParaRPr lang="ru-RU" dirty="0"/>
+          </a:p>
+          <a:p>
+            <a:r>
+              <a:rPr lang="ru-RU" dirty="0"/>
+              <a:t>Не делайте публичные виртуальные «объездные» методы — клиенты начнут их вызывать и обходить политику NVI.</a:t>
+            </a:r>
+          </a:p>
+          <a:p>
+            <a:r>
+              <a:rPr lang="ru-RU" dirty="0"/>
+              <a:t>Держите </a:t>
+            </a:r>
+            <a:r>
+              <a:rPr lang="ru-RU" sz="1200" kern="1200" dirty="0" err="1">
+                <a:solidFill>
+                  <a:schemeClr val="tx1"/>
+                </a:solidFill>
+                <a:latin typeface="+mn-lt"/>
+                <a:ea typeface="+mn-ea"/>
+                <a:cs typeface="+mn-cs"/>
+              </a:rPr>
+              <a:t>virtual</a:t>
+            </a:r>
+            <a:r>
+              <a:rPr lang="ru-RU" dirty="0"/>
+              <a:t> методы </a:t>
+            </a:r>
+            <a:r>
+              <a:rPr lang="ru-RU" sz="1200" kern="1200" dirty="0" err="1">
+                <a:solidFill>
+                  <a:schemeClr val="tx1"/>
+                </a:solidFill>
+                <a:latin typeface="+mn-lt"/>
+                <a:ea typeface="+mn-ea"/>
+                <a:cs typeface="+mn-cs"/>
+              </a:rPr>
+              <a:t>protected</a:t>
+            </a:r>
+            <a:r>
+              <a:rPr lang="ru-RU" dirty="0"/>
+              <a:t>/</a:t>
+            </a:r>
+            <a:r>
+              <a:rPr lang="ru-RU" sz="1200" kern="1200" dirty="0" err="1">
+                <a:solidFill>
+                  <a:schemeClr val="tx1"/>
+                </a:solidFill>
+                <a:latin typeface="+mn-lt"/>
+                <a:ea typeface="+mn-ea"/>
+                <a:cs typeface="+mn-cs"/>
+              </a:rPr>
+              <a:t>private</a:t>
+            </a:r>
+            <a:r>
+              <a:rPr lang="ru-RU" dirty="0"/>
+              <a:t>, чтобы запретить прямые вызовы.</a:t>
+            </a:r>
+          </a:p>
+          <a:p>
+            <a:r>
+              <a:rPr lang="ru-RU" dirty="0"/>
+              <a:t>Документируйте контракт публичного метода: что гарантируется всегда (</a:t>
+            </a:r>
+            <a:r>
+              <a:rPr lang="ru-RU" dirty="0" err="1"/>
+              <a:t>потокобезопасность</a:t>
+            </a:r>
+            <a:r>
+              <a:rPr lang="ru-RU" dirty="0"/>
+              <a:t>, отсутствие исключений наружу и т.п.).</a:t>
+            </a:r>
+          </a:p>
+          <a:p>
+            <a:r>
+              <a:rPr lang="ru-RU" dirty="0"/>
+              <a:t>В многопоточности старайтесь, чтобы </a:t>
+            </a:r>
+            <a:r>
+              <a:rPr lang="ru-RU" sz="1200" kern="1200" dirty="0" err="1">
+                <a:solidFill>
+                  <a:schemeClr val="tx1"/>
+                </a:solidFill>
+                <a:latin typeface="+mn-lt"/>
+                <a:ea typeface="+mn-ea"/>
+                <a:cs typeface="+mn-cs"/>
+              </a:rPr>
+              <a:t>virtual</a:t>
+            </a:r>
+            <a:r>
+              <a:rPr lang="ru-RU" dirty="0"/>
+              <a:t> шаги не звали обратно публичные методы (риск </a:t>
+            </a:r>
+            <a:r>
+              <a:rPr lang="ru-RU" dirty="0" err="1"/>
+              <a:t>дедлоков</a:t>
+            </a:r>
+            <a:r>
+              <a:rPr lang="ru-RU" dirty="0"/>
+              <a:t>).</a:t>
+            </a:r>
+          </a:p>
+          <a:p>
+            <a:endParaRPr lang="ru-RU" dirty="0"/>
+          </a:p>
+          <a:p>
+            <a:endParaRPr lang="en-US" dirty="0"/>
           </a:p>
         </p:txBody>
       </p:sp>
@@ -3275,7 +3275,7 @@
           <a:p>
             <a:fld id="{C72A1285-F988-4153-B7C5-B887A867730D}" type="slidenum">
               <a:rPr lang="ru-RU" smtClean="0"/>
-              <a:t>34</a:t>
+              <a:t>31</a:t>
             </a:fld>
             <a:endParaRPr lang="ru-RU"/>
           </a:p>
@@ -3284,7 +3284,7 @@
     </p:spTree>
     <p:extLst>
       <p:ext uri="{BB962C8B-B14F-4D97-AF65-F5344CB8AC3E}">
-        <p14:creationId xmlns:p14="http://schemas.microsoft.com/office/powerpoint/2010/main" val="1214577669"/>
+        <p14:creationId xmlns:p14="http://schemas.microsoft.com/office/powerpoint/2010/main" val="2958624744"/>
       </p:ext>
     </p:extLst>
   </p:cSld>
@@ -3338,87 +3338,7 @@
           <a:bodyPr/>
           <a:lstStyle/>
           <a:p>
-            <a:r>
-              <a:rPr lang="ru-RU" dirty="0"/>
-              <a:t>Идея </a:t>
-            </a:r>
-            <a:r>
-              <a:rPr lang="ru-RU" dirty="0" err="1"/>
-              <a:t>compile-time</a:t>
-            </a:r>
-            <a:r>
-              <a:rPr lang="ru-RU" dirty="0"/>
-              <a:t> </a:t>
-            </a:r>
-            <a:r>
-              <a:rPr lang="ru-RU" dirty="0" err="1"/>
-              <a:t>Template</a:t>
-            </a:r>
-            <a:r>
-              <a:rPr lang="ru-RU" dirty="0"/>
-              <a:t> </a:t>
-            </a:r>
-            <a:r>
-              <a:rPr lang="ru-RU" dirty="0" err="1"/>
-              <a:t>Method</a:t>
-            </a:r>
-            <a:r>
-              <a:rPr lang="ru-RU" dirty="0"/>
-              <a:t> — перенести шаблонный метод в </a:t>
-            </a:r>
-            <a:r>
-              <a:rPr lang="ru-RU" b="1" dirty="0"/>
-              <a:t>шаблонный базовый класс</a:t>
-            </a:r>
-            <a:r>
-              <a:rPr lang="ru-RU" dirty="0"/>
-              <a:t>, параметризованный типом наследника. Это классический CRTP-паттерн: </a:t>
-            </a:r>
-            <a:r>
-              <a:rPr lang="ru-RU" sz="1200" kern="1200" dirty="0">
-                <a:solidFill>
-                  <a:schemeClr val="tx1"/>
-                </a:solidFill>
-                <a:latin typeface="+mn-lt"/>
-                <a:ea typeface="+mn-ea"/>
-                <a:cs typeface="+mn-cs"/>
-              </a:rPr>
-              <a:t>Base&lt;</a:t>
-            </a:r>
-            <a:r>
-              <a:rPr lang="ru-RU" sz="1200" kern="1200" dirty="0" err="1">
-                <a:solidFill>
-                  <a:schemeClr val="tx1"/>
-                </a:solidFill>
-                <a:latin typeface="+mn-lt"/>
-                <a:ea typeface="+mn-ea"/>
-                <a:cs typeface="+mn-cs"/>
-              </a:rPr>
-              <a:t>Derived</a:t>
-            </a:r>
-            <a:r>
-              <a:rPr lang="ru-RU" sz="1200" kern="1200" dirty="0">
-                <a:solidFill>
-                  <a:schemeClr val="tx1"/>
-                </a:solidFill>
-                <a:latin typeface="+mn-lt"/>
-                <a:ea typeface="+mn-ea"/>
-                <a:cs typeface="+mn-cs"/>
-              </a:rPr>
-              <a:t>&gt;</a:t>
-            </a:r>
-            <a:r>
-              <a:rPr lang="ru-RU" dirty="0"/>
-              <a:t>.</a:t>
-            </a:r>
-            <a:br>
-              <a:rPr lang="ru-RU" dirty="0"/>
-            </a:br>
-            <a:r>
-              <a:rPr lang="ru-RU" dirty="0"/>
-              <a:t>В базовом классе мы реализуем «скелет» алгоритма — порядок шагов. Вместо виртуальных функций мы делаем статическую диспетчеризацию:</a:t>
-            </a:r>
-            <a:endParaRPr lang="en-US" dirty="0"/>
+            <a:endParaRPr lang="en-US"/>
           </a:p>
         </p:txBody>
       </p:sp>
@@ -3439,7 +3359,7 @@
           <a:p>
             <a:fld id="{C72A1285-F988-4153-B7C5-B887A867730D}" type="slidenum">
               <a:rPr lang="ru-RU" smtClean="0"/>
-              <a:t>35</a:t>
+              <a:t>32</a:t>
             </a:fld>
             <a:endParaRPr lang="ru-RU"/>
           </a:p>
@@ -3448,7 +3368,7 @@
     </p:spTree>
     <p:extLst>
       <p:ext uri="{BB962C8B-B14F-4D97-AF65-F5344CB8AC3E}">
-        <p14:creationId xmlns:p14="http://schemas.microsoft.com/office/powerpoint/2010/main" val="2142460704"/>
+        <p14:creationId xmlns:p14="http://schemas.microsoft.com/office/powerpoint/2010/main" val="1741407249"/>
       </p:ext>
     </p:extLst>
   </p:cSld>
@@ -3523,7 +3443,7 @@
           <a:p>
             <a:fld id="{C72A1285-F988-4153-B7C5-B887A867730D}" type="slidenum">
               <a:rPr lang="ru-RU" smtClean="0"/>
-              <a:t>36</a:t>
+              <a:t>33</a:t>
             </a:fld>
             <a:endParaRPr lang="ru-RU"/>
           </a:p>
@@ -3532,7 +3452,7 @@
     </p:spTree>
     <p:extLst>
       <p:ext uri="{BB962C8B-B14F-4D97-AF65-F5344CB8AC3E}">
-        <p14:creationId xmlns:p14="http://schemas.microsoft.com/office/powerpoint/2010/main" val="1747197113"/>
+        <p14:creationId xmlns:p14="http://schemas.microsoft.com/office/powerpoint/2010/main" val="882050585"/>
       </p:ext>
     </p:extLst>
   </p:cSld>
@@ -3607,7 +3527,7 @@
           <a:p>
             <a:fld id="{C72A1285-F988-4153-B7C5-B887A867730D}" type="slidenum">
               <a:rPr lang="ru-RU" smtClean="0"/>
-              <a:t>37</a:t>
+              <a:t>34</a:t>
             </a:fld>
             <a:endParaRPr lang="ru-RU"/>
           </a:p>
@@ -3616,7 +3536,7 @@
     </p:spTree>
     <p:extLst>
       <p:ext uri="{BB962C8B-B14F-4D97-AF65-F5344CB8AC3E}">
-        <p14:creationId xmlns:p14="http://schemas.microsoft.com/office/powerpoint/2010/main" val="2727122286"/>
+        <p14:creationId xmlns:p14="http://schemas.microsoft.com/office/powerpoint/2010/main" val="1214577669"/>
       </p:ext>
     </p:extLst>
   </p:cSld>
@@ -3672,10 +3592,42 @@
           <a:p>
             <a:r>
               <a:rPr lang="ru-RU" dirty="0"/>
-              <a:t>Ограничения. Во-первых, мы теряем гибкость: разные напитки нельзя хранить в контейнере </a:t>
-            </a:r>
-            <a:r>
-              <a:rPr lang="ru-RU" sz="1200" kern="1200" dirty="0" err="1">
+              <a:t>Идея </a:t>
+            </a:r>
+            <a:r>
+              <a:rPr lang="ru-RU" dirty="0" err="1"/>
+              <a:t>compile-time</a:t>
+            </a:r>
+            <a:r>
+              <a:rPr lang="ru-RU" dirty="0"/>
+              <a:t> </a:t>
+            </a:r>
+            <a:r>
+              <a:rPr lang="ru-RU" dirty="0" err="1"/>
+              <a:t>Template</a:t>
+            </a:r>
+            <a:r>
+              <a:rPr lang="ru-RU" dirty="0"/>
+              <a:t> </a:t>
+            </a:r>
+            <a:r>
+              <a:rPr lang="ru-RU" dirty="0" err="1"/>
+              <a:t>Method</a:t>
+            </a:r>
+            <a:r>
+              <a:rPr lang="ru-RU" dirty="0"/>
+              <a:t> — перенести шаблонный метод в </a:t>
+            </a:r>
+            <a:r>
+              <a:rPr lang="ru-RU" b="1" dirty="0"/>
+              <a:t>шаблонный базовый класс</a:t>
+            </a:r>
+            <a:r>
+              <a:rPr lang="ru-RU" dirty="0"/>
+              <a:t>, параметризованный типом наследника. Это классический CRTP-паттерн: </a:t>
+            </a:r>
+            <a:r>
+              <a:rPr lang="ru-RU" sz="1200" kern="1200" dirty="0">
                 <a:solidFill>
                   <a:schemeClr val="tx1"/>
                 </a:solidFill>
@@ -3683,10 +3635,10 @@
                 <a:ea typeface="+mn-ea"/>
                 <a:cs typeface="+mn-cs"/>
               </a:rPr>
-              <a:t>std</a:t>
-            </a:r>
-            <a:r>
-              <a:rPr lang="ru-RU" sz="1200" kern="1200" dirty="0">
+              <a:t>Base&lt;</a:t>
+            </a:r>
+            <a:r>
+              <a:rPr lang="ru-RU" sz="1200" kern="1200" dirty="0" err="1">
                 <a:solidFill>
                   <a:schemeClr val="tx1"/>
                 </a:solidFill>
@@ -3694,10 +3646,10 @@
                 <a:ea typeface="+mn-ea"/>
                 <a:cs typeface="+mn-cs"/>
               </a:rPr>
-              <a:t>::</a:t>
-            </a:r>
-            <a:r>
-              <a:rPr lang="ru-RU" sz="1200" kern="1200" dirty="0" err="1">
+              <a:t>Derived</a:t>
+            </a:r>
+            <a:r>
+              <a:rPr lang="ru-RU" sz="1200" kern="1200" dirty="0">
                 <a:solidFill>
                   <a:schemeClr val="tx1"/>
                 </a:solidFill>
@@ -3705,314 +3657,19 @@
                 <a:ea typeface="+mn-ea"/>
                 <a:cs typeface="+mn-cs"/>
               </a:rPr>
-              <a:t>vector</a:t>
-            </a:r>
-            <a:r>
-              <a:rPr lang="ru-RU" sz="1200" kern="1200" dirty="0">
-                <a:solidFill>
-                  <a:schemeClr val="tx1"/>
-                </a:solidFill>
-                <a:latin typeface="+mn-lt"/>
-                <a:ea typeface="+mn-ea"/>
-                <a:cs typeface="+mn-cs"/>
-              </a:rPr>
-              <a:t>&lt;</a:t>
-            </a:r>
-            <a:r>
-              <a:rPr lang="ru-RU" sz="1200" kern="1200" dirty="0" err="1">
-                <a:solidFill>
-                  <a:schemeClr val="tx1"/>
-                </a:solidFill>
-                <a:latin typeface="+mn-lt"/>
-                <a:ea typeface="+mn-ea"/>
-                <a:cs typeface="+mn-cs"/>
-              </a:rPr>
-              <a:t>CaffeineBeverage</a:t>
-            </a:r>
-            <a:r>
-              <a:rPr lang="ru-RU" sz="1200" kern="1200" dirty="0">
-                <a:solidFill>
-                  <a:schemeClr val="tx1"/>
-                </a:solidFill>
-                <a:latin typeface="+mn-lt"/>
-                <a:ea typeface="+mn-ea"/>
-                <a:cs typeface="+mn-cs"/>
-              </a:rPr>
-              <a:t>*&gt;</a:t>
-            </a:r>
-            <a:r>
-              <a:rPr lang="ru-RU" dirty="0"/>
-              <a:t> и полиморфно вызывать </a:t>
-            </a:r>
-            <a:r>
-              <a:rPr lang="ru-RU" sz="1200" kern="1200" dirty="0" err="1">
-                <a:solidFill>
-                  <a:schemeClr val="tx1"/>
-                </a:solidFill>
-                <a:latin typeface="+mn-lt"/>
-                <a:ea typeface="+mn-ea"/>
-                <a:cs typeface="+mn-cs"/>
-              </a:rPr>
-              <a:t>PrepareRecipe</a:t>
-            </a:r>
-            <a:r>
-              <a:rPr lang="ru-RU" sz="1200" kern="1200" dirty="0">
-                <a:solidFill>
-                  <a:schemeClr val="tx1"/>
-                </a:solidFill>
-                <a:latin typeface="+mn-lt"/>
-                <a:ea typeface="+mn-ea"/>
-                <a:cs typeface="+mn-cs"/>
-              </a:rPr>
-              <a:t>()</a:t>
-            </a:r>
-            <a:r>
-              <a:rPr lang="ru-RU" dirty="0"/>
-              <a:t>. Это </a:t>
-            </a:r>
-            <a:r>
-              <a:rPr lang="ru-RU" dirty="0" err="1"/>
-              <a:t>compile-time</a:t>
-            </a:r>
-            <a:r>
-              <a:rPr lang="ru-RU" dirty="0"/>
-              <a:t> полиморфизм. Если нужно агрегировать разнотипные экземпляры, придётся использовать </a:t>
-            </a:r>
-            <a:r>
-              <a:rPr lang="ru-RU" sz="1200" kern="1200" dirty="0" err="1">
-                <a:solidFill>
-                  <a:schemeClr val="tx1"/>
-                </a:solidFill>
-                <a:latin typeface="+mn-lt"/>
-                <a:ea typeface="+mn-ea"/>
-                <a:cs typeface="+mn-cs"/>
-              </a:rPr>
-              <a:t>std</a:t>
-            </a:r>
-            <a:r>
-              <a:rPr lang="ru-RU" sz="1200" kern="1200" dirty="0">
-                <a:solidFill>
-                  <a:schemeClr val="tx1"/>
-                </a:solidFill>
-                <a:latin typeface="+mn-lt"/>
-                <a:ea typeface="+mn-ea"/>
-                <a:cs typeface="+mn-cs"/>
-              </a:rPr>
-              <a:t>::</a:t>
-            </a:r>
-            <a:r>
-              <a:rPr lang="ru-RU" sz="1200" kern="1200" dirty="0" err="1">
-                <a:solidFill>
-                  <a:schemeClr val="tx1"/>
-                </a:solidFill>
-                <a:latin typeface="+mn-lt"/>
-                <a:ea typeface="+mn-ea"/>
-                <a:cs typeface="+mn-cs"/>
-              </a:rPr>
-              <a:t>variant</a:t>
-            </a:r>
-            <a:r>
-              <a:rPr lang="ru-RU" dirty="0"/>
-              <a:t>, </a:t>
-            </a:r>
-            <a:r>
-              <a:rPr lang="ru-RU" dirty="0" err="1"/>
-              <a:t>type-erasure</a:t>
-            </a:r>
-            <a:r>
-              <a:rPr lang="ru-RU" dirty="0"/>
-              <a:t> (например, </a:t>
-            </a:r>
-            <a:r>
-              <a:rPr lang="ru-RU" sz="1200" kern="1200" dirty="0" err="1">
-                <a:solidFill>
-                  <a:schemeClr val="tx1"/>
-                </a:solidFill>
-                <a:latin typeface="+mn-lt"/>
-                <a:ea typeface="+mn-ea"/>
-                <a:cs typeface="+mn-cs"/>
-              </a:rPr>
-              <a:t>std</a:t>
-            </a:r>
-            <a:r>
-              <a:rPr lang="ru-RU" sz="1200" kern="1200" dirty="0">
-                <a:solidFill>
-                  <a:schemeClr val="tx1"/>
-                </a:solidFill>
-                <a:latin typeface="+mn-lt"/>
-                <a:ea typeface="+mn-ea"/>
-                <a:cs typeface="+mn-cs"/>
-              </a:rPr>
-              <a:t>::</a:t>
-            </a:r>
-            <a:r>
-              <a:rPr lang="ru-RU" sz="1200" kern="1200" dirty="0" err="1">
-                <a:solidFill>
-                  <a:schemeClr val="tx1"/>
-                </a:solidFill>
-                <a:latin typeface="+mn-lt"/>
-                <a:ea typeface="+mn-ea"/>
-                <a:cs typeface="+mn-cs"/>
-              </a:rPr>
-              <a:t>function</a:t>
-            </a:r>
-            <a:r>
-              <a:rPr lang="ru-RU" dirty="0"/>
-              <a:t>/концепты с обёрткой) или вернуться к </a:t>
-            </a:r>
-            <a:r>
-              <a:rPr lang="ru-RU" dirty="0" err="1"/>
-              <a:t>runtime</a:t>
-            </a:r>
-            <a:r>
-              <a:rPr lang="ru-RU" dirty="0"/>
-              <a:t>-полиморфизму. Во-вторых, шаблоны увеличивают время компиляции и размер </a:t>
-            </a:r>
-            <a:r>
-              <a:rPr lang="ru-RU" dirty="0" err="1"/>
-              <a:t>бинарника</a:t>
-            </a:r>
-            <a:r>
-              <a:rPr lang="ru-RU" dirty="0"/>
-              <a:t>; сообщения об ошибках становятся длиннее.</a:t>
-            </a:r>
-          </a:p>
-          <a:p>
-            <a:r>
-              <a:rPr lang="ru-RU" dirty="0"/>
-              <a:t>Когда использовать CRTP-вариант? Когда у нас </a:t>
-            </a:r>
-            <a:r>
-              <a:rPr lang="ru-RU" b="1" dirty="0"/>
-              <a:t>стабильный, фиксированный</a:t>
-            </a:r>
-            <a:r>
-              <a:rPr lang="ru-RU" dirty="0"/>
-              <a:t> </a:t>
-            </a:r>
-            <a:r>
-              <a:rPr lang="ru-RU" dirty="0" err="1"/>
-              <a:t>пайплайн</a:t>
-            </a:r>
-            <a:r>
-              <a:rPr lang="ru-RU" dirty="0"/>
-              <a:t> и важна производительность: </a:t>
-            </a:r>
-            <a:r>
-              <a:rPr lang="ru-RU" dirty="0" err="1"/>
-              <a:t>tight</a:t>
-            </a:r>
-            <a:r>
-              <a:rPr lang="ru-RU" dirty="0"/>
-              <a:t> </a:t>
-            </a:r>
-            <a:r>
-              <a:rPr lang="ru-RU" dirty="0" err="1"/>
-              <a:t>loops</a:t>
-            </a:r>
-            <a:r>
-              <a:rPr lang="ru-RU" dirty="0"/>
-              <a:t>, рендер/апдейт в играх, компактные </a:t>
-            </a:r>
-            <a:r>
-              <a:rPr lang="ru-RU" dirty="0" err="1"/>
-              <a:t>пайплайны</a:t>
-            </a:r>
-            <a:r>
-              <a:rPr lang="ru-RU" dirty="0"/>
-              <a:t> в </a:t>
-            </a:r>
-            <a:r>
-              <a:rPr lang="ru-RU" dirty="0" err="1"/>
-              <a:t>embedded</a:t>
-            </a:r>
-            <a:r>
-              <a:rPr lang="ru-RU" dirty="0"/>
-              <a:t>, высокочастотные обработчики. Когда важнее гибкость (подмена поведения по конфигурации/DI/плагинам) — оставляем </a:t>
-            </a:r>
-            <a:r>
-              <a:rPr lang="ru-RU" dirty="0" err="1"/>
-              <a:t>runtime</a:t>
-            </a:r>
-            <a:r>
-              <a:rPr lang="ru-RU" dirty="0"/>
-              <a:t> </a:t>
-            </a:r>
-            <a:r>
-              <a:rPr lang="ru-RU" dirty="0" err="1"/>
-              <a:t>Template</a:t>
-            </a:r>
-            <a:r>
-              <a:rPr lang="ru-RU" dirty="0"/>
-              <a:t> </a:t>
-            </a:r>
-            <a:r>
-              <a:rPr lang="ru-RU" dirty="0" err="1"/>
-              <a:t>Method</a:t>
-            </a:r>
-            <a:r>
-              <a:rPr lang="ru-RU" dirty="0"/>
-              <a:t> с </a:t>
-            </a:r>
-            <a:r>
-              <a:rPr lang="ru-RU" sz="1200" kern="1200" dirty="0" err="1">
-                <a:solidFill>
-                  <a:schemeClr val="tx1"/>
-                </a:solidFill>
-                <a:latin typeface="+mn-lt"/>
-                <a:ea typeface="+mn-ea"/>
-                <a:cs typeface="+mn-cs"/>
-              </a:rPr>
-              <a:t>virtual</a:t>
+              <a:t>&gt;</a:t>
             </a:r>
             <a:r>
               <a:rPr lang="ru-RU" dirty="0"/>
               <a:t>.</a:t>
             </a:r>
-          </a:p>
-          <a:p>
-            <a:r>
+            <a:br>
               <a:rPr lang="ru-RU" dirty="0"/>
-              <a:t>Ключевая мысль для студентов: </a:t>
-            </a:r>
-            <a:r>
-              <a:rPr lang="ru-RU" b="1" dirty="0" err="1"/>
-              <a:t>Template</a:t>
-            </a:r>
-            <a:r>
-              <a:rPr lang="ru-RU" b="1" dirty="0"/>
-              <a:t> </a:t>
-            </a:r>
-            <a:r>
-              <a:rPr lang="ru-RU" b="1" dirty="0" err="1"/>
-              <a:t>Method</a:t>
-            </a:r>
-            <a:r>
-              <a:rPr lang="ru-RU" b="1" dirty="0"/>
-              <a:t> остаётся тем же</a:t>
-            </a:r>
+            </a:br>
             <a:r>
               <a:rPr lang="ru-RU" dirty="0"/>
-              <a:t> — фиксируем порядок шагов и чётко выделяем точки расширения; мы лишь переносим механизм </a:t>
-            </a:r>
-            <a:r>
-              <a:rPr lang="ru-RU" dirty="0" err="1"/>
-              <a:t>диспетчинга</a:t>
-            </a:r>
-            <a:r>
-              <a:rPr lang="ru-RU" dirty="0"/>
-              <a:t> из </a:t>
-            </a:r>
-            <a:r>
-              <a:rPr lang="ru-RU" dirty="0" err="1"/>
-              <a:t>рантайма</a:t>
-            </a:r>
-            <a:r>
-              <a:rPr lang="ru-RU" dirty="0"/>
-              <a:t> в компилятор.</a:t>
-            </a:r>
-          </a:p>
-          <a:p>
+              <a:t>В базовом классе мы реализуем «скелет» алгоритма — порядок шагов. Вместо виртуальных функций мы делаем статическую диспетчеризацию:</a:t>
+            </a:r>
             <a:endParaRPr lang="en-US" dirty="0"/>
           </a:p>
         </p:txBody>
@@ -4034,7 +3691,7 @@
           <a:p>
             <a:fld id="{C72A1285-F988-4153-B7C5-B887A867730D}" type="slidenum">
               <a:rPr lang="ru-RU" smtClean="0"/>
-              <a:t>38</a:t>
+              <a:t>35</a:t>
             </a:fld>
             <a:endParaRPr lang="ru-RU"/>
           </a:p>
@@ -4043,7 +3700,7 @@
     </p:spTree>
     <p:extLst>
       <p:ext uri="{BB962C8B-B14F-4D97-AF65-F5344CB8AC3E}">
-        <p14:creationId xmlns:p14="http://schemas.microsoft.com/office/powerpoint/2010/main" val="1480409142"/>
+        <p14:creationId xmlns:p14="http://schemas.microsoft.com/office/powerpoint/2010/main" val="2142460704"/>
       </p:ext>
     </p:extLst>
   </p:cSld>
@@ -4118,7 +3775,7 @@
           <a:p>
             <a:fld id="{C72A1285-F988-4153-B7C5-B887A867730D}" type="slidenum">
               <a:rPr lang="ru-RU" smtClean="0"/>
-              <a:t>39</a:t>
+              <a:t>36</a:t>
             </a:fld>
             <a:endParaRPr lang="ru-RU"/>
           </a:p>
@@ -4127,7 +3784,7 @@
     </p:spTree>
     <p:extLst>
       <p:ext uri="{BB962C8B-B14F-4D97-AF65-F5344CB8AC3E}">
-        <p14:creationId xmlns:p14="http://schemas.microsoft.com/office/powerpoint/2010/main" val="3019629240"/>
+        <p14:creationId xmlns:p14="http://schemas.microsoft.com/office/powerpoint/2010/main" val="1747197113"/>
       </p:ext>
     </p:extLst>
   </p:cSld>
@@ -4202,7 +3859,7 @@
           <a:p>
             <a:fld id="{C72A1285-F988-4153-B7C5-B887A867730D}" type="slidenum">
               <a:rPr lang="ru-RU" smtClean="0"/>
-              <a:t>40</a:t>
+              <a:t>37</a:t>
             </a:fld>
             <a:endParaRPr lang="ru-RU"/>
           </a:p>
@@ -4211,7 +3868,7 @@
     </p:spTree>
     <p:extLst>
       <p:ext uri="{BB962C8B-B14F-4D97-AF65-F5344CB8AC3E}">
-        <p14:creationId xmlns:p14="http://schemas.microsoft.com/office/powerpoint/2010/main" val="3517067692"/>
+        <p14:creationId xmlns:p14="http://schemas.microsoft.com/office/powerpoint/2010/main" val="2727122286"/>
       </p:ext>
     </p:extLst>
   </p:cSld>
@@ -4265,7 +3922,350 @@
           <a:bodyPr/>
           <a:lstStyle/>
           <a:p>
-            <a:endParaRPr lang="en-US"/>
+            <a:r>
+              <a:rPr lang="ru-RU" dirty="0"/>
+              <a:t>Ограничения. Во-первых, мы теряем гибкость: разные напитки нельзя хранить в контейнере </a:t>
+            </a:r>
+            <a:r>
+              <a:rPr lang="ru-RU" sz="1200" kern="1200" dirty="0" err="1">
+                <a:solidFill>
+                  <a:schemeClr val="tx1"/>
+                </a:solidFill>
+                <a:latin typeface="+mn-lt"/>
+                <a:ea typeface="+mn-ea"/>
+                <a:cs typeface="+mn-cs"/>
+              </a:rPr>
+              <a:t>std</a:t>
+            </a:r>
+            <a:r>
+              <a:rPr lang="ru-RU" sz="1200" kern="1200" dirty="0">
+                <a:solidFill>
+                  <a:schemeClr val="tx1"/>
+                </a:solidFill>
+                <a:latin typeface="+mn-lt"/>
+                <a:ea typeface="+mn-ea"/>
+                <a:cs typeface="+mn-cs"/>
+              </a:rPr>
+              <a:t>::</a:t>
+            </a:r>
+            <a:r>
+              <a:rPr lang="ru-RU" sz="1200" kern="1200" dirty="0" err="1">
+                <a:solidFill>
+                  <a:schemeClr val="tx1"/>
+                </a:solidFill>
+                <a:latin typeface="+mn-lt"/>
+                <a:ea typeface="+mn-ea"/>
+                <a:cs typeface="+mn-cs"/>
+              </a:rPr>
+              <a:t>vector</a:t>
+            </a:r>
+            <a:r>
+              <a:rPr lang="ru-RU" sz="1200" kern="1200" dirty="0">
+                <a:solidFill>
+                  <a:schemeClr val="tx1"/>
+                </a:solidFill>
+                <a:latin typeface="+mn-lt"/>
+                <a:ea typeface="+mn-ea"/>
+                <a:cs typeface="+mn-cs"/>
+              </a:rPr>
+              <a:t>&lt;</a:t>
+            </a:r>
+            <a:r>
+              <a:rPr lang="ru-RU" sz="1200" kern="1200" dirty="0" err="1">
+                <a:solidFill>
+                  <a:schemeClr val="tx1"/>
+                </a:solidFill>
+                <a:latin typeface="+mn-lt"/>
+                <a:ea typeface="+mn-ea"/>
+                <a:cs typeface="+mn-cs"/>
+              </a:rPr>
+              <a:t>CaffeineBeverage</a:t>
+            </a:r>
+            <a:r>
+              <a:rPr lang="ru-RU" sz="1200" kern="1200" dirty="0">
+                <a:solidFill>
+                  <a:schemeClr val="tx1"/>
+                </a:solidFill>
+                <a:latin typeface="+mn-lt"/>
+                <a:ea typeface="+mn-ea"/>
+                <a:cs typeface="+mn-cs"/>
+              </a:rPr>
+              <a:t>*&gt;</a:t>
+            </a:r>
+            <a:r>
+              <a:rPr lang="ru-RU" dirty="0"/>
+              <a:t> и полиморфно вызывать </a:t>
+            </a:r>
+            <a:r>
+              <a:rPr lang="ru-RU" sz="1200" kern="1200" dirty="0" err="1">
+                <a:solidFill>
+                  <a:schemeClr val="tx1"/>
+                </a:solidFill>
+                <a:latin typeface="+mn-lt"/>
+                <a:ea typeface="+mn-ea"/>
+                <a:cs typeface="+mn-cs"/>
+              </a:rPr>
+              <a:t>PrepareRecipe</a:t>
+            </a:r>
+            <a:r>
+              <a:rPr lang="ru-RU" sz="1200" kern="1200" dirty="0">
+                <a:solidFill>
+                  <a:schemeClr val="tx1"/>
+                </a:solidFill>
+                <a:latin typeface="+mn-lt"/>
+                <a:ea typeface="+mn-ea"/>
+                <a:cs typeface="+mn-cs"/>
+              </a:rPr>
+              <a:t>()</a:t>
+            </a:r>
+            <a:r>
+              <a:rPr lang="ru-RU" dirty="0"/>
+              <a:t>. Это </a:t>
+            </a:r>
+            <a:r>
+              <a:rPr lang="ru-RU" dirty="0" err="1"/>
+              <a:t>compile-time</a:t>
+            </a:r>
+            <a:r>
+              <a:rPr lang="ru-RU" dirty="0"/>
+              <a:t> полиморфизм. Если нужно агрегировать разнотипные экземпляры, придётся использовать </a:t>
+            </a:r>
+            <a:r>
+              <a:rPr lang="ru-RU" sz="1200" kern="1200" dirty="0" err="1">
+                <a:solidFill>
+                  <a:schemeClr val="tx1"/>
+                </a:solidFill>
+                <a:latin typeface="+mn-lt"/>
+                <a:ea typeface="+mn-ea"/>
+                <a:cs typeface="+mn-cs"/>
+              </a:rPr>
+              <a:t>std</a:t>
+            </a:r>
+            <a:r>
+              <a:rPr lang="ru-RU" sz="1200" kern="1200" dirty="0">
+                <a:solidFill>
+                  <a:schemeClr val="tx1"/>
+                </a:solidFill>
+                <a:latin typeface="+mn-lt"/>
+                <a:ea typeface="+mn-ea"/>
+                <a:cs typeface="+mn-cs"/>
+              </a:rPr>
+              <a:t>::</a:t>
+            </a:r>
+            <a:r>
+              <a:rPr lang="ru-RU" sz="1200" kern="1200" dirty="0" err="1">
+                <a:solidFill>
+                  <a:schemeClr val="tx1"/>
+                </a:solidFill>
+                <a:latin typeface="+mn-lt"/>
+                <a:ea typeface="+mn-ea"/>
+                <a:cs typeface="+mn-cs"/>
+              </a:rPr>
+              <a:t>variant</a:t>
+            </a:r>
+            <a:r>
+              <a:rPr lang="ru-RU" dirty="0"/>
+              <a:t>, </a:t>
+            </a:r>
+            <a:r>
+              <a:rPr lang="ru-RU" dirty="0" err="1"/>
+              <a:t>type-erasure</a:t>
+            </a:r>
+            <a:r>
+              <a:rPr lang="ru-RU" dirty="0"/>
+              <a:t> (например, </a:t>
+            </a:r>
+            <a:r>
+              <a:rPr lang="ru-RU" sz="1200" kern="1200" dirty="0" err="1">
+                <a:solidFill>
+                  <a:schemeClr val="tx1"/>
+                </a:solidFill>
+                <a:latin typeface="+mn-lt"/>
+                <a:ea typeface="+mn-ea"/>
+                <a:cs typeface="+mn-cs"/>
+              </a:rPr>
+              <a:t>std</a:t>
+            </a:r>
+            <a:r>
+              <a:rPr lang="ru-RU" sz="1200" kern="1200" dirty="0">
+                <a:solidFill>
+                  <a:schemeClr val="tx1"/>
+                </a:solidFill>
+                <a:latin typeface="+mn-lt"/>
+                <a:ea typeface="+mn-ea"/>
+                <a:cs typeface="+mn-cs"/>
+              </a:rPr>
+              <a:t>::</a:t>
+            </a:r>
+            <a:r>
+              <a:rPr lang="ru-RU" sz="1200" kern="1200" dirty="0" err="1">
+                <a:solidFill>
+                  <a:schemeClr val="tx1"/>
+                </a:solidFill>
+                <a:latin typeface="+mn-lt"/>
+                <a:ea typeface="+mn-ea"/>
+                <a:cs typeface="+mn-cs"/>
+              </a:rPr>
+              <a:t>function</a:t>
+            </a:r>
+            <a:r>
+              <a:rPr lang="ru-RU" dirty="0"/>
+              <a:t>/концепты с обёрткой) или вернуться к </a:t>
+            </a:r>
+            <a:r>
+              <a:rPr lang="ru-RU" dirty="0" err="1"/>
+              <a:t>runtime</a:t>
+            </a:r>
+            <a:r>
+              <a:rPr lang="ru-RU" dirty="0"/>
+              <a:t>-полиморфизму. Во-вторых, шаблоны увеличивают время компиляции и размер </a:t>
+            </a:r>
+            <a:r>
+              <a:rPr lang="ru-RU" dirty="0" err="1"/>
+              <a:t>бинарника</a:t>
+            </a:r>
+            <a:r>
+              <a:rPr lang="ru-RU" dirty="0"/>
+              <a:t>; сообщения об ошибках становятся длиннее.</a:t>
+            </a:r>
+          </a:p>
+          <a:p>
+            <a:r>
+              <a:rPr lang="ru-RU" dirty="0"/>
+              <a:t>Когда использовать CRTP-вариант? Когда у нас </a:t>
+            </a:r>
+            <a:r>
+              <a:rPr lang="ru-RU" b="1" dirty="0"/>
+              <a:t>стабильный, фиксированный</a:t>
+            </a:r>
+            <a:r>
+              <a:rPr lang="ru-RU" dirty="0"/>
+              <a:t> </a:t>
+            </a:r>
+            <a:r>
+              <a:rPr lang="ru-RU" dirty="0" err="1"/>
+              <a:t>пайплайн</a:t>
+            </a:r>
+            <a:r>
+              <a:rPr lang="ru-RU" dirty="0"/>
+              <a:t> и важна производительность: </a:t>
+            </a:r>
+            <a:r>
+              <a:rPr lang="ru-RU" dirty="0" err="1"/>
+              <a:t>tight</a:t>
+            </a:r>
+            <a:r>
+              <a:rPr lang="ru-RU" dirty="0"/>
+              <a:t> </a:t>
+            </a:r>
+            <a:r>
+              <a:rPr lang="ru-RU" dirty="0" err="1"/>
+              <a:t>loops</a:t>
+            </a:r>
+            <a:r>
+              <a:rPr lang="ru-RU" dirty="0"/>
+              <a:t>, рендер/апдейт в играх, компактные </a:t>
+            </a:r>
+            <a:r>
+              <a:rPr lang="ru-RU" dirty="0" err="1"/>
+              <a:t>пайплайны</a:t>
+            </a:r>
+            <a:r>
+              <a:rPr lang="ru-RU" dirty="0"/>
+              <a:t> в </a:t>
+            </a:r>
+            <a:r>
+              <a:rPr lang="ru-RU" dirty="0" err="1"/>
+              <a:t>embedded</a:t>
+            </a:r>
+            <a:r>
+              <a:rPr lang="ru-RU" dirty="0"/>
+              <a:t>, высокочастотные обработчики. Когда важнее гибкость (подмена поведения по конфигурации/DI/плагинам) — оставляем </a:t>
+            </a:r>
+            <a:r>
+              <a:rPr lang="ru-RU" dirty="0" err="1"/>
+              <a:t>runtime</a:t>
+            </a:r>
+            <a:r>
+              <a:rPr lang="ru-RU" dirty="0"/>
+              <a:t> </a:t>
+            </a:r>
+            <a:r>
+              <a:rPr lang="ru-RU" dirty="0" err="1"/>
+              <a:t>Template</a:t>
+            </a:r>
+            <a:r>
+              <a:rPr lang="ru-RU" dirty="0"/>
+              <a:t> </a:t>
+            </a:r>
+            <a:r>
+              <a:rPr lang="ru-RU" dirty="0" err="1"/>
+              <a:t>Method</a:t>
+            </a:r>
+            <a:r>
+              <a:rPr lang="ru-RU" dirty="0"/>
+              <a:t> с </a:t>
+            </a:r>
+            <a:r>
+              <a:rPr lang="ru-RU" sz="1200" kern="1200" dirty="0" err="1">
+                <a:solidFill>
+                  <a:schemeClr val="tx1"/>
+                </a:solidFill>
+                <a:latin typeface="+mn-lt"/>
+                <a:ea typeface="+mn-ea"/>
+                <a:cs typeface="+mn-cs"/>
+              </a:rPr>
+              <a:t>virtual</a:t>
+            </a:r>
+            <a:r>
+              <a:rPr lang="ru-RU" dirty="0"/>
+              <a:t>.</a:t>
+            </a:r>
+          </a:p>
+          <a:p>
+            <a:r>
+              <a:rPr lang="ru-RU" dirty="0"/>
+              <a:t>Ключевая мысль для студентов: </a:t>
+            </a:r>
+            <a:r>
+              <a:rPr lang="ru-RU" b="1" dirty="0" err="1"/>
+              <a:t>Template</a:t>
+            </a:r>
+            <a:r>
+              <a:rPr lang="ru-RU" b="1" dirty="0"/>
+              <a:t> </a:t>
+            </a:r>
+            <a:r>
+              <a:rPr lang="ru-RU" b="1" dirty="0" err="1"/>
+              <a:t>Method</a:t>
+            </a:r>
+            <a:r>
+              <a:rPr lang="ru-RU" b="1" dirty="0"/>
+              <a:t> остаётся тем же</a:t>
+            </a:r>
+            <a:r>
+              <a:rPr lang="ru-RU" dirty="0"/>
+              <a:t> — фиксируем порядок шагов и чётко выделяем точки расширения; мы лишь переносим механизм </a:t>
+            </a:r>
+            <a:r>
+              <a:rPr lang="ru-RU" dirty="0" err="1"/>
+              <a:t>диспетчинга</a:t>
+            </a:r>
+            <a:r>
+              <a:rPr lang="ru-RU" dirty="0"/>
+              <a:t> из </a:t>
+            </a:r>
+            <a:r>
+              <a:rPr lang="ru-RU" dirty="0" err="1"/>
+              <a:t>рантайма</a:t>
+            </a:r>
+            <a:r>
+              <a:rPr lang="ru-RU" dirty="0"/>
+              <a:t> в компилятор.</a:t>
+            </a:r>
+          </a:p>
+          <a:p>
+            <a:endParaRPr lang="en-US" dirty="0"/>
           </a:p>
         </p:txBody>
       </p:sp>
@@ -4286,7 +4286,7 @@
           <a:p>
             <a:fld id="{C72A1285-F988-4153-B7C5-B887A867730D}" type="slidenum">
               <a:rPr lang="ru-RU" smtClean="0"/>
-              <a:t>41</a:t>
+              <a:t>38</a:t>
             </a:fld>
             <a:endParaRPr lang="ru-RU"/>
           </a:p>
@@ -4295,7 +4295,7 @@
     </p:spTree>
     <p:extLst>
       <p:ext uri="{BB962C8B-B14F-4D97-AF65-F5344CB8AC3E}">
-        <p14:creationId xmlns:p14="http://schemas.microsoft.com/office/powerpoint/2010/main" val="1434063670"/>
+        <p14:creationId xmlns:p14="http://schemas.microsoft.com/office/powerpoint/2010/main" val="1480409142"/>
       </p:ext>
     </p:extLst>
   </p:cSld>
@@ -4370,7 +4370,7 @@
           <a:p>
             <a:fld id="{C72A1285-F988-4153-B7C5-B887A867730D}" type="slidenum">
               <a:rPr lang="ru-RU" smtClean="0"/>
-              <a:t>42</a:t>
+              <a:t>39</a:t>
             </a:fld>
             <a:endParaRPr lang="ru-RU"/>
           </a:p>
@@ -4379,7 +4379,7 @@
     </p:spTree>
     <p:extLst>
       <p:ext uri="{BB962C8B-B14F-4D97-AF65-F5344CB8AC3E}">
-        <p14:creationId xmlns:p14="http://schemas.microsoft.com/office/powerpoint/2010/main" val="2081339668"/>
+        <p14:creationId xmlns:p14="http://schemas.microsoft.com/office/powerpoint/2010/main" val="3019629240"/>
       </p:ext>
     </p:extLst>
   </p:cSld>
@@ -4538,7 +4538,7 @@
           <a:p>
             <a:fld id="{C72A1285-F988-4153-B7C5-B887A867730D}" type="slidenum">
               <a:rPr lang="ru-RU" smtClean="0"/>
-              <a:t>43</a:t>
+              <a:t>40</a:t>
             </a:fld>
             <a:endParaRPr lang="ru-RU"/>
           </a:p>
@@ -4547,7 +4547,7 @@
     </p:spTree>
     <p:extLst>
       <p:ext uri="{BB962C8B-B14F-4D97-AF65-F5344CB8AC3E}">
-        <p14:creationId xmlns:p14="http://schemas.microsoft.com/office/powerpoint/2010/main" val="2329746078"/>
+        <p14:creationId xmlns:p14="http://schemas.microsoft.com/office/powerpoint/2010/main" val="3517067692"/>
       </p:ext>
     </p:extLst>
   </p:cSld>
@@ -4622,7 +4622,7 @@
           <a:p>
             <a:fld id="{C72A1285-F988-4153-B7C5-B887A867730D}" type="slidenum">
               <a:rPr lang="ru-RU" smtClean="0"/>
-              <a:t>44</a:t>
+              <a:t>41</a:t>
             </a:fld>
             <a:endParaRPr lang="ru-RU"/>
           </a:p>
@@ -4631,7 +4631,7 @@
     </p:spTree>
     <p:extLst>
       <p:ext uri="{BB962C8B-B14F-4D97-AF65-F5344CB8AC3E}">
-        <p14:creationId xmlns:p14="http://schemas.microsoft.com/office/powerpoint/2010/main" val="2527992170"/>
+        <p14:creationId xmlns:p14="http://schemas.microsoft.com/office/powerpoint/2010/main" val="1434063670"/>
       </p:ext>
     </p:extLst>
   </p:cSld>
@@ -4706,6 +4706,258 @@
           <a:p>
             <a:fld id="{C72A1285-F988-4153-B7C5-B887A867730D}" type="slidenum">
               <a:rPr lang="ru-RU" smtClean="0"/>
+              <a:t>42</a:t>
+            </a:fld>
+            <a:endParaRPr lang="ru-RU"/>
+          </a:p>
+        </p:txBody>
+      </p:sp>
+    </p:spTree>
+    <p:extLst>
+      <p:ext uri="{BB962C8B-B14F-4D97-AF65-F5344CB8AC3E}">
+        <p14:creationId xmlns:p14="http://schemas.microsoft.com/office/powerpoint/2010/main" val="2081339668"/>
+      </p:ext>
+    </p:extLst>
+  </p:cSld>
+  <p:clrMapOvr>
+    <a:masterClrMapping/>
+  </p:clrMapOvr>
+</p:notes>
+</file>
+
+<file path=ppt/notesSlides/notesSlide43.xml><?xml version="1.0" encoding="utf-8"?>
+<p:notes xmlns:a="http://schemas.openxmlformats.org/drawingml/2006/main" xmlns:r="http://schemas.openxmlformats.org/officeDocument/2006/relationships" xmlns:p="http://schemas.openxmlformats.org/presentationml/2006/main">
+  <p:cSld>
+    <p:spTree>
+      <p:nvGrpSpPr>
+        <p:cNvPr id="1" name=""/>
+        <p:cNvGrpSpPr/>
+        <p:nvPr/>
+      </p:nvGrpSpPr>
+      <p:grpSpPr>
+        <a:xfrm>
+          <a:off x="0" y="0"/>
+          <a:ext cx="0" cy="0"/>
+          <a:chOff x="0" y="0"/>
+          <a:chExt cx="0" cy="0"/>
+        </a:xfrm>
+      </p:grpSpPr>
+      <p:sp>
+        <p:nvSpPr>
+          <p:cNvPr id="2" name="Slide Image Placeholder 1"/>
+          <p:cNvSpPr>
+            <a:spLocks noGrp="1" noRot="1" noChangeAspect="1"/>
+          </p:cNvSpPr>
+          <p:nvPr>
+            <p:ph type="sldImg"/>
+          </p:nvPr>
+        </p:nvSpPr>
+        <p:spPr/>
+      </p:sp>
+      <p:sp>
+        <p:nvSpPr>
+          <p:cNvPr id="3" name="Notes Placeholder 2"/>
+          <p:cNvSpPr>
+            <a:spLocks noGrp="1"/>
+          </p:cNvSpPr>
+          <p:nvPr>
+            <p:ph type="body" idx="1"/>
+          </p:nvPr>
+        </p:nvSpPr>
+        <p:spPr/>
+        <p:txBody>
+          <a:bodyPr/>
+          <a:lstStyle/>
+          <a:p>
+            <a:endParaRPr lang="en-US"/>
+          </a:p>
+        </p:txBody>
+      </p:sp>
+      <p:sp>
+        <p:nvSpPr>
+          <p:cNvPr id="4" name="Slide Number Placeholder 3"/>
+          <p:cNvSpPr>
+            <a:spLocks noGrp="1"/>
+          </p:cNvSpPr>
+          <p:nvPr>
+            <p:ph type="sldNum" sz="quarter" idx="5"/>
+          </p:nvPr>
+        </p:nvSpPr>
+        <p:spPr/>
+        <p:txBody>
+          <a:bodyPr/>
+          <a:lstStyle/>
+          <a:p>
+            <a:fld id="{C72A1285-F988-4153-B7C5-B887A867730D}" type="slidenum">
+              <a:rPr lang="ru-RU" smtClean="0"/>
+              <a:t>43</a:t>
+            </a:fld>
+            <a:endParaRPr lang="ru-RU"/>
+          </a:p>
+        </p:txBody>
+      </p:sp>
+    </p:spTree>
+    <p:extLst>
+      <p:ext uri="{BB962C8B-B14F-4D97-AF65-F5344CB8AC3E}">
+        <p14:creationId xmlns:p14="http://schemas.microsoft.com/office/powerpoint/2010/main" val="2329746078"/>
+      </p:ext>
+    </p:extLst>
+  </p:cSld>
+  <p:clrMapOvr>
+    <a:masterClrMapping/>
+  </p:clrMapOvr>
+</p:notes>
+</file>
+
+<file path=ppt/notesSlides/notesSlide44.xml><?xml version="1.0" encoding="utf-8"?>
+<p:notes xmlns:a="http://schemas.openxmlformats.org/drawingml/2006/main" xmlns:r="http://schemas.openxmlformats.org/officeDocument/2006/relationships" xmlns:p="http://schemas.openxmlformats.org/presentationml/2006/main">
+  <p:cSld>
+    <p:spTree>
+      <p:nvGrpSpPr>
+        <p:cNvPr id="1" name=""/>
+        <p:cNvGrpSpPr/>
+        <p:nvPr/>
+      </p:nvGrpSpPr>
+      <p:grpSpPr>
+        <a:xfrm>
+          <a:off x="0" y="0"/>
+          <a:ext cx="0" cy="0"/>
+          <a:chOff x="0" y="0"/>
+          <a:chExt cx="0" cy="0"/>
+        </a:xfrm>
+      </p:grpSpPr>
+      <p:sp>
+        <p:nvSpPr>
+          <p:cNvPr id="2" name="Slide Image Placeholder 1"/>
+          <p:cNvSpPr>
+            <a:spLocks noGrp="1" noRot="1" noChangeAspect="1"/>
+          </p:cNvSpPr>
+          <p:nvPr>
+            <p:ph type="sldImg"/>
+          </p:nvPr>
+        </p:nvSpPr>
+        <p:spPr/>
+      </p:sp>
+      <p:sp>
+        <p:nvSpPr>
+          <p:cNvPr id="3" name="Notes Placeholder 2"/>
+          <p:cNvSpPr>
+            <a:spLocks noGrp="1"/>
+          </p:cNvSpPr>
+          <p:nvPr>
+            <p:ph type="body" idx="1"/>
+          </p:nvPr>
+        </p:nvSpPr>
+        <p:spPr/>
+        <p:txBody>
+          <a:bodyPr/>
+          <a:lstStyle/>
+          <a:p>
+            <a:endParaRPr lang="en-US"/>
+          </a:p>
+        </p:txBody>
+      </p:sp>
+      <p:sp>
+        <p:nvSpPr>
+          <p:cNvPr id="4" name="Slide Number Placeholder 3"/>
+          <p:cNvSpPr>
+            <a:spLocks noGrp="1"/>
+          </p:cNvSpPr>
+          <p:nvPr>
+            <p:ph type="sldNum" sz="quarter" idx="5"/>
+          </p:nvPr>
+        </p:nvSpPr>
+        <p:spPr/>
+        <p:txBody>
+          <a:bodyPr/>
+          <a:lstStyle/>
+          <a:p>
+            <a:fld id="{C72A1285-F988-4153-B7C5-B887A867730D}" type="slidenum">
+              <a:rPr lang="ru-RU" smtClean="0"/>
+              <a:t>44</a:t>
+            </a:fld>
+            <a:endParaRPr lang="ru-RU"/>
+          </a:p>
+        </p:txBody>
+      </p:sp>
+    </p:spTree>
+    <p:extLst>
+      <p:ext uri="{BB962C8B-B14F-4D97-AF65-F5344CB8AC3E}">
+        <p14:creationId xmlns:p14="http://schemas.microsoft.com/office/powerpoint/2010/main" val="2527992170"/>
+      </p:ext>
+    </p:extLst>
+  </p:cSld>
+  <p:clrMapOvr>
+    <a:masterClrMapping/>
+  </p:clrMapOvr>
+</p:notes>
+</file>
+
+<file path=ppt/notesSlides/notesSlide45.xml><?xml version="1.0" encoding="utf-8"?>
+<p:notes xmlns:a="http://schemas.openxmlformats.org/drawingml/2006/main" xmlns:r="http://schemas.openxmlformats.org/officeDocument/2006/relationships" xmlns:p="http://schemas.openxmlformats.org/presentationml/2006/main">
+  <p:cSld>
+    <p:spTree>
+      <p:nvGrpSpPr>
+        <p:cNvPr id="1" name=""/>
+        <p:cNvGrpSpPr/>
+        <p:nvPr/>
+      </p:nvGrpSpPr>
+      <p:grpSpPr>
+        <a:xfrm>
+          <a:off x="0" y="0"/>
+          <a:ext cx="0" cy="0"/>
+          <a:chOff x="0" y="0"/>
+          <a:chExt cx="0" cy="0"/>
+        </a:xfrm>
+      </p:grpSpPr>
+      <p:sp>
+        <p:nvSpPr>
+          <p:cNvPr id="2" name="Slide Image Placeholder 1"/>
+          <p:cNvSpPr>
+            <a:spLocks noGrp="1" noRot="1" noChangeAspect="1"/>
+          </p:cNvSpPr>
+          <p:nvPr>
+            <p:ph type="sldImg"/>
+          </p:nvPr>
+        </p:nvSpPr>
+        <p:spPr/>
+      </p:sp>
+      <p:sp>
+        <p:nvSpPr>
+          <p:cNvPr id="3" name="Notes Placeholder 2"/>
+          <p:cNvSpPr>
+            <a:spLocks noGrp="1"/>
+          </p:cNvSpPr>
+          <p:nvPr>
+            <p:ph type="body" idx="1"/>
+          </p:nvPr>
+        </p:nvSpPr>
+        <p:spPr/>
+        <p:txBody>
+          <a:bodyPr/>
+          <a:lstStyle/>
+          <a:p>
+            <a:endParaRPr lang="en-US"/>
+          </a:p>
+        </p:txBody>
+      </p:sp>
+      <p:sp>
+        <p:nvSpPr>
+          <p:cNvPr id="4" name="Slide Number Placeholder 3"/>
+          <p:cNvSpPr>
+            <a:spLocks noGrp="1"/>
+          </p:cNvSpPr>
+          <p:nvPr>
+            <p:ph type="sldNum" sz="quarter" idx="5"/>
+          </p:nvPr>
+        </p:nvSpPr>
+        <p:spPr/>
+        <p:txBody>
+          <a:bodyPr/>
+          <a:lstStyle/>
+          <a:p>
+            <a:fld id="{C72A1285-F988-4153-B7C5-B887A867730D}" type="slidenum">
+              <a:rPr lang="ru-RU" smtClean="0"/>
               <a:t>45</a:t>
             </a:fld>
             <a:endParaRPr lang="ru-RU"/>
@@ -4725,7 +4977,7 @@
 </p:notes>
 </file>
 
-<file path=ppt/notesSlides/notesSlide43.xml><?xml version="1.0" encoding="utf-8"?>
+<file path=ppt/notesSlides/notesSlide46.xml><?xml version="1.0" encoding="utf-8"?>
 <p:notes xmlns:a="http://schemas.openxmlformats.org/drawingml/2006/main" xmlns:r="http://schemas.openxmlformats.org/officeDocument/2006/relationships" xmlns:p="http://schemas.openxmlformats.org/presentationml/2006/main">
   <p:cSld>
     <p:spTree>
@@ -5393,7 +5645,7 @@
           <a:p>
             <a:fld id="{2590F9C9-AB92-4E86-B698-DEC9BF4350FF}" type="datetimeFigureOut">
               <a:rPr lang="ru-RU" smtClean="0"/>
-              <a:t>02.10.2025</a:t>
+              <a:t>25.10.2025</a:t>
             </a:fld>
             <a:endParaRPr lang="ru-RU"/>
           </a:p>
@@ -5593,7 +5845,7 @@
           <a:p>
             <a:fld id="{2590F9C9-AB92-4E86-B698-DEC9BF4350FF}" type="datetimeFigureOut">
               <a:rPr lang="ru-RU" smtClean="0"/>
-              <a:t>02.10.2025</a:t>
+              <a:t>25.10.2025</a:t>
             </a:fld>
             <a:endParaRPr lang="ru-RU"/>
           </a:p>
@@ -5803,7 +6055,7 @@
           <a:p>
             <a:fld id="{2590F9C9-AB92-4E86-B698-DEC9BF4350FF}" type="datetimeFigureOut">
               <a:rPr lang="ru-RU" smtClean="0"/>
-              <a:t>02.10.2025</a:t>
+              <a:t>25.10.2025</a:t>
             </a:fld>
             <a:endParaRPr lang="ru-RU"/>
           </a:p>
@@ -6003,7 +6255,7 @@
           <a:p>
             <a:fld id="{2590F9C9-AB92-4E86-B698-DEC9BF4350FF}" type="datetimeFigureOut">
               <a:rPr lang="ru-RU" smtClean="0"/>
-              <a:t>02.10.2025</a:t>
+              <a:t>25.10.2025</a:t>
             </a:fld>
             <a:endParaRPr lang="ru-RU"/>
           </a:p>
@@ -6279,7 +6531,7 @@
           <a:p>
             <a:fld id="{2590F9C9-AB92-4E86-B698-DEC9BF4350FF}" type="datetimeFigureOut">
               <a:rPr lang="ru-RU" smtClean="0"/>
-              <a:t>02.10.2025</a:t>
+              <a:t>25.10.2025</a:t>
             </a:fld>
             <a:endParaRPr lang="ru-RU"/>
           </a:p>
@@ -6547,7 +6799,7 @@
           <a:p>
             <a:fld id="{2590F9C9-AB92-4E86-B698-DEC9BF4350FF}" type="datetimeFigureOut">
               <a:rPr lang="ru-RU" smtClean="0"/>
-              <a:t>02.10.2025</a:t>
+              <a:t>25.10.2025</a:t>
             </a:fld>
             <a:endParaRPr lang="ru-RU"/>
           </a:p>
@@ -6962,7 +7214,7 @@
           <a:p>
             <a:fld id="{2590F9C9-AB92-4E86-B698-DEC9BF4350FF}" type="datetimeFigureOut">
               <a:rPr lang="ru-RU" smtClean="0"/>
-              <a:t>02.10.2025</a:t>
+              <a:t>25.10.2025</a:t>
             </a:fld>
             <a:endParaRPr lang="ru-RU"/>
           </a:p>
@@ -7104,7 +7356,7 @@
           <a:p>
             <a:fld id="{2590F9C9-AB92-4E86-B698-DEC9BF4350FF}" type="datetimeFigureOut">
               <a:rPr lang="ru-RU" smtClean="0"/>
-              <a:t>02.10.2025</a:t>
+              <a:t>25.10.2025</a:t>
             </a:fld>
             <a:endParaRPr lang="ru-RU"/>
           </a:p>
@@ -7217,7 +7469,7 @@
           <a:p>
             <a:fld id="{2590F9C9-AB92-4E86-B698-DEC9BF4350FF}" type="datetimeFigureOut">
               <a:rPr lang="ru-RU" smtClean="0"/>
-              <a:t>02.10.2025</a:t>
+              <a:t>25.10.2025</a:t>
             </a:fld>
             <a:endParaRPr lang="ru-RU"/>
           </a:p>
@@ -7530,7 +7782,7 @@
           <a:p>
             <a:fld id="{2590F9C9-AB92-4E86-B698-DEC9BF4350FF}" type="datetimeFigureOut">
               <a:rPr lang="ru-RU" smtClean="0"/>
-              <a:t>02.10.2025</a:t>
+              <a:t>25.10.2025</a:t>
             </a:fld>
             <a:endParaRPr lang="ru-RU"/>
           </a:p>
@@ -7819,7 +8071,7 @@
           <a:p>
             <a:fld id="{2590F9C9-AB92-4E86-B698-DEC9BF4350FF}" type="datetimeFigureOut">
               <a:rPr lang="ru-RU" smtClean="0"/>
-              <a:t>02.10.2025</a:t>
+              <a:t>25.10.2025</a:t>
             </a:fld>
             <a:endParaRPr lang="ru-RU"/>
           </a:p>
@@ -8062,7 +8314,7 @@
           <a:p>
             <a:fld id="{2590F9C9-AB92-4E86-B698-DEC9BF4350FF}" type="datetimeFigureOut">
               <a:rPr lang="ru-RU" smtClean="0"/>
-              <a:t>02.10.2025</a:t>
+              <a:t>25.10.2025</a:t>
             </a:fld>
             <a:endParaRPr lang="ru-RU"/>
           </a:p>
